--- a/Presentation.pptx
+++ b/Presentation.pptx
@@ -6,9 +6,16 @@
   </p:sldMasterIdLst>
   <p:sldIdLst>
     <p:sldId id="256" r:id="rId2"/>
-    <p:sldId id="257" r:id="rId3"/>
-    <p:sldId id="260" r:id="rId4"/>
-    <p:sldId id="261" r:id="rId5"/>
+    <p:sldId id="266" r:id="rId3"/>
+    <p:sldId id="257" r:id="rId4"/>
+    <p:sldId id="260" r:id="rId5"/>
+    <p:sldId id="262" r:id="rId6"/>
+    <p:sldId id="263" r:id="rId7"/>
+    <p:sldId id="264" r:id="rId8"/>
+    <p:sldId id="261" r:id="rId9"/>
+    <p:sldId id="265" r:id="rId10"/>
+    <p:sldId id="267" r:id="rId11"/>
+    <p:sldId id="268" r:id="rId12"/>
   </p:sldIdLst>
   <p:sldSz cx="12192000" cy="6858000"/>
   <p:notesSz cx="6858000" cy="9144000"/>
@@ -285,7 +292,7 @@
           <a:p>
             <a:fld id="{0F61DD96-DD91-4DAA-A947-86F8F3C6982C}" type="datetimeFigureOut">
               <a:rPr lang="en-ZA" smtClean="0"/>
-              <a:t>2018/07/04</a:t>
+              <a:t>2018/07/05</a:t>
             </a:fld>
             <a:endParaRPr lang="en-ZA"/>
           </a:p>
@@ -552,7 +559,7 @@
           <a:p>
             <a:fld id="{0F61DD96-DD91-4DAA-A947-86F8F3C6982C}" type="datetimeFigureOut">
               <a:rPr lang="en-ZA" smtClean="0"/>
-              <a:t>2018/07/04</a:t>
+              <a:t>2018/07/05</a:t>
             </a:fld>
             <a:endParaRPr lang="en-ZA"/>
           </a:p>
@@ -783,7 +790,7 @@
           <a:p>
             <a:fld id="{0F61DD96-DD91-4DAA-A947-86F8F3C6982C}" type="datetimeFigureOut">
               <a:rPr lang="en-ZA" smtClean="0"/>
-              <a:t>2018/07/04</a:t>
+              <a:t>2018/07/05</a:t>
             </a:fld>
             <a:endParaRPr lang="en-ZA"/>
           </a:p>
@@ -1093,7 +1100,7 @@
           <a:p>
             <a:fld id="{0F61DD96-DD91-4DAA-A947-86F8F3C6982C}" type="datetimeFigureOut">
               <a:rPr lang="en-ZA" smtClean="0"/>
-              <a:t>2018/07/04</a:t>
+              <a:t>2018/07/05</a:t>
             </a:fld>
             <a:endParaRPr lang="en-ZA"/>
           </a:p>
@@ -1566,7 +1573,7 @@
           <a:p>
             <a:fld id="{0F61DD96-DD91-4DAA-A947-86F8F3C6982C}" type="datetimeFigureOut">
               <a:rPr lang="en-ZA" smtClean="0"/>
-              <a:t>2018/07/04</a:t>
+              <a:t>2018/07/05</a:t>
             </a:fld>
             <a:endParaRPr lang="en-ZA"/>
           </a:p>
@@ -2113,7 +2120,7 @@
           <a:p>
             <a:fld id="{0F61DD96-DD91-4DAA-A947-86F8F3C6982C}" type="datetimeFigureOut">
               <a:rPr lang="en-ZA" smtClean="0"/>
-              <a:t>2018/07/04</a:t>
+              <a:t>2018/07/05</a:t>
             </a:fld>
             <a:endParaRPr lang="en-ZA"/>
           </a:p>
@@ -2887,7 +2894,7 @@
           <a:p>
             <a:fld id="{0F61DD96-DD91-4DAA-A947-86F8F3C6982C}" type="datetimeFigureOut">
               <a:rPr lang="en-ZA" smtClean="0"/>
-              <a:t>2018/07/04</a:t>
+              <a:t>2018/07/05</a:t>
             </a:fld>
             <a:endParaRPr lang="en-ZA"/>
           </a:p>
@@ -3062,7 +3069,7 @@
           <a:p>
             <a:fld id="{0F61DD96-DD91-4DAA-A947-86F8F3C6982C}" type="datetimeFigureOut">
               <a:rPr lang="en-ZA" smtClean="0"/>
-              <a:t>2018/07/04</a:t>
+              <a:t>2018/07/05</a:t>
             </a:fld>
             <a:endParaRPr lang="en-ZA"/>
           </a:p>
@@ -3285,7 +3292,7 @@
           <a:p>
             <a:fld id="{0F61DD96-DD91-4DAA-A947-86F8F3C6982C}" type="datetimeFigureOut">
               <a:rPr lang="en-ZA" smtClean="0"/>
-              <a:t>2018/07/04</a:t>
+              <a:t>2018/07/05</a:t>
             </a:fld>
             <a:endParaRPr lang="en-ZA"/>
           </a:p>
@@ -3465,7 +3472,7 @@
           <a:p>
             <a:fld id="{0F61DD96-DD91-4DAA-A947-86F8F3C6982C}" type="datetimeFigureOut">
               <a:rPr lang="en-ZA" smtClean="0"/>
-              <a:t>2018/07/04</a:t>
+              <a:t>2018/07/05</a:t>
             </a:fld>
             <a:endParaRPr lang="en-ZA"/>
           </a:p>
@@ -3754,7 +3761,7 @@
           <a:p>
             <a:fld id="{0F61DD96-DD91-4DAA-A947-86F8F3C6982C}" type="datetimeFigureOut">
               <a:rPr lang="en-ZA" smtClean="0"/>
-              <a:t>2018/07/04</a:t>
+              <a:t>2018/07/05</a:t>
             </a:fld>
             <a:endParaRPr lang="en-ZA"/>
           </a:p>
@@ -3996,7 +4003,7 @@
           <a:p>
             <a:fld id="{0F61DD96-DD91-4DAA-A947-86F8F3C6982C}" type="datetimeFigureOut">
               <a:rPr lang="en-ZA" smtClean="0"/>
-              <a:t>2018/07/04</a:t>
+              <a:t>2018/07/05</a:t>
             </a:fld>
             <a:endParaRPr lang="en-ZA"/>
           </a:p>
@@ -4375,7 +4382,7 @@
           <a:p>
             <a:fld id="{0F61DD96-DD91-4DAA-A947-86F8F3C6982C}" type="datetimeFigureOut">
               <a:rPr lang="en-ZA" smtClean="0"/>
-              <a:t>2018/07/04</a:t>
+              <a:t>2018/07/05</a:t>
             </a:fld>
             <a:endParaRPr lang="en-ZA"/>
           </a:p>
@@ -4493,7 +4500,7 @@
           <a:p>
             <a:fld id="{0F61DD96-DD91-4DAA-A947-86F8F3C6982C}" type="datetimeFigureOut">
               <a:rPr lang="en-ZA" smtClean="0"/>
-              <a:t>2018/07/04</a:t>
+              <a:t>2018/07/05</a:t>
             </a:fld>
             <a:endParaRPr lang="en-ZA"/>
           </a:p>
@@ -4588,7 +4595,7 @@
           <a:p>
             <a:fld id="{0F61DD96-DD91-4DAA-A947-86F8F3C6982C}" type="datetimeFigureOut">
               <a:rPr lang="en-ZA" smtClean="0"/>
-              <a:t>2018/07/04</a:t>
+              <a:t>2018/07/05</a:t>
             </a:fld>
             <a:endParaRPr lang="en-ZA"/>
           </a:p>
@@ -4837,7 +4844,7 @@
           <a:p>
             <a:fld id="{0F61DD96-DD91-4DAA-A947-86F8F3C6982C}" type="datetimeFigureOut">
               <a:rPr lang="en-ZA" smtClean="0"/>
-              <a:t>2018/07/04</a:t>
+              <a:t>2018/07/05</a:t>
             </a:fld>
             <a:endParaRPr lang="en-ZA"/>
           </a:p>
@@ -5094,7 +5101,7 @@
           <a:p>
             <a:fld id="{0F61DD96-DD91-4DAA-A947-86F8F3C6982C}" type="datetimeFigureOut">
               <a:rPr lang="en-ZA" smtClean="0"/>
-              <a:t>2018/07/04</a:t>
+              <a:t>2018/07/05</a:t>
             </a:fld>
             <a:endParaRPr lang="en-ZA"/>
           </a:p>
@@ -5337,7 +5344,7 @@
           <a:p>
             <a:fld id="{0F61DD96-DD91-4DAA-A947-86F8F3C6982C}" type="datetimeFigureOut">
               <a:rPr lang="en-ZA" smtClean="0"/>
-              <a:t>2018/07/04</a:t>
+              <a:t>2018/07/05</a:t>
             </a:fld>
             <a:endParaRPr lang="en-ZA"/>
           </a:p>
@@ -5828,6 +5835,193 @@
 </p:sld>
 </file>
 
+<file path=ppt/slides/slide10.xml><?xml version="1.0" encoding="utf-8"?>
+<p:sld xmlns:a="http://schemas.openxmlformats.org/drawingml/2006/main" xmlns:r="http://schemas.openxmlformats.org/officeDocument/2006/relationships" xmlns:p="http://schemas.openxmlformats.org/presentationml/2006/main">
+  <p:cSld>
+    <p:spTree>
+      <p:nvGrpSpPr>
+        <p:cNvPr id="1" name=""/>
+        <p:cNvGrpSpPr/>
+        <p:nvPr/>
+      </p:nvGrpSpPr>
+      <p:grpSpPr>
+        <a:xfrm>
+          <a:off x="0" y="0"/>
+          <a:ext cx="0" cy="0"/>
+          <a:chOff x="0" y="0"/>
+          <a:chExt cx="0" cy="0"/>
+        </a:xfrm>
+      </p:grpSpPr>
+      <p:sp>
+        <p:nvSpPr>
+          <p:cNvPr id="2" name="Title 1">
+            <a:extLst>
+              <a:ext uri="{FF2B5EF4-FFF2-40B4-BE49-F238E27FC236}">
+                <a16:creationId xmlns:a16="http://schemas.microsoft.com/office/drawing/2014/main" id="{6CB99DFA-5F0E-477B-81EF-0D2591513E47}"/>
+              </a:ext>
+            </a:extLst>
+          </p:cNvPr>
+          <p:cNvSpPr>
+            <a:spLocks noGrp="1"/>
+          </p:cNvSpPr>
+          <p:nvPr>
+            <p:ph type="title"/>
+          </p:nvPr>
+        </p:nvSpPr>
+        <p:spPr/>
+        <p:txBody>
+          <a:bodyPr/>
+          <a:lstStyle/>
+          <a:p>
+            <a:r>
+              <a:rPr lang="en-ZA" dirty="0" err="1"/>
+              <a:t>DEmo</a:t>
+            </a:r>
+            <a:endParaRPr lang="en-ZA" dirty="0"/>
+          </a:p>
+        </p:txBody>
+      </p:sp>
+      <p:sp>
+        <p:nvSpPr>
+          <p:cNvPr id="3" name="Content Placeholder 2">
+            <a:extLst>
+              <a:ext uri="{FF2B5EF4-FFF2-40B4-BE49-F238E27FC236}">
+                <a16:creationId xmlns:a16="http://schemas.microsoft.com/office/drawing/2014/main" id="{E5106E75-B2BF-4A41-8603-C2CE8871FA66}"/>
+              </a:ext>
+            </a:extLst>
+          </p:cNvPr>
+          <p:cNvSpPr>
+            <a:spLocks noGrp="1"/>
+          </p:cNvSpPr>
+          <p:nvPr>
+            <p:ph idx="1"/>
+          </p:nvPr>
+        </p:nvSpPr>
+        <p:spPr/>
+        <p:txBody>
+          <a:bodyPr/>
+          <a:lstStyle/>
+          <a:p>
+            <a:endParaRPr lang="en-ZA"/>
+          </a:p>
+        </p:txBody>
+      </p:sp>
+    </p:spTree>
+    <p:extLst>
+      <p:ext uri="{BB962C8B-B14F-4D97-AF65-F5344CB8AC3E}">
+        <p14:creationId xmlns:p14="http://schemas.microsoft.com/office/powerpoint/2010/main" val="940717888"/>
+      </p:ext>
+    </p:extLst>
+  </p:cSld>
+  <p:clrMapOvr>
+    <a:masterClrMapping/>
+  </p:clrMapOvr>
+</p:sld>
+</file>
+
+<file path=ppt/slides/slide11.xml><?xml version="1.0" encoding="utf-8"?>
+<p:sld xmlns:a="http://schemas.openxmlformats.org/drawingml/2006/main" xmlns:r="http://schemas.openxmlformats.org/officeDocument/2006/relationships" xmlns:p="http://schemas.openxmlformats.org/presentationml/2006/main">
+  <p:cSld>
+    <p:spTree>
+      <p:nvGrpSpPr>
+        <p:cNvPr id="1" name=""/>
+        <p:cNvGrpSpPr/>
+        <p:nvPr/>
+      </p:nvGrpSpPr>
+      <p:grpSpPr>
+        <a:xfrm>
+          <a:off x="0" y="0"/>
+          <a:ext cx="0" cy="0"/>
+          <a:chOff x="0" y="0"/>
+          <a:chExt cx="0" cy="0"/>
+        </a:xfrm>
+      </p:grpSpPr>
+      <p:sp>
+        <p:nvSpPr>
+          <p:cNvPr id="2" name="Title 1">
+            <a:extLst>
+              <a:ext uri="{FF2B5EF4-FFF2-40B4-BE49-F238E27FC236}">
+                <a16:creationId xmlns:a16="http://schemas.microsoft.com/office/drawing/2014/main" id="{5D63D6FE-15C4-43C9-9615-3181E2A271E0}"/>
+              </a:ext>
+            </a:extLst>
+          </p:cNvPr>
+          <p:cNvSpPr>
+            <a:spLocks noGrp="1"/>
+          </p:cNvSpPr>
+          <p:nvPr>
+            <p:ph type="title"/>
+          </p:nvPr>
+        </p:nvSpPr>
+        <p:spPr/>
+        <p:txBody>
+          <a:bodyPr/>
+          <a:lstStyle/>
+          <a:p>
+            <a:r>
+              <a:rPr lang="en-ZA" dirty="0"/>
+              <a:t>What we learnt</a:t>
+            </a:r>
+          </a:p>
+        </p:txBody>
+      </p:sp>
+      <p:sp>
+        <p:nvSpPr>
+          <p:cNvPr id="3" name="Content Placeholder 2">
+            <a:extLst>
+              <a:ext uri="{FF2B5EF4-FFF2-40B4-BE49-F238E27FC236}">
+                <a16:creationId xmlns:a16="http://schemas.microsoft.com/office/drawing/2014/main" id="{9C6EFA0B-4247-472C-8B77-9AD11D4D8A32}"/>
+              </a:ext>
+            </a:extLst>
+          </p:cNvPr>
+          <p:cNvSpPr>
+            <a:spLocks noGrp="1"/>
+          </p:cNvSpPr>
+          <p:nvPr>
+            <p:ph idx="1"/>
+          </p:nvPr>
+        </p:nvSpPr>
+        <p:spPr/>
+        <p:txBody>
+          <a:bodyPr/>
+          <a:lstStyle/>
+          <a:p>
+            <a:r>
+              <a:rPr lang="en-ZA" dirty="0"/>
+              <a:t>Just because something sounds small doesn’t mean it is</a:t>
+            </a:r>
+          </a:p>
+          <a:p>
+            <a:r>
+              <a:rPr lang="en-ZA"/>
+              <a:t>Occam’s razor-The </a:t>
+            </a:r>
+            <a:r>
+              <a:rPr lang="en-ZA" dirty="0"/>
+              <a:t>simplest solution tends to be the </a:t>
+            </a:r>
+            <a:r>
+              <a:rPr lang="en-ZA"/>
+              <a:t>right one</a:t>
+            </a:r>
+          </a:p>
+          <a:p>
+            <a:endParaRPr lang="en-ZA" dirty="0"/>
+          </a:p>
+        </p:txBody>
+      </p:sp>
+    </p:spTree>
+    <p:extLst>
+      <p:ext uri="{BB962C8B-B14F-4D97-AF65-F5344CB8AC3E}">
+        <p14:creationId xmlns:p14="http://schemas.microsoft.com/office/powerpoint/2010/main" val="3679084924"/>
+      </p:ext>
+    </p:extLst>
+  </p:cSld>
+  <p:clrMapOvr>
+    <a:masterClrMapping/>
+  </p:clrMapOvr>
+</p:sld>
+</file>
+
 <file path=ppt/slides/slide2.xml><?xml version="1.0" encoding="utf-8"?>
 <p:sld xmlns:a="http://schemas.openxmlformats.org/drawingml/2006/main" xmlns:r="http://schemas.openxmlformats.org/officeDocument/2006/relationships" xmlns:p="http://schemas.openxmlformats.org/presentationml/2006/main">
   <p:cSld>
@@ -5847,10 +6041,10 @@
       </p:grpSpPr>
       <p:sp>
         <p:nvSpPr>
-          <p:cNvPr id="2" name="Title 1">
+          <p:cNvPr id="5" name="Content Placeholder 4">
             <a:extLst>
               <a:ext uri="{FF2B5EF4-FFF2-40B4-BE49-F238E27FC236}">
-                <a16:creationId xmlns:a16="http://schemas.microsoft.com/office/drawing/2014/main" id="{8DC02F12-9C62-4718-9C3B-4F020FFACA64}"/>
+                <a16:creationId xmlns:a16="http://schemas.microsoft.com/office/drawing/2014/main" id="{E9081107-3355-4448-B76C-898F4266B70D}"/>
               </a:ext>
             </a:extLst>
           </p:cNvPr>
@@ -5858,97 +6052,19 @@
             <a:spLocks noGrp="1"/>
           </p:cNvSpPr>
           <p:nvPr>
-            <p:ph type="title"/>
-          </p:nvPr>
-        </p:nvSpPr>
-        <p:spPr/>
-        <p:txBody>
-          <a:bodyPr/>
-          <a:lstStyle/>
-          <a:p>
-            <a:r>
-              <a:rPr lang="en-ZA" dirty="0"/>
-              <a:t>Task</a:t>
-            </a:r>
-          </a:p>
-        </p:txBody>
-      </p:sp>
-      <p:sp>
-        <p:nvSpPr>
-          <p:cNvPr id="3" name="Content Placeholder 2">
-            <a:extLst>
-              <a:ext uri="{FF2B5EF4-FFF2-40B4-BE49-F238E27FC236}">
-                <a16:creationId xmlns:a16="http://schemas.microsoft.com/office/drawing/2014/main" id="{A3F0CE9F-EB8A-45DE-9C63-912AD77D590B}"/>
-              </a:ext>
-            </a:extLst>
-          </p:cNvPr>
-          <p:cNvSpPr>
-            <a:spLocks noGrp="1"/>
-          </p:cNvSpPr>
-          <p:nvPr>
             <p:ph idx="1"/>
           </p:nvPr>
         </p:nvSpPr>
-        <p:spPr/>
-        <p:txBody>
-          <a:bodyPr/>
-          <a:lstStyle/>
-          <a:p>
-            <a:r>
-              <a:rPr lang="en-ZA" dirty="0"/>
-              <a:t>BBD has many meeting rooms</a:t>
-            </a:r>
-          </a:p>
-          <a:p>
-            <a:r>
-              <a:rPr lang="en-ZA" dirty="0"/>
-              <a:t>Employees use Microsoft Outlook to book a time to use a specific room</a:t>
-            </a:r>
-          </a:p>
-          <a:p>
-            <a:r>
-              <a:rPr lang="en-ZA" dirty="0"/>
-              <a:t>A printout is then displayed outside the meeting room</a:t>
-            </a:r>
-          </a:p>
-          <a:p>
-            <a:r>
-              <a:rPr lang="en-ZA" dirty="0"/>
-              <a:t>The problem is that printouts posted will not contained updated information</a:t>
-            </a:r>
-          </a:p>
-          <a:p>
-            <a:r>
-              <a:rPr lang="en-ZA" dirty="0"/>
-              <a:t>The task is to create a program that will enable a mounted device to display this information</a:t>
-            </a:r>
-          </a:p>
-          <a:p>
-            <a:r>
-              <a:rPr lang="en-ZA" dirty="0"/>
-              <a:t>Resources given:</a:t>
-            </a:r>
-          </a:p>
-          <a:p>
-            <a:pPr lvl="1"/>
-            <a:r>
-              <a:rPr lang="en-ZA" dirty="0" err="1"/>
-              <a:t>Raspberri</a:t>
-            </a:r>
-            <a:r>
-              <a:rPr lang="en-ZA" dirty="0"/>
-              <a:t> Pi with touch screen</a:t>
-            </a:r>
-          </a:p>
-          <a:p>
-            <a:pPr lvl="1"/>
-            <a:r>
-              <a:rPr lang="en-ZA" dirty="0"/>
-              <a:t>Azure Active Directory credentials</a:t>
-            </a:r>
-          </a:p>
-          <a:p>
-            <a:pPr lvl="1"/>
+        <p:spPr>
+          <a:xfrm>
+            <a:off x="685800" y="1524000"/>
+            <a:ext cx="10820400" cy="4694685"/>
+          </a:xfrm>
+        </p:spPr>
+        <p:txBody>
+          <a:bodyPr/>
+          <a:lstStyle/>
+          <a:p>
             <a:endParaRPr lang="en-ZA" dirty="0"/>
           </a:p>
         </p:txBody>
@@ -5956,7 +6072,7 @@
     </p:spTree>
     <p:extLst>
       <p:ext uri="{BB962C8B-B14F-4D97-AF65-F5344CB8AC3E}">
-        <p14:creationId xmlns:p14="http://schemas.microsoft.com/office/powerpoint/2010/main" val="393314490"/>
+        <p14:creationId xmlns:p14="http://schemas.microsoft.com/office/powerpoint/2010/main" val="144634229"/>
       </p:ext>
     </p:extLst>
   </p:cSld>
@@ -5988,7 +6104,7 @@
           <p:cNvPr id="2" name="Title 1">
             <a:extLst>
               <a:ext uri="{FF2B5EF4-FFF2-40B4-BE49-F238E27FC236}">
-                <a16:creationId xmlns:a16="http://schemas.microsoft.com/office/drawing/2014/main" id="{F36C68AD-7EAC-4B32-8CE0-78A672F0CC7F}"/>
+                <a16:creationId xmlns:a16="http://schemas.microsoft.com/office/drawing/2014/main" id="{8DC02F12-9C62-4718-9C3B-4F020FFACA64}"/>
               </a:ext>
             </a:extLst>
           </p:cNvPr>
@@ -6006,7 +6122,7 @@
           <a:p>
             <a:r>
               <a:rPr lang="en-ZA" dirty="0"/>
-              <a:t>How</a:t>
+              <a:t>Task</a:t>
             </a:r>
           </a:p>
         </p:txBody>
@@ -6016,7 +6132,7 @@
           <p:cNvPr id="3" name="Content Placeholder 2">
             <a:extLst>
               <a:ext uri="{FF2B5EF4-FFF2-40B4-BE49-F238E27FC236}">
-                <a16:creationId xmlns:a16="http://schemas.microsoft.com/office/drawing/2014/main" id="{3D79F83A-395E-4228-9689-2C171D8A4B49}"/>
+                <a16:creationId xmlns:a16="http://schemas.microsoft.com/office/drawing/2014/main" id="{A3F0CE9F-EB8A-45DE-9C63-912AD77D590B}"/>
               </a:ext>
             </a:extLst>
           </p:cNvPr>
@@ -6034,59 +6150,59 @@
           <a:p>
             <a:r>
               <a:rPr lang="en-ZA" dirty="0"/>
-              <a:t>Web based application:</a:t>
+              <a:t>BBD has many meeting rooms</a:t>
+            </a:r>
+          </a:p>
+          <a:p>
+            <a:r>
+              <a:rPr lang="en-ZA" dirty="0"/>
+              <a:t>Employees use Microsoft Outlook to book a time to use a specific room</a:t>
+            </a:r>
+          </a:p>
+          <a:p>
+            <a:r>
+              <a:rPr lang="en-ZA" dirty="0"/>
+              <a:t>A printout is then displayed outside the meeting room</a:t>
+            </a:r>
+          </a:p>
+          <a:p>
+            <a:r>
+              <a:rPr lang="en-ZA" dirty="0"/>
+              <a:t>The problem is that printouts posted will not contained updated information</a:t>
+            </a:r>
+          </a:p>
+          <a:p>
+            <a:r>
+              <a:rPr lang="en-ZA" dirty="0"/>
+              <a:t>The task is to create a program that will enable a mounted device to display this information</a:t>
+            </a:r>
+          </a:p>
+          <a:p>
+            <a:r>
+              <a:rPr lang="en-ZA" dirty="0"/>
+              <a:t>Resources given:</a:t>
             </a:r>
           </a:p>
           <a:p>
             <a:pPr lvl="1"/>
             <a:r>
+              <a:rPr lang="en-ZA" dirty="0" err="1"/>
+              <a:t>Raspberri</a:t>
+            </a:r>
+            <a:r>
               <a:rPr lang="en-ZA" dirty="0"/>
-              <a:t>JavaScript</a:t>
+              <a:t> Pi with touch screen</a:t>
             </a:r>
           </a:p>
           <a:p>
             <a:pPr lvl="1"/>
             <a:r>
               <a:rPr lang="en-ZA" dirty="0"/>
-              <a:t>HTML+CSS</a:t>
-            </a:r>
-          </a:p>
-          <a:p>
-            <a:r>
-              <a:rPr lang="en-ZA" dirty="0"/>
-              <a:t>Host on an external server:</a:t>
+              <a:t>Azure Active Directory credentials</a:t>
             </a:r>
           </a:p>
           <a:p>
             <a:pPr lvl="1"/>
-            <a:r>
-              <a:rPr lang="en-ZA" dirty="0"/>
-              <a:t>XAMPP (apache)</a:t>
-            </a:r>
-          </a:p>
-          <a:p>
-            <a:r>
-              <a:rPr lang="en-ZA" dirty="0"/>
-              <a:t>Web based application will get meeting information from Azure AD:</a:t>
-            </a:r>
-          </a:p>
-          <a:p>
-            <a:pPr lvl="1"/>
-            <a:r>
-              <a:rPr lang="en-ZA" dirty="0"/>
-              <a:t>Object (Room) ID</a:t>
-            </a:r>
-          </a:p>
-          <a:p>
-            <a:pPr marL="457200" lvl="1" indent="0">
-              <a:buNone/>
-            </a:pPr>
-            <a:endParaRPr lang="en-ZA" dirty="0"/>
-          </a:p>
-          <a:p>
-            <a:pPr marL="0" indent="0">
-              <a:buNone/>
-            </a:pPr>
             <a:endParaRPr lang="en-ZA" dirty="0"/>
           </a:p>
         </p:txBody>
@@ -6094,7 +6210,7 @@
     </p:spTree>
     <p:extLst>
       <p:ext uri="{BB962C8B-B14F-4D97-AF65-F5344CB8AC3E}">
-        <p14:creationId xmlns:p14="http://schemas.microsoft.com/office/powerpoint/2010/main" val="126132924"/>
+        <p14:creationId xmlns:p14="http://schemas.microsoft.com/office/powerpoint/2010/main" val="393314490"/>
       </p:ext>
     </p:extLst>
   </p:cSld>
@@ -6126,6 +6242,417 @@
           <p:cNvPr id="2" name="Title 1">
             <a:extLst>
               <a:ext uri="{FF2B5EF4-FFF2-40B4-BE49-F238E27FC236}">
+                <a16:creationId xmlns:a16="http://schemas.microsoft.com/office/drawing/2014/main" id="{F36C68AD-7EAC-4B32-8CE0-78A672F0CC7F}"/>
+              </a:ext>
+            </a:extLst>
+          </p:cNvPr>
+          <p:cNvSpPr>
+            <a:spLocks noGrp="1"/>
+          </p:cNvSpPr>
+          <p:nvPr>
+            <p:ph type="title"/>
+          </p:nvPr>
+        </p:nvSpPr>
+        <p:spPr/>
+        <p:txBody>
+          <a:bodyPr/>
+          <a:lstStyle/>
+          <a:p>
+            <a:r>
+              <a:rPr lang="en-ZA" dirty="0"/>
+              <a:t>How</a:t>
+            </a:r>
+          </a:p>
+        </p:txBody>
+      </p:sp>
+      <p:sp>
+        <p:nvSpPr>
+          <p:cNvPr id="3" name="Content Placeholder 2">
+            <a:extLst>
+              <a:ext uri="{FF2B5EF4-FFF2-40B4-BE49-F238E27FC236}">
+                <a16:creationId xmlns:a16="http://schemas.microsoft.com/office/drawing/2014/main" id="{3D79F83A-395E-4228-9689-2C171D8A4B49}"/>
+              </a:ext>
+            </a:extLst>
+          </p:cNvPr>
+          <p:cNvSpPr>
+            <a:spLocks noGrp="1"/>
+          </p:cNvSpPr>
+          <p:nvPr>
+            <p:ph idx="1"/>
+          </p:nvPr>
+        </p:nvSpPr>
+        <p:spPr/>
+        <p:txBody>
+          <a:bodyPr/>
+          <a:lstStyle/>
+          <a:p>
+            <a:r>
+              <a:rPr lang="en-ZA" dirty="0"/>
+              <a:t>Web based application:</a:t>
+            </a:r>
+          </a:p>
+          <a:p>
+            <a:pPr lvl="1"/>
+            <a:r>
+              <a:rPr lang="en-ZA" dirty="0"/>
+              <a:t>JavaScript</a:t>
+            </a:r>
+          </a:p>
+          <a:p>
+            <a:pPr lvl="1"/>
+            <a:r>
+              <a:rPr lang="en-ZA" dirty="0"/>
+              <a:t>HTML+CSS</a:t>
+            </a:r>
+          </a:p>
+          <a:p>
+            <a:pPr lvl="1"/>
+            <a:r>
+              <a:rPr lang="en-ZA" dirty="0"/>
+              <a:t>Link to Azure Active Directory</a:t>
+            </a:r>
+          </a:p>
+          <a:p>
+            <a:r>
+              <a:rPr lang="en-ZA" dirty="0"/>
+              <a:t>Host on an external server:</a:t>
+            </a:r>
+          </a:p>
+          <a:p>
+            <a:pPr lvl="1"/>
+            <a:r>
+              <a:rPr lang="en-ZA" dirty="0"/>
+              <a:t>XAMPP (Apache)</a:t>
+            </a:r>
+          </a:p>
+          <a:p>
+            <a:pPr marL="457200" lvl="1" indent="0">
+              <a:buNone/>
+            </a:pPr>
+            <a:endParaRPr lang="en-ZA" dirty="0"/>
+          </a:p>
+          <a:p>
+            <a:pPr marL="0" indent="0">
+              <a:buNone/>
+            </a:pPr>
+            <a:endParaRPr lang="en-ZA" dirty="0"/>
+          </a:p>
+        </p:txBody>
+      </p:sp>
+    </p:spTree>
+    <p:extLst>
+      <p:ext uri="{BB962C8B-B14F-4D97-AF65-F5344CB8AC3E}">
+        <p14:creationId xmlns:p14="http://schemas.microsoft.com/office/powerpoint/2010/main" val="126132924"/>
+      </p:ext>
+    </p:extLst>
+  </p:cSld>
+  <p:clrMapOvr>
+    <a:masterClrMapping/>
+  </p:clrMapOvr>
+</p:sld>
+</file>
+
+<file path=ppt/slides/slide5.xml><?xml version="1.0" encoding="utf-8"?>
+<p:sld xmlns:a="http://schemas.openxmlformats.org/drawingml/2006/main" xmlns:r="http://schemas.openxmlformats.org/officeDocument/2006/relationships" xmlns:p="http://schemas.openxmlformats.org/presentationml/2006/main">
+  <p:cSld>
+    <p:spTree>
+      <p:nvGrpSpPr>
+        <p:cNvPr id="1" name=""/>
+        <p:cNvGrpSpPr/>
+        <p:nvPr/>
+      </p:nvGrpSpPr>
+      <p:grpSpPr>
+        <a:xfrm>
+          <a:off x="0" y="0"/>
+          <a:ext cx="0" cy="0"/>
+          <a:chOff x="0" y="0"/>
+          <a:chExt cx="0" cy="0"/>
+        </a:xfrm>
+      </p:grpSpPr>
+      <p:sp>
+        <p:nvSpPr>
+          <p:cNvPr id="2" name="Title 1">
+            <a:extLst>
+              <a:ext uri="{FF2B5EF4-FFF2-40B4-BE49-F238E27FC236}">
+                <a16:creationId xmlns:a16="http://schemas.microsoft.com/office/drawing/2014/main" id="{F77B0346-E4C2-4960-8FCE-B574D574FB37}"/>
+              </a:ext>
+            </a:extLst>
+          </p:cNvPr>
+          <p:cNvSpPr>
+            <a:spLocks noGrp="1"/>
+          </p:cNvSpPr>
+          <p:nvPr>
+            <p:ph type="title"/>
+          </p:nvPr>
+        </p:nvSpPr>
+        <p:spPr/>
+        <p:txBody>
+          <a:bodyPr/>
+          <a:lstStyle/>
+          <a:p>
+            <a:r>
+              <a:rPr lang="en-ZA" dirty="0"/>
+              <a:t>JavaScript</a:t>
+            </a:r>
+          </a:p>
+        </p:txBody>
+      </p:sp>
+      <p:sp>
+        <p:nvSpPr>
+          <p:cNvPr id="3" name="Content Placeholder 2">
+            <a:extLst>
+              <a:ext uri="{FF2B5EF4-FFF2-40B4-BE49-F238E27FC236}">
+                <a16:creationId xmlns:a16="http://schemas.microsoft.com/office/drawing/2014/main" id="{48FBD4E4-D378-43E6-8EFE-9FCFF4C1102C}"/>
+              </a:ext>
+            </a:extLst>
+          </p:cNvPr>
+          <p:cNvSpPr>
+            <a:spLocks noGrp="1"/>
+          </p:cNvSpPr>
+          <p:nvPr>
+            <p:ph idx="1"/>
+          </p:nvPr>
+        </p:nvSpPr>
+        <p:spPr/>
+        <p:txBody>
+          <a:bodyPr/>
+          <a:lstStyle/>
+          <a:p>
+            <a:r>
+              <a:rPr lang="en-ZA" dirty="0"/>
+              <a:t>Tokens</a:t>
+            </a:r>
+          </a:p>
+          <a:p>
+            <a:r>
+              <a:rPr lang="en-ZA" dirty="0"/>
+              <a:t>Authentication</a:t>
+            </a:r>
+          </a:p>
+          <a:p>
+            <a:r>
+              <a:rPr lang="en-ZA" dirty="0"/>
+              <a:t>Pull data</a:t>
+            </a:r>
+          </a:p>
+          <a:p>
+            <a:r>
+              <a:rPr lang="en-ZA" dirty="0"/>
+              <a:t>Populate table</a:t>
+            </a:r>
+          </a:p>
+          <a:p>
+            <a:r>
+              <a:rPr lang="en-ZA" dirty="0"/>
+              <a:t>Refresh</a:t>
+            </a:r>
+          </a:p>
+          <a:p>
+            <a:endParaRPr lang="en-ZA" dirty="0"/>
+          </a:p>
+        </p:txBody>
+      </p:sp>
+    </p:spTree>
+    <p:extLst>
+      <p:ext uri="{BB962C8B-B14F-4D97-AF65-F5344CB8AC3E}">
+        <p14:creationId xmlns:p14="http://schemas.microsoft.com/office/powerpoint/2010/main" val="2937392254"/>
+      </p:ext>
+    </p:extLst>
+  </p:cSld>
+  <p:clrMapOvr>
+    <a:masterClrMapping/>
+  </p:clrMapOvr>
+</p:sld>
+</file>
+
+<file path=ppt/slides/slide6.xml><?xml version="1.0" encoding="utf-8"?>
+<p:sld xmlns:a="http://schemas.openxmlformats.org/drawingml/2006/main" xmlns:r="http://schemas.openxmlformats.org/officeDocument/2006/relationships" xmlns:p="http://schemas.openxmlformats.org/presentationml/2006/main">
+  <p:cSld>
+    <p:spTree>
+      <p:nvGrpSpPr>
+        <p:cNvPr id="1" name=""/>
+        <p:cNvGrpSpPr/>
+        <p:nvPr/>
+      </p:nvGrpSpPr>
+      <p:grpSpPr>
+        <a:xfrm>
+          <a:off x="0" y="0"/>
+          <a:ext cx="0" cy="0"/>
+          <a:chOff x="0" y="0"/>
+          <a:chExt cx="0" cy="0"/>
+        </a:xfrm>
+      </p:grpSpPr>
+      <p:sp>
+        <p:nvSpPr>
+          <p:cNvPr id="2" name="Title 1">
+            <a:extLst>
+              <a:ext uri="{FF2B5EF4-FFF2-40B4-BE49-F238E27FC236}">
+                <a16:creationId xmlns:a16="http://schemas.microsoft.com/office/drawing/2014/main" id="{34C98536-B10B-434E-9CC7-A0E0B1A1D13E}"/>
+              </a:ext>
+            </a:extLst>
+          </p:cNvPr>
+          <p:cNvSpPr>
+            <a:spLocks noGrp="1"/>
+          </p:cNvSpPr>
+          <p:nvPr>
+            <p:ph type="title"/>
+          </p:nvPr>
+        </p:nvSpPr>
+        <p:spPr/>
+        <p:txBody>
+          <a:bodyPr/>
+          <a:lstStyle/>
+          <a:p>
+            <a:r>
+              <a:rPr lang="en-ZA" dirty="0"/>
+              <a:t>HTML+CSS</a:t>
+            </a:r>
+          </a:p>
+        </p:txBody>
+      </p:sp>
+      <p:sp>
+        <p:nvSpPr>
+          <p:cNvPr id="3" name="Content Placeholder 2">
+            <a:extLst>
+              <a:ext uri="{FF2B5EF4-FFF2-40B4-BE49-F238E27FC236}">
+                <a16:creationId xmlns:a16="http://schemas.microsoft.com/office/drawing/2014/main" id="{78661C81-9B33-4FDD-BF8B-576AAB95A1AC}"/>
+              </a:ext>
+            </a:extLst>
+          </p:cNvPr>
+          <p:cNvSpPr>
+            <a:spLocks noGrp="1"/>
+          </p:cNvSpPr>
+          <p:nvPr>
+            <p:ph idx="1"/>
+          </p:nvPr>
+        </p:nvSpPr>
+        <p:spPr/>
+        <p:txBody>
+          <a:bodyPr/>
+          <a:lstStyle/>
+          <a:p>
+            <a:endParaRPr lang="en-ZA"/>
+          </a:p>
+        </p:txBody>
+      </p:sp>
+    </p:spTree>
+    <p:extLst>
+      <p:ext uri="{BB962C8B-B14F-4D97-AF65-F5344CB8AC3E}">
+        <p14:creationId xmlns:p14="http://schemas.microsoft.com/office/powerpoint/2010/main" val="3095995025"/>
+      </p:ext>
+    </p:extLst>
+  </p:cSld>
+  <p:clrMapOvr>
+    <a:masterClrMapping/>
+  </p:clrMapOvr>
+</p:sld>
+</file>
+
+<file path=ppt/slides/slide7.xml><?xml version="1.0" encoding="utf-8"?>
+<p:sld xmlns:a="http://schemas.openxmlformats.org/drawingml/2006/main" xmlns:r="http://schemas.openxmlformats.org/officeDocument/2006/relationships" xmlns:p="http://schemas.openxmlformats.org/presentationml/2006/main">
+  <p:cSld>
+    <p:spTree>
+      <p:nvGrpSpPr>
+        <p:cNvPr id="1" name=""/>
+        <p:cNvGrpSpPr/>
+        <p:nvPr/>
+      </p:nvGrpSpPr>
+      <p:grpSpPr>
+        <a:xfrm>
+          <a:off x="0" y="0"/>
+          <a:ext cx="0" cy="0"/>
+          <a:chOff x="0" y="0"/>
+          <a:chExt cx="0" cy="0"/>
+        </a:xfrm>
+      </p:grpSpPr>
+      <p:sp>
+        <p:nvSpPr>
+          <p:cNvPr id="2" name="Title 1">
+            <a:extLst>
+              <a:ext uri="{FF2B5EF4-FFF2-40B4-BE49-F238E27FC236}">
+                <a16:creationId xmlns:a16="http://schemas.microsoft.com/office/drawing/2014/main" id="{177EC65B-6D56-408E-B4F1-DE2203095FCE}"/>
+              </a:ext>
+            </a:extLst>
+          </p:cNvPr>
+          <p:cNvSpPr>
+            <a:spLocks noGrp="1"/>
+          </p:cNvSpPr>
+          <p:nvPr>
+            <p:ph type="title"/>
+          </p:nvPr>
+        </p:nvSpPr>
+        <p:spPr/>
+        <p:txBody>
+          <a:bodyPr/>
+          <a:lstStyle/>
+          <a:p>
+            <a:r>
+              <a:rPr lang="en-ZA" dirty="0"/>
+              <a:t>Design Choices</a:t>
+            </a:r>
+          </a:p>
+        </p:txBody>
+      </p:sp>
+      <p:sp>
+        <p:nvSpPr>
+          <p:cNvPr id="3" name="Content Placeholder 2">
+            <a:extLst>
+              <a:ext uri="{FF2B5EF4-FFF2-40B4-BE49-F238E27FC236}">
+                <a16:creationId xmlns:a16="http://schemas.microsoft.com/office/drawing/2014/main" id="{8C72BE35-8AF8-48BE-AF24-D9E9E844F85D}"/>
+              </a:ext>
+            </a:extLst>
+          </p:cNvPr>
+          <p:cNvSpPr>
+            <a:spLocks noGrp="1"/>
+          </p:cNvSpPr>
+          <p:nvPr>
+            <p:ph idx="1"/>
+          </p:nvPr>
+        </p:nvSpPr>
+        <p:spPr/>
+        <p:txBody>
+          <a:bodyPr/>
+          <a:lstStyle/>
+          <a:p>
+            <a:endParaRPr lang="en-ZA" dirty="0"/>
+          </a:p>
+        </p:txBody>
+      </p:sp>
+    </p:spTree>
+    <p:extLst>
+      <p:ext uri="{BB962C8B-B14F-4D97-AF65-F5344CB8AC3E}">
+        <p14:creationId xmlns:p14="http://schemas.microsoft.com/office/powerpoint/2010/main" val="4294328984"/>
+      </p:ext>
+    </p:extLst>
+  </p:cSld>
+  <p:clrMapOvr>
+    <a:masterClrMapping/>
+  </p:clrMapOvr>
+</p:sld>
+</file>
+
+<file path=ppt/slides/slide8.xml><?xml version="1.0" encoding="utf-8"?>
+<p:sld xmlns:a="http://schemas.openxmlformats.org/drawingml/2006/main" xmlns:r="http://schemas.openxmlformats.org/officeDocument/2006/relationships" xmlns:p="http://schemas.openxmlformats.org/presentationml/2006/main">
+  <p:cSld>
+    <p:spTree>
+      <p:nvGrpSpPr>
+        <p:cNvPr id="1" name=""/>
+        <p:cNvGrpSpPr/>
+        <p:nvPr/>
+      </p:nvGrpSpPr>
+      <p:grpSpPr>
+        <a:xfrm>
+          <a:off x="0" y="0"/>
+          <a:ext cx="0" cy="0"/>
+          <a:chOff x="0" y="0"/>
+          <a:chExt cx="0" cy="0"/>
+        </a:xfrm>
+      </p:grpSpPr>
+      <p:sp>
+        <p:nvSpPr>
+          <p:cNvPr id="2" name="Title 1">
+            <a:extLst>
+              <a:ext uri="{FF2B5EF4-FFF2-40B4-BE49-F238E27FC236}">
                 <a16:creationId xmlns:a16="http://schemas.microsoft.com/office/drawing/2014/main" id="{C58DB181-0010-439E-B228-3C60B6DAEA97}"/>
               </a:ext>
             </a:extLst>
@@ -6170,7 +6697,40 @@
           <a:bodyPr/>
           <a:lstStyle/>
           <a:p>
-            <a:endParaRPr lang="en-ZA"/>
+            <a:r>
+              <a:rPr lang="en-ZA" dirty="0"/>
+              <a:t>Everything</a:t>
+            </a:r>
+          </a:p>
+          <a:p>
+            <a:r>
+              <a:rPr lang="en-ZA" dirty="0"/>
+              <a:t>Token Authorisation</a:t>
+            </a:r>
+          </a:p>
+          <a:p>
+            <a:r>
+              <a:rPr lang="en-ZA" dirty="0"/>
+              <a:t>Using an external server before remembering apache</a:t>
+            </a:r>
+          </a:p>
+          <a:p>
+            <a:r>
+              <a:rPr lang="en-ZA" dirty="0"/>
+              <a:t>Show web browser on boot-up</a:t>
+            </a:r>
+          </a:p>
+          <a:p>
+            <a:r>
+              <a:rPr lang="en-ZA" dirty="0"/>
+              <a:t>Change pi’s orientation, issues with touchscreen</a:t>
+            </a:r>
+          </a:p>
+          <a:p>
+            <a:r>
+              <a:rPr lang="en-ZA" dirty="0"/>
+              <a:t>Case didn’t fit</a:t>
+            </a:r>
           </a:p>
         </p:txBody>
       </p:sp>
@@ -6178,6 +6738,98 @@
     <p:extLst>
       <p:ext uri="{BB962C8B-B14F-4D97-AF65-F5344CB8AC3E}">
         <p14:creationId xmlns:p14="http://schemas.microsoft.com/office/powerpoint/2010/main" val="265406675"/>
+      </p:ext>
+    </p:extLst>
+  </p:cSld>
+  <p:clrMapOvr>
+    <a:masterClrMapping/>
+  </p:clrMapOvr>
+</p:sld>
+</file>
+
+<file path=ppt/slides/slide9.xml><?xml version="1.0" encoding="utf-8"?>
+<p:sld xmlns:a="http://schemas.openxmlformats.org/drawingml/2006/main" xmlns:r="http://schemas.openxmlformats.org/officeDocument/2006/relationships" xmlns:p="http://schemas.openxmlformats.org/presentationml/2006/main">
+  <p:cSld>
+    <p:spTree>
+      <p:nvGrpSpPr>
+        <p:cNvPr id="1" name=""/>
+        <p:cNvGrpSpPr/>
+        <p:nvPr/>
+      </p:nvGrpSpPr>
+      <p:grpSpPr>
+        <a:xfrm>
+          <a:off x="0" y="0"/>
+          <a:ext cx="0" cy="0"/>
+          <a:chOff x="0" y="0"/>
+          <a:chExt cx="0" cy="0"/>
+        </a:xfrm>
+      </p:grpSpPr>
+      <p:sp>
+        <p:nvSpPr>
+          <p:cNvPr id="2" name="Title 1">
+            <a:extLst>
+              <a:ext uri="{FF2B5EF4-FFF2-40B4-BE49-F238E27FC236}">
+                <a16:creationId xmlns:a16="http://schemas.microsoft.com/office/drawing/2014/main" id="{17ECB207-C75D-4209-A644-DB7D10DCCF87}"/>
+              </a:ext>
+            </a:extLst>
+          </p:cNvPr>
+          <p:cNvSpPr>
+            <a:spLocks noGrp="1"/>
+          </p:cNvSpPr>
+          <p:nvPr>
+            <p:ph type="title"/>
+          </p:nvPr>
+        </p:nvSpPr>
+        <p:spPr/>
+        <p:txBody>
+          <a:bodyPr/>
+          <a:lstStyle/>
+          <a:p>
+            <a:r>
+              <a:rPr lang="en-ZA" dirty="0"/>
+              <a:t>Future expansions</a:t>
+            </a:r>
+          </a:p>
+        </p:txBody>
+      </p:sp>
+      <p:sp>
+        <p:nvSpPr>
+          <p:cNvPr id="3" name="Content Placeholder 2">
+            <a:extLst>
+              <a:ext uri="{FF2B5EF4-FFF2-40B4-BE49-F238E27FC236}">
+                <a16:creationId xmlns:a16="http://schemas.microsoft.com/office/drawing/2014/main" id="{91EC4942-F56A-497C-BE2D-C4A642BED843}"/>
+              </a:ext>
+            </a:extLst>
+          </p:cNvPr>
+          <p:cNvSpPr>
+            <a:spLocks noGrp="1"/>
+          </p:cNvSpPr>
+          <p:nvPr>
+            <p:ph idx="1"/>
+          </p:nvPr>
+        </p:nvSpPr>
+        <p:spPr/>
+        <p:txBody>
+          <a:bodyPr/>
+          <a:lstStyle/>
+          <a:p>
+            <a:r>
+              <a:rPr lang="en-ZA" dirty="0"/>
+              <a:t>View future dates</a:t>
+            </a:r>
+          </a:p>
+          <a:p>
+            <a:r>
+              <a:rPr lang="en-ZA" dirty="0"/>
+              <a:t>View other venues</a:t>
+            </a:r>
+          </a:p>
+        </p:txBody>
+      </p:sp>
+    </p:spTree>
+    <p:extLst>
+      <p:ext uri="{BB962C8B-B14F-4D97-AF65-F5344CB8AC3E}">
+        <p14:creationId xmlns:p14="http://schemas.microsoft.com/office/powerpoint/2010/main" val="3552584685"/>
       </p:ext>
     </p:extLst>
   </p:cSld>

--- a/Presentation.pptx
+++ b/Presentation.pptx
@@ -5992,16 +5992,8 @@
           </a:p>
           <a:p>
             <a:r>
-              <a:rPr lang="en-ZA"/>
-              <a:t>Occam’s razor-The </a:t>
-            </a:r>
-            <a:r>
               <a:rPr lang="en-ZA" dirty="0"/>
-              <a:t>simplest solution tends to be the </a:t>
-            </a:r>
-            <a:r>
-              <a:rPr lang="en-ZA"/>
-              <a:t>right one</a:t>
+              <a:t>Occam’s razor-The simplest solution tends to be the right one</a:t>
             </a:r>
           </a:p>
           <a:p>
@@ -6821,7 +6813,19 @@
           <a:p>
             <a:r>
               <a:rPr lang="en-ZA" dirty="0"/>
-              <a:t>View other venues</a:t>
+              <a:t>View other meeting rooms</a:t>
+            </a:r>
+          </a:p>
+          <a:p>
+            <a:r>
+              <a:rPr lang="en-ZA" dirty="0"/>
+              <a:t>Put it on a proper server</a:t>
+            </a:r>
+          </a:p>
+          <a:p>
+            <a:r>
+              <a:rPr lang="en-ZA" dirty="0"/>
+              <a:t>Making it more dynamic</a:t>
             </a:r>
           </a:p>
         </p:txBody>

--- a/Presentation.pptx
+++ b/Presentation.pptx
@@ -5997,6 +5997,12 @@
             </a:r>
           </a:p>
           <a:p>
+            <a:r>
+              <a:rPr lang="en-ZA" dirty="0"/>
+              <a:t>Read the documentation</a:t>
+            </a:r>
+          </a:p>
+          <a:p>
             <a:endParaRPr lang="en-ZA" dirty="0"/>
           </a:p>
         </p:txBody>
@@ -6154,13 +6160,18 @@
           <a:p>
             <a:r>
               <a:rPr lang="en-ZA" dirty="0"/>
-              <a:t>A printout is then displayed outside the meeting room</a:t>
-            </a:r>
+              <a:t>A </a:t>
+            </a:r>
+            <a:r>
+              <a:rPr lang="en-ZA"/>
+              <a:t>printout is then displayed outside the meeting room</a:t>
+            </a:r>
+            <a:endParaRPr lang="en-ZA" dirty="0"/>
           </a:p>
           <a:p>
             <a:r>
               <a:rPr lang="en-ZA" dirty="0"/>
-              <a:t>The problem is that printouts posted will not contained updated information</a:t>
+              <a:t>The problem is that printouts posted will not contain updated information</a:t>
             </a:r>
           </a:p>
           <a:p>
@@ -6827,6 +6838,27 @@
               <a:rPr lang="en-ZA" dirty="0"/>
               <a:t>Making it more dynamic</a:t>
             </a:r>
+          </a:p>
+          <a:p>
+            <a:r>
+              <a:rPr lang="en-ZA" dirty="0"/>
+              <a:t>Security-MSAL</a:t>
+            </a:r>
+          </a:p>
+          <a:p>
+            <a:r>
+              <a:rPr lang="en-ZA" dirty="0"/>
+              <a:t>Database system for admins</a:t>
+            </a:r>
+          </a:p>
+          <a:p>
+            <a:r>
+              <a:rPr lang="en-ZA" dirty="0"/>
+              <a:t>More visually appealing interface</a:t>
+            </a:r>
+          </a:p>
+          <a:p>
+            <a:endParaRPr lang="en-ZA" dirty="0"/>
           </a:p>
         </p:txBody>
       </p:sp>

--- a/Presentation.pptx
+++ b/Presentation.pptx
@@ -16,6 +16,7 @@
     <p:sldId id="265" r:id="rId10"/>
     <p:sldId id="267" r:id="rId11"/>
     <p:sldId id="268" r:id="rId12"/>
+    <p:sldId id="269" r:id="rId13"/>
   </p:sldIdLst>
   <p:sldSz cx="12192000" cy="6858000"/>
   <p:notesSz cx="6858000" cy="9144000"/>
@@ -5781,7 +5782,7 @@
             <a:pPr algn="ctr"/>
             <a:r>
               <a:rPr lang="en-ZA" dirty="0"/>
-              <a:t>Time Management Device:</a:t>
+              <a:t>Room Bookings Display:</a:t>
             </a:r>
             <a:br>
               <a:rPr lang="en-ZA" dirty="0"/>
@@ -5868,41 +5869,22 @@
             <p:ph type="title"/>
           </p:nvPr>
         </p:nvSpPr>
-        <p:spPr/>
-        <p:txBody>
-          <a:bodyPr/>
-          <a:lstStyle/>
-          <a:p>
+        <p:spPr>
+          <a:xfrm>
+            <a:off x="1790700" y="2782486"/>
+            <a:ext cx="8610600" cy="1293028"/>
+          </a:xfrm>
+        </p:spPr>
+        <p:txBody>
+          <a:bodyPr/>
+          <a:lstStyle/>
+          <a:p>
+            <a:pPr algn="ctr"/>
             <a:r>
               <a:rPr lang="en-ZA" dirty="0" err="1"/>
               <a:t>DEmo</a:t>
             </a:r>
             <a:endParaRPr lang="en-ZA" dirty="0"/>
-          </a:p>
-        </p:txBody>
-      </p:sp>
-      <p:sp>
-        <p:nvSpPr>
-          <p:cNvPr id="3" name="Content Placeholder 2">
-            <a:extLst>
-              <a:ext uri="{FF2B5EF4-FFF2-40B4-BE49-F238E27FC236}">
-                <a16:creationId xmlns:a16="http://schemas.microsoft.com/office/drawing/2014/main" id="{E5106E75-B2BF-4A41-8603-C2CE8871FA66}"/>
-              </a:ext>
-            </a:extLst>
-          </p:cNvPr>
-          <p:cNvSpPr>
-            <a:spLocks noGrp="1"/>
-          </p:cNvSpPr>
-          <p:nvPr>
-            <p:ph idx="1"/>
-          </p:nvPr>
-        </p:nvSpPr>
-        <p:spPr/>
-        <p:txBody>
-          <a:bodyPr/>
-          <a:lstStyle/>
-          <a:p>
-            <a:endParaRPr lang="en-ZA"/>
           </a:p>
         </p:txBody>
       </p:sp>
@@ -5999,11 +5981,38 @@
           <a:p>
             <a:r>
               <a:rPr lang="en-ZA" dirty="0"/>
-              <a:t>Read the documentation</a:t>
-            </a:r>
-          </a:p>
-          <a:p>
-            <a:endParaRPr lang="en-ZA" dirty="0"/>
+              <a:t>Don’t underestimate</a:t>
+            </a:r>
+          </a:p>
+          <a:p>
+            <a:r>
+              <a:rPr lang="en-ZA" dirty="0"/>
+              <a:t>Cross collaboration</a:t>
+            </a:r>
+          </a:p>
+          <a:p>
+            <a:r>
+              <a:rPr lang="en-ZA" dirty="0"/>
+              <a:t>Lots of brain power can fix a problems</a:t>
+            </a:r>
+          </a:p>
+          <a:p>
+            <a:r>
+              <a:rPr lang="en-ZA" dirty="0"/>
+              <a:t>Learn more</a:t>
+            </a:r>
+          </a:p>
+          <a:p>
+            <a:r>
+              <a:rPr lang="en-ZA" dirty="0"/>
+              <a:t>Focus on what’s important</a:t>
+            </a:r>
+          </a:p>
+          <a:p>
+            <a:r>
+              <a:rPr lang="en-ZA" dirty="0"/>
+              <a:t>Try create an MVP first</a:t>
+            </a:r>
           </a:p>
         </p:txBody>
       </p:sp>
@@ -6011,6 +6020,70 @@
     <p:extLst>
       <p:ext uri="{BB962C8B-B14F-4D97-AF65-F5344CB8AC3E}">
         <p14:creationId xmlns:p14="http://schemas.microsoft.com/office/powerpoint/2010/main" val="3679084924"/>
+      </p:ext>
+    </p:extLst>
+  </p:cSld>
+  <p:clrMapOvr>
+    <a:masterClrMapping/>
+  </p:clrMapOvr>
+</p:sld>
+</file>
+
+<file path=ppt/slides/slide12.xml><?xml version="1.0" encoding="utf-8"?>
+<p:sld xmlns:a="http://schemas.openxmlformats.org/drawingml/2006/main" xmlns:r="http://schemas.openxmlformats.org/officeDocument/2006/relationships" xmlns:p="http://schemas.openxmlformats.org/presentationml/2006/main">
+  <p:cSld>
+    <p:spTree>
+      <p:nvGrpSpPr>
+        <p:cNvPr id="1" name=""/>
+        <p:cNvGrpSpPr/>
+        <p:nvPr/>
+      </p:nvGrpSpPr>
+      <p:grpSpPr>
+        <a:xfrm>
+          <a:off x="0" y="0"/>
+          <a:ext cx="0" cy="0"/>
+          <a:chOff x="0" y="0"/>
+          <a:chExt cx="0" cy="0"/>
+        </a:xfrm>
+      </p:grpSpPr>
+      <p:sp>
+        <p:nvSpPr>
+          <p:cNvPr id="2" name="Title 1">
+            <a:extLst>
+              <a:ext uri="{FF2B5EF4-FFF2-40B4-BE49-F238E27FC236}">
+                <a16:creationId xmlns:a16="http://schemas.microsoft.com/office/drawing/2014/main" id="{8BB06233-962E-449C-A138-7FEB3B0ABDCD}"/>
+              </a:ext>
+            </a:extLst>
+          </p:cNvPr>
+          <p:cNvSpPr>
+            <a:spLocks noGrp="1"/>
+          </p:cNvSpPr>
+          <p:nvPr>
+            <p:ph type="title"/>
+          </p:nvPr>
+        </p:nvSpPr>
+        <p:spPr>
+          <a:xfrm>
+            <a:off x="1547191" y="2466560"/>
+            <a:ext cx="9097617" cy="1924879"/>
+          </a:xfrm>
+        </p:spPr>
+        <p:txBody>
+          <a:bodyPr/>
+          <a:lstStyle/>
+          <a:p>
+            <a:pPr algn="ctr"/>
+            <a:r>
+              <a:rPr lang="en-ZA" dirty="0"/>
+              <a:t>Questions?</a:t>
+            </a:r>
+          </a:p>
+        </p:txBody>
+      </p:sp>
+    </p:spTree>
+    <p:extLst>
+      <p:ext uri="{BB962C8B-B14F-4D97-AF65-F5344CB8AC3E}">
+        <p14:creationId xmlns:p14="http://schemas.microsoft.com/office/powerpoint/2010/main" val="1702269846"/>
       </p:ext>
     </p:extLst>
   </p:cSld>
@@ -6160,13 +6233,8 @@
           <a:p>
             <a:r>
               <a:rPr lang="en-ZA" dirty="0"/>
-              <a:t>A </a:t>
-            </a:r>
-            <a:r>
-              <a:rPr lang="en-ZA"/>
-              <a:t>printout is then displayed outside the meeting room</a:t>
-            </a:r>
-            <a:endParaRPr lang="en-ZA" dirty="0"/>
+              <a:t>A printout is then displayed outside the meeting room</a:t>
+            </a:r>
           </a:p>
           <a:p>
             <a:r>
@@ -6177,7 +6245,7 @@
           <a:p>
             <a:r>
               <a:rPr lang="en-ZA" dirty="0"/>
-              <a:t>The task is to create a program that will enable a mounted device to display this information</a:t>
+              <a:t>Our task is to create a program that will enable a mounted device to display this updated information</a:t>
             </a:r>
           </a:p>
           <a:p>
@@ -6451,7 +6519,10 @@
             </a:r>
           </a:p>
           <a:p>
-            <a:endParaRPr lang="en-ZA" dirty="0"/>
+            <a:r>
+              <a:rPr lang="en-ZA" dirty="0"/>
+              <a:t>First bootup</a:t>
+            </a:r>
           </a:p>
         </p:txBody>
       </p:sp>
@@ -6534,7 +6605,7 @@
           <a:bodyPr/>
           <a:lstStyle/>
           <a:p>
-            <a:endParaRPr lang="en-ZA"/>
+            <a:endParaRPr lang="en-ZA" dirty="0"/>
           </a:p>
         </p:txBody>
       </p:sp>
@@ -6617,7 +6688,40 @@
           <a:bodyPr/>
           <a:lstStyle/>
           <a:p>
-            <a:endParaRPr lang="en-ZA" dirty="0"/>
+            <a:r>
+              <a:rPr lang="en-ZA" dirty="0"/>
+              <a:t>Portrait</a:t>
+            </a:r>
+          </a:p>
+          <a:p>
+            <a:r>
+              <a:rPr lang="en-ZA" dirty="0"/>
+              <a:t>Table format</a:t>
+            </a:r>
+          </a:p>
+          <a:p>
+            <a:r>
+              <a:rPr lang="en-ZA" dirty="0"/>
+              <a:t>Red for booked slots</a:t>
+            </a:r>
+          </a:p>
+          <a:p>
+            <a:r>
+              <a:rPr lang="en-ZA" dirty="0"/>
+              <a:t>BBD colours</a:t>
+            </a:r>
+          </a:p>
+          <a:p>
+            <a:r>
+              <a:rPr lang="en-ZA" dirty="0"/>
+              <a:t>Blue header</a:t>
+            </a:r>
+          </a:p>
+          <a:p>
+            <a:r>
+              <a:rPr lang="en-ZA" dirty="0"/>
+              <a:t>Icons for rooms</a:t>
+            </a:r>
           </a:p>
         </p:txBody>
       </p:sp>
@@ -6818,6 +6922,12 @@
           <a:p>
             <a:r>
               <a:rPr lang="en-ZA" dirty="0"/>
+              <a:t>Add more time slots</a:t>
+            </a:r>
+          </a:p>
+          <a:p>
+            <a:r>
+              <a:rPr lang="en-ZA" dirty="0"/>
               <a:t>View future dates</a:t>
             </a:r>
           </a:p>
@@ -6855,6 +6965,12 @@
             <a:r>
               <a:rPr lang="en-ZA" dirty="0"/>
               <a:t>More visually appealing interface</a:t>
+            </a:r>
+          </a:p>
+          <a:p>
+            <a:r>
+              <a:rPr lang="en-ZA" dirty="0"/>
+              <a:t>Removal of past meetings</a:t>
             </a:r>
           </a:p>
           <a:p>

--- a/Presentation.pptx
+++ b/Presentation.pptx
@@ -4,6 +4,9 @@
   <p:sldMasterIdLst>
     <p:sldMasterId id="2147483768" r:id="rId1"/>
   </p:sldMasterIdLst>
+  <p:notesMasterIdLst>
+    <p:notesMasterId r:id="rId15"/>
+  </p:notesMasterIdLst>
   <p:sldIdLst>
     <p:sldId id="256" r:id="rId2"/>
     <p:sldId id="266" r:id="rId3"/>
@@ -12,11 +15,12 @@
     <p:sldId id="262" r:id="rId6"/>
     <p:sldId id="263" r:id="rId7"/>
     <p:sldId id="264" r:id="rId8"/>
-    <p:sldId id="261" r:id="rId9"/>
-    <p:sldId id="265" r:id="rId10"/>
-    <p:sldId id="267" r:id="rId11"/>
-    <p:sldId id="268" r:id="rId12"/>
-    <p:sldId id="269" r:id="rId13"/>
+    <p:sldId id="270" r:id="rId9"/>
+    <p:sldId id="261" r:id="rId10"/>
+    <p:sldId id="265" r:id="rId11"/>
+    <p:sldId id="267" r:id="rId12"/>
+    <p:sldId id="268" r:id="rId13"/>
+    <p:sldId id="269" r:id="rId14"/>
   </p:sldIdLst>
   <p:sldSz cx="12192000" cy="6858000"/>
   <p:notesSz cx="6858000" cy="9144000"/>
@@ -121,6 +125,1310 @@
     </p:ext>
   </p:extLst>
 </p:presentation>
+</file>
+
+<file path=ppt/notesMasters/notesMaster1.xml><?xml version="1.0" encoding="utf-8"?>
+<p:notesMaster xmlns:a="http://schemas.openxmlformats.org/drawingml/2006/main" xmlns:r="http://schemas.openxmlformats.org/officeDocument/2006/relationships" xmlns:p="http://schemas.openxmlformats.org/presentationml/2006/main">
+  <p:cSld>
+    <p:bg>
+      <p:bgRef idx="1001">
+        <a:schemeClr val="bg1"/>
+      </p:bgRef>
+    </p:bg>
+    <p:spTree>
+      <p:nvGrpSpPr>
+        <p:cNvPr id="1" name=""/>
+        <p:cNvGrpSpPr/>
+        <p:nvPr/>
+      </p:nvGrpSpPr>
+      <p:grpSpPr>
+        <a:xfrm>
+          <a:off x="0" y="0"/>
+          <a:ext cx="0" cy="0"/>
+          <a:chOff x="0" y="0"/>
+          <a:chExt cx="0" cy="0"/>
+        </a:xfrm>
+      </p:grpSpPr>
+      <p:sp>
+        <p:nvSpPr>
+          <p:cNvPr id="2" name="Header Placeholder 1"/>
+          <p:cNvSpPr>
+            <a:spLocks noGrp="1"/>
+          </p:cNvSpPr>
+          <p:nvPr>
+            <p:ph type="hdr" sz="quarter"/>
+          </p:nvPr>
+        </p:nvSpPr>
+        <p:spPr>
+          <a:xfrm>
+            <a:off x="0" y="0"/>
+            <a:ext cx="2971800" cy="458788"/>
+          </a:xfrm>
+          <a:prstGeom prst="rect">
+            <a:avLst/>
+          </a:prstGeom>
+        </p:spPr>
+        <p:txBody>
+          <a:bodyPr vert="horz" lIns="91440" tIns="45720" rIns="91440" bIns="45720" rtlCol="0"/>
+          <a:lstStyle>
+            <a:lvl1pPr algn="l">
+              <a:defRPr sz="1200"/>
+            </a:lvl1pPr>
+          </a:lstStyle>
+          <a:p>
+            <a:endParaRPr lang="en-ZA"/>
+          </a:p>
+        </p:txBody>
+      </p:sp>
+      <p:sp>
+        <p:nvSpPr>
+          <p:cNvPr id="3" name="Date Placeholder 2"/>
+          <p:cNvSpPr>
+            <a:spLocks noGrp="1"/>
+          </p:cNvSpPr>
+          <p:nvPr>
+            <p:ph type="dt" idx="1"/>
+          </p:nvPr>
+        </p:nvSpPr>
+        <p:spPr>
+          <a:xfrm>
+            <a:off x="3884613" y="0"/>
+            <a:ext cx="2971800" cy="458788"/>
+          </a:xfrm>
+          <a:prstGeom prst="rect">
+            <a:avLst/>
+          </a:prstGeom>
+        </p:spPr>
+        <p:txBody>
+          <a:bodyPr vert="horz" lIns="91440" tIns="45720" rIns="91440" bIns="45720" rtlCol="0"/>
+          <a:lstStyle>
+            <a:lvl1pPr algn="r">
+              <a:defRPr sz="1200"/>
+            </a:lvl1pPr>
+          </a:lstStyle>
+          <a:p>
+            <a:fld id="{2847E090-A3CA-450A-B92F-FFE8069523B0}" type="datetimeFigureOut">
+              <a:rPr lang="en-ZA" smtClean="0"/>
+              <a:t>2018/07/05</a:t>
+            </a:fld>
+            <a:endParaRPr lang="en-ZA"/>
+          </a:p>
+        </p:txBody>
+      </p:sp>
+      <p:sp>
+        <p:nvSpPr>
+          <p:cNvPr id="4" name="Slide Image Placeholder 3"/>
+          <p:cNvSpPr>
+            <a:spLocks noGrp="1" noRot="1" noChangeAspect="1"/>
+          </p:cNvSpPr>
+          <p:nvPr>
+            <p:ph type="sldImg" idx="2"/>
+          </p:nvPr>
+        </p:nvSpPr>
+        <p:spPr>
+          <a:xfrm>
+            <a:off x="685800" y="1143000"/>
+            <a:ext cx="5486400" cy="3086100"/>
+          </a:xfrm>
+          <a:prstGeom prst="rect">
+            <a:avLst/>
+          </a:prstGeom>
+          <a:noFill/>
+          <a:ln w="12700">
+            <a:solidFill>
+              <a:prstClr val="black"/>
+            </a:solidFill>
+          </a:ln>
+        </p:spPr>
+        <p:txBody>
+          <a:bodyPr vert="horz" lIns="91440" tIns="45720" rIns="91440" bIns="45720" rtlCol="0" anchor="ctr"/>
+          <a:lstStyle/>
+          <a:p>
+            <a:endParaRPr lang="en-ZA"/>
+          </a:p>
+        </p:txBody>
+      </p:sp>
+      <p:sp>
+        <p:nvSpPr>
+          <p:cNvPr id="5" name="Notes Placeholder 4"/>
+          <p:cNvSpPr>
+            <a:spLocks noGrp="1"/>
+          </p:cNvSpPr>
+          <p:nvPr>
+            <p:ph type="body" sz="quarter" idx="3"/>
+          </p:nvPr>
+        </p:nvSpPr>
+        <p:spPr>
+          <a:xfrm>
+            <a:off x="685800" y="4400550"/>
+            <a:ext cx="5486400" cy="3600450"/>
+          </a:xfrm>
+          <a:prstGeom prst="rect">
+            <a:avLst/>
+          </a:prstGeom>
+        </p:spPr>
+        <p:txBody>
+          <a:bodyPr vert="horz" lIns="91440" tIns="45720" rIns="91440" bIns="45720" rtlCol="0"/>
+          <a:lstStyle/>
+          <a:p>
+            <a:pPr lvl="0"/>
+            <a:r>
+              <a:rPr lang="en-US"/>
+              <a:t>Edit Master text styles</a:t>
+            </a:r>
+          </a:p>
+          <a:p>
+            <a:pPr lvl="1"/>
+            <a:r>
+              <a:rPr lang="en-US"/>
+              <a:t>Second level</a:t>
+            </a:r>
+          </a:p>
+          <a:p>
+            <a:pPr lvl="2"/>
+            <a:r>
+              <a:rPr lang="en-US"/>
+              <a:t>Third level</a:t>
+            </a:r>
+          </a:p>
+          <a:p>
+            <a:pPr lvl="3"/>
+            <a:r>
+              <a:rPr lang="en-US"/>
+              <a:t>Fourth level</a:t>
+            </a:r>
+          </a:p>
+          <a:p>
+            <a:pPr lvl="4"/>
+            <a:r>
+              <a:rPr lang="en-US"/>
+              <a:t>Fifth level</a:t>
+            </a:r>
+            <a:endParaRPr lang="en-ZA"/>
+          </a:p>
+        </p:txBody>
+      </p:sp>
+      <p:sp>
+        <p:nvSpPr>
+          <p:cNvPr id="6" name="Footer Placeholder 5"/>
+          <p:cNvSpPr>
+            <a:spLocks noGrp="1"/>
+          </p:cNvSpPr>
+          <p:nvPr>
+            <p:ph type="ftr" sz="quarter" idx="4"/>
+          </p:nvPr>
+        </p:nvSpPr>
+        <p:spPr>
+          <a:xfrm>
+            <a:off x="0" y="8685213"/>
+            <a:ext cx="2971800" cy="458787"/>
+          </a:xfrm>
+          <a:prstGeom prst="rect">
+            <a:avLst/>
+          </a:prstGeom>
+        </p:spPr>
+        <p:txBody>
+          <a:bodyPr vert="horz" lIns="91440" tIns="45720" rIns="91440" bIns="45720" rtlCol="0" anchor="b"/>
+          <a:lstStyle>
+            <a:lvl1pPr algn="l">
+              <a:defRPr sz="1200"/>
+            </a:lvl1pPr>
+          </a:lstStyle>
+          <a:p>
+            <a:endParaRPr lang="en-ZA"/>
+          </a:p>
+        </p:txBody>
+      </p:sp>
+      <p:sp>
+        <p:nvSpPr>
+          <p:cNvPr id="7" name="Slide Number Placeholder 6"/>
+          <p:cNvSpPr>
+            <a:spLocks noGrp="1"/>
+          </p:cNvSpPr>
+          <p:nvPr>
+            <p:ph type="sldNum" sz="quarter" idx="5"/>
+          </p:nvPr>
+        </p:nvSpPr>
+        <p:spPr>
+          <a:xfrm>
+            <a:off x="3884613" y="8685213"/>
+            <a:ext cx="2971800" cy="458787"/>
+          </a:xfrm>
+          <a:prstGeom prst="rect">
+            <a:avLst/>
+          </a:prstGeom>
+        </p:spPr>
+        <p:txBody>
+          <a:bodyPr vert="horz" lIns="91440" tIns="45720" rIns="91440" bIns="45720" rtlCol="0" anchor="b"/>
+          <a:lstStyle>
+            <a:lvl1pPr algn="r">
+              <a:defRPr sz="1200"/>
+            </a:lvl1pPr>
+          </a:lstStyle>
+          <a:p>
+            <a:fld id="{33A0FEBD-8435-42ED-8F53-DE548144E3BE}" type="slidenum">
+              <a:rPr lang="en-ZA" smtClean="0"/>
+              <a:t>‹#›</a:t>
+            </a:fld>
+            <a:endParaRPr lang="en-ZA"/>
+          </a:p>
+        </p:txBody>
+      </p:sp>
+    </p:spTree>
+    <p:extLst>
+      <p:ext uri="{BB962C8B-B14F-4D97-AF65-F5344CB8AC3E}">
+        <p14:creationId xmlns:p14="http://schemas.microsoft.com/office/powerpoint/2010/main" val="405414077"/>
+      </p:ext>
+    </p:extLst>
+  </p:cSld>
+  <p:clrMap bg1="lt1" tx1="dk1" bg2="lt2" tx2="dk2" accent1="accent1" accent2="accent2" accent3="accent3" accent4="accent4" accent5="accent5" accent6="accent6" hlink="hlink" folHlink="folHlink"/>
+  <p:notesStyle>
+    <a:lvl1pPr marL="0" algn="l" defTabSz="914400" rtl="0" eaLnBrk="1" latinLnBrk="0" hangingPunct="1">
+      <a:defRPr sz="1200" kern="1200">
+        <a:solidFill>
+          <a:schemeClr val="tx1"/>
+        </a:solidFill>
+        <a:latin typeface="+mn-lt"/>
+        <a:ea typeface="+mn-ea"/>
+        <a:cs typeface="+mn-cs"/>
+      </a:defRPr>
+    </a:lvl1pPr>
+    <a:lvl2pPr marL="457200" algn="l" defTabSz="914400" rtl="0" eaLnBrk="1" latinLnBrk="0" hangingPunct="1">
+      <a:defRPr sz="1200" kern="1200">
+        <a:solidFill>
+          <a:schemeClr val="tx1"/>
+        </a:solidFill>
+        <a:latin typeface="+mn-lt"/>
+        <a:ea typeface="+mn-ea"/>
+        <a:cs typeface="+mn-cs"/>
+      </a:defRPr>
+    </a:lvl2pPr>
+    <a:lvl3pPr marL="914400" algn="l" defTabSz="914400" rtl="0" eaLnBrk="1" latinLnBrk="0" hangingPunct="1">
+      <a:defRPr sz="1200" kern="1200">
+        <a:solidFill>
+          <a:schemeClr val="tx1"/>
+        </a:solidFill>
+        <a:latin typeface="+mn-lt"/>
+        <a:ea typeface="+mn-ea"/>
+        <a:cs typeface="+mn-cs"/>
+      </a:defRPr>
+    </a:lvl3pPr>
+    <a:lvl4pPr marL="1371600" algn="l" defTabSz="914400" rtl="0" eaLnBrk="1" latinLnBrk="0" hangingPunct="1">
+      <a:defRPr sz="1200" kern="1200">
+        <a:solidFill>
+          <a:schemeClr val="tx1"/>
+        </a:solidFill>
+        <a:latin typeface="+mn-lt"/>
+        <a:ea typeface="+mn-ea"/>
+        <a:cs typeface="+mn-cs"/>
+      </a:defRPr>
+    </a:lvl4pPr>
+    <a:lvl5pPr marL="1828800" algn="l" defTabSz="914400" rtl="0" eaLnBrk="1" latinLnBrk="0" hangingPunct="1">
+      <a:defRPr sz="1200" kern="1200">
+        <a:solidFill>
+          <a:schemeClr val="tx1"/>
+        </a:solidFill>
+        <a:latin typeface="+mn-lt"/>
+        <a:ea typeface="+mn-ea"/>
+        <a:cs typeface="+mn-cs"/>
+      </a:defRPr>
+    </a:lvl5pPr>
+    <a:lvl6pPr marL="2286000" algn="l" defTabSz="914400" rtl="0" eaLnBrk="1" latinLnBrk="0" hangingPunct="1">
+      <a:defRPr sz="1200" kern="1200">
+        <a:solidFill>
+          <a:schemeClr val="tx1"/>
+        </a:solidFill>
+        <a:latin typeface="+mn-lt"/>
+        <a:ea typeface="+mn-ea"/>
+        <a:cs typeface="+mn-cs"/>
+      </a:defRPr>
+    </a:lvl6pPr>
+    <a:lvl7pPr marL="2743200" algn="l" defTabSz="914400" rtl="0" eaLnBrk="1" latinLnBrk="0" hangingPunct="1">
+      <a:defRPr sz="1200" kern="1200">
+        <a:solidFill>
+          <a:schemeClr val="tx1"/>
+        </a:solidFill>
+        <a:latin typeface="+mn-lt"/>
+        <a:ea typeface="+mn-ea"/>
+        <a:cs typeface="+mn-cs"/>
+      </a:defRPr>
+    </a:lvl7pPr>
+    <a:lvl8pPr marL="3200400" algn="l" defTabSz="914400" rtl="0" eaLnBrk="1" latinLnBrk="0" hangingPunct="1">
+      <a:defRPr sz="1200" kern="1200">
+        <a:solidFill>
+          <a:schemeClr val="tx1"/>
+        </a:solidFill>
+        <a:latin typeface="+mn-lt"/>
+        <a:ea typeface="+mn-ea"/>
+        <a:cs typeface="+mn-cs"/>
+      </a:defRPr>
+    </a:lvl8pPr>
+    <a:lvl9pPr marL="3657600" algn="l" defTabSz="914400" rtl="0" eaLnBrk="1" latinLnBrk="0" hangingPunct="1">
+      <a:defRPr sz="1200" kern="1200">
+        <a:solidFill>
+          <a:schemeClr val="tx1"/>
+        </a:solidFill>
+        <a:latin typeface="+mn-lt"/>
+        <a:ea typeface="+mn-ea"/>
+        <a:cs typeface="+mn-cs"/>
+      </a:defRPr>
+    </a:lvl9pPr>
+  </p:notesStyle>
+</p:notesMaster>
+</file>
+
+<file path=ppt/notesSlides/notesSlide1.xml><?xml version="1.0" encoding="utf-8"?>
+<p:notes xmlns:a="http://schemas.openxmlformats.org/drawingml/2006/main" xmlns:r="http://schemas.openxmlformats.org/officeDocument/2006/relationships" xmlns:p="http://schemas.openxmlformats.org/presentationml/2006/main">
+  <p:cSld>
+    <p:spTree>
+      <p:nvGrpSpPr>
+        <p:cNvPr id="1" name=""/>
+        <p:cNvGrpSpPr/>
+        <p:nvPr/>
+      </p:nvGrpSpPr>
+      <p:grpSpPr>
+        <a:xfrm>
+          <a:off x="0" y="0"/>
+          <a:ext cx="0" cy="0"/>
+          <a:chOff x="0" y="0"/>
+          <a:chExt cx="0" cy="0"/>
+        </a:xfrm>
+      </p:grpSpPr>
+      <p:sp>
+        <p:nvSpPr>
+          <p:cNvPr id="2" name="Slide Image Placeholder 1"/>
+          <p:cNvSpPr>
+            <a:spLocks noGrp="1" noRot="1" noChangeAspect="1"/>
+          </p:cNvSpPr>
+          <p:nvPr>
+            <p:ph type="sldImg"/>
+          </p:nvPr>
+        </p:nvSpPr>
+        <p:spPr/>
+      </p:sp>
+      <p:sp>
+        <p:nvSpPr>
+          <p:cNvPr id="3" name="Notes Placeholder 2"/>
+          <p:cNvSpPr>
+            <a:spLocks noGrp="1"/>
+          </p:cNvSpPr>
+          <p:nvPr>
+            <p:ph type="body" idx="1"/>
+          </p:nvPr>
+        </p:nvSpPr>
+        <p:spPr/>
+        <p:txBody>
+          <a:bodyPr/>
+          <a:lstStyle/>
+          <a:p>
+            <a:endParaRPr lang="en-ZA" dirty="0"/>
+          </a:p>
+        </p:txBody>
+      </p:sp>
+      <p:sp>
+        <p:nvSpPr>
+          <p:cNvPr id="4" name="Slide Number Placeholder 3"/>
+          <p:cNvSpPr>
+            <a:spLocks noGrp="1"/>
+          </p:cNvSpPr>
+          <p:nvPr>
+            <p:ph type="sldNum" sz="quarter" idx="10"/>
+          </p:nvPr>
+        </p:nvSpPr>
+        <p:spPr/>
+        <p:txBody>
+          <a:bodyPr/>
+          <a:lstStyle/>
+          <a:p>
+            <a:fld id="{33A0FEBD-8435-42ED-8F53-DE548144E3BE}" type="slidenum">
+              <a:rPr lang="en-ZA" smtClean="0"/>
+              <a:t>1</a:t>
+            </a:fld>
+            <a:endParaRPr lang="en-ZA"/>
+          </a:p>
+        </p:txBody>
+      </p:sp>
+    </p:spTree>
+    <p:extLst>
+      <p:ext uri="{BB962C8B-B14F-4D97-AF65-F5344CB8AC3E}">
+        <p14:creationId xmlns:p14="http://schemas.microsoft.com/office/powerpoint/2010/main" val="53202174"/>
+      </p:ext>
+    </p:extLst>
+  </p:cSld>
+  <p:clrMapOvr>
+    <a:masterClrMapping/>
+  </p:clrMapOvr>
+</p:notes>
+</file>
+
+<file path=ppt/notesSlides/notesSlide10.xml><?xml version="1.0" encoding="utf-8"?>
+<p:notes xmlns:a="http://schemas.openxmlformats.org/drawingml/2006/main" xmlns:r="http://schemas.openxmlformats.org/officeDocument/2006/relationships" xmlns:p="http://schemas.openxmlformats.org/presentationml/2006/main">
+  <p:cSld>
+    <p:spTree>
+      <p:nvGrpSpPr>
+        <p:cNvPr id="1" name=""/>
+        <p:cNvGrpSpPr/>
+        <p:nvPr/>
+      </p:nvGrpSpPr>
+      <p:grpSpPr>
+        <a:xfrm>
+          <a:off x="0" y="0"/>
+          <a:ext cx="0" cy="0"/>
+          <a:chOff x="0" y="0"/>
+          <a:chExt cx="0" cy="0"/>
+        </a:xfrm>
+      </p:grpSpPr>
+      <p:sp>
+        <p:nvSpPr>
+          <p:cNvPr id="2" name="Slide Image Placeholder 1"/>
+          <p:cNvSpPr>
+            <a:spLocks noGrp="1" noRot="1" noChangeAspect="1"/>
+          </p:cNvSpPr>
+          <p:nvPr>
+            <p:ph type="sldImg"/>
+          </p:nvPr>
+        </p:nvSpPr>
+        <p:spPr/>
+      </p:sp>
+      <p:sp>
+        <p:nvSpPr>
+          <p:cNvPr id="3" name="Notes Placeholder 2"/>
+          <p:cNvSpPr>
+            <a:spLocks noGrp="1"/>
+          </p:cNvSpPr>
+          <p:nvPr>
+            <p:ph type="body" idx="1"/>
+          </p:nvPr>
+        </p:nvSpPr>
+        <p:spPr/>
+        <p:txBody>
+          <a:bodyPr/>
+          <a:lstStyle/>
+          <a:p>
+            <a:r>
+              <a:rPr lang="en-ZA" dirty="0"/>
+              <a:t>Emma + Robert</a:t>
+            </a:r>
+          </a:p>
+        </p:txBody>
+      </p:sp>
+      <p:sp>
+        <p:nvSpPr>
+          <p:cNvPr id="4" name="Slide Number Placeholder 3"/>
+          <p:cNvSpPr>
+            <a:spLocks noGrp="1"/>
+          </p:cNvSpPr>
+          <p:nvPr>
+            <p:ph type="sldNum" sz="quarter" idx="10"/>
+          </p:nvPr>
+        </p:nvSpPr>
+        <p:spPr/>
+        <p:txBody>
+          <a:bodyPr/>
+          <a:lstStyle/>
+          <a:p>
+            <a:fld id="{33A0FEBD-8435-42ED-8F53-DE548144E3BE}" type="slidenum">
+              <a:rPr lang="en-ZA" smtClean="0"/>
+              <a:t>11</a:t>
+            </a:fld>
+            <a:endParaRPr lang="en-ZA"/>
+          </a:p>
+        </p:txBody>
+      </p:sp>
+    </p:spTree>
+    <p:extLst>
+      <p:ext uri="{BB962C8B-B14F-4D97-AF65-F5344CB8AC3E}">
+        <p14:creationId xmlns:p14="http://schemas.microsoft.com/office/powerpoint/2010/main" val="1006850931"/>
+      </p:ext>
+    </p:extLst>
+  </p:cSld>
+  <p:clrMapOvr>
+    <a:masterClrMapping/>
+  </p:clrMapOvr>
+</p:notes>
+</file>
+
+<file path=ppt/notesSlides/notesSlide11.xml><?xml version="1.0" encoding="utf-8"?>
+<p:notes xmlns:a="http://schemas.openxmlformats.org/drawingml/2006/main" xmlns:r="http://schemas.openxmlformats.org/officeDocument/2006/relationships" xmlns:p="http://schemas.openxmlformats.org/presentationml/2006/main">
+  <p:cSld>
+    <p:spTree>
+      <p:nvGrpSpPr>
+        <p:cNvPr id="1" name=""/>
+        <p:cNvGrpSpPr/>
+        <p:nvPr/>
+      </p:nvGrpSpPr>
+      <p:grpSpPr>
+        <a:xfrm>
+          <a:off x="0" y="0"/>
+          <a:ext cx="0" cy="0"/>
+          <a:chOff x="0" y="0"/>
+          <a:chExt cx="0" cy="0"/>
+        </a:xfrm>
+      </p:grpSpPr>
+      <p:sp>
+        <p:nvSpPr>
+          <p:cNvPr id="2" name="Slide Image Placeholder 1"/>
+          <p:cNvSpPr>
+            <a:spLocks noGrp="1" noRot="1" noChangeAspect="1"/>
+          </p:cNvSpPr>
+          <p:nvPr>
+            <p:ph type="sldImg"/>
+          </p:nvPr>
+        </p:nvSpPr>
+        <p:spPr/>
+      </p:sp>
+      <p:sp>
+        <p:nvSpPr>
+          <p:cNvPr id="3" name="Notes Placeholder 2"/>
+          <p:cNvSpPr>
+            <a:spLocks noGrp="1"/>
+          </p:cNvSpPr>
+          <p:nvPr>
+            <p:ph type="body" idx="1"/>
+          </p:nvPr>
+        </p:nvSpPr>
+        <p:spPr/>
+        <p:txBody>
+          <a:bodyPr/>
+          <a:lstStyle/>
+          <a:p>
+            <a:r>
+              <a:rPr lang="en-ZA" dirty="0"/>
+              <a:t>Every</a:t>
+            </a:r>
+          </a:p>
+        </p:txBody>
+      </p:sp>
+      <p:sp>
+        <p:nvSpPr>
+          <p:cNvPr id="4" name="Slide Number Placeholder 3"/>
+          <p:cNvSpPr>
+            <a:spLocks noGrp="1"/>
+          </p:cNvSpPr>
+          <p:nvPr>
+            <p:ph type="sldNum" sz="quarter" idx="10"/>
+          </p:nvPr>
+        </p:nvSpPr>
+        <p:spPr/>
+        <p:txBody>
+          <a:bodyPr/>
+          <a:lstStyle/>
+          <a:p>
+            <a:fld id="{33A0FEBD-8435-42ED-8F53-DE548144E3BE}" type="slidenum">
+              <a:rPr lang="en-ZA" smtClean="0"/>
+              <a:t>12</a:t>
+            </a:fld>
+            <a:endParaRPr lang="en-ZA"/>
+          </a:p>
+        </p:txBody>
+      </p:sp>
+    </p:spTree>
+    <p:extLst>
+      <p:ext uri="{BB962C8B-B14F-4D97-AF65-F5344CB8AC3E}">
+        <p14:creationId xmlns:p14="http://schemas.microsoft.com/office/powerpoint/2010/main" val="1292246318"/>
+      </p:ext>
+    </p:extLst>
+  </p:cSld>
+  <p:clrMapOvr>
+    <a:masterClrMapping/>
+  </p:clrMapOvr>
+</p:notes>
+</file>
+
+<file path=ppt/notesSlides/notesSlide2.xml><?xml version="1.0" encoding="utf-8"?>
+<p:notes xmlns:a="http://schemas.openxmlformats.org/drawingml/2006/main" xmlns:r="http://schemas.openxmlformats.org/officeDocument/2006/relationships" xmlns:p="http://schemas.openxmlformats.org/presentationml/2006/main">
+  <p:cSld>
+    <p:spTree>
+      <p:nvGrpSpPr>
+        <p:cNvPr id="1" name=""/>
+        <p:cNvGrpSpPr/>
+        <p:nvPr/>
+      </p:nvGrpSpPr>
+      <p:grpSpPr>
+        <a:xfrm>
+          <a:off x="0" y="0"/>
+          <a:ext cx="0" cy="0"/>
+          <a:chOff x="0" y="0"/>
+          <a:chExt cx="0" cy="0"/>
+        </a:xfrm>
+      </p:grpSpPr>
+      <p:sp>
+        <p:nvSpPr>
+          <p:cNvPr id="2" name="Slide Image Placeholder 1"/>
+          <p:cNvSpPr>
+            <a:spLocks noGrp="1" noRot="1" noChangeAspect="1"/>
+          </p:cNvSpPr>
+          <p:nvPr>
+            <p:ph type="sldImg"/>
+          </p:nvPr>
+        </p:nvSpPr>
+        <p:spPr/>
+      </p:sp>
+      <p:sp>
+        <p:nvSpPr>
+          <p:cNvPr id="3" name="Notes Placeholder 2"/>
+          <p:cNvSpPr>
+            <a:spLocks noGrp="1"/>
+          </p:cNvSpPr>
+          <p:nvPr>
+            <p:ph type="body" idx="1"/>
+          </p:nvPr>
+        </p:nvSpPr>
+        <p:spPr/>
+        <p:txBody>
+          <a:bodyPr/>
+          <a:lstStyle/>
+          <a:p>
+            <a:r>
+              <a:rPr lang="en-ZA" dirty="0"/>
+              <a:t>Rob</a:t>
+            </a:r>
+          </a:p>
+        </p:txBody>
+      </p:sp>
+      <p:sp>
+        <p:nvSpPr>
+          <p:cNvPr id="4" name="Slide Number Placeholder 3"/>
+          <p:cNvSpPr>
+            <a:spLocks noGrp="1"/>
+          </p:cNvSpPr>
+          <p:nvPr>
+            <p:ph type="sldNum" sz="quarter" idx="10"/>
+          </p:nvPr>
+        </p:nvSpPr>
+        <p:spPr/>
+        <p:txBody>
+          <a:bodyPr/>
+          <a:lstStyle/>
+          <a:p>
+            <a:fld id="{33A0FEBD-8435-42ED-8F53-DE548144E3BE}" type="slidenum">
+              <a:rPr lang="en-ZA" smtClean="0"/>
+              <a:t>3</a:t>
+            </a:fld>
+            <a:endParaRPr lang="en-ZA"/>
+          </a:p>
+        </p:txBody>
+      </p:sp>
+    </p:spTree>
+    <p:extLst>
+      <p:ext uri="{BB962C8B-B14F-4D97-AF65-F5344CB8AC3E}">
+        <p14:creationId xmlns:p14="http://schemas.microsoft.com/office/powerpoint/2010/main" val="4165051778"/>
+      </p:ext>
+    </p:extLst>
+  </p:cSld>
+  <p:clrMapOvr>
+    <a:masterClrMapping/>
+  </p:clrMapOvr>
+</p:notes>
+</file>
+
+<file path=ppt/notesSlides/notesSlide3.xml><?xml version="1.0" encoding="utf-8"?>
+<p:notes xmlns:a="http://schemas.openxmlformats.org/drawingml/2006/main" xmlns:r="http://schemas.openxmlformats.org/officeDocument/2006/relationships" xmlns:p="http://schemas.openxmlformats.org/presentationml/2006/main">
+  <p:cSld>
+    <p:spTree>
+      <p:nvGrpSpPr>
+        <p:cNvPr id="1" name=""/>
+        <p:cNvGrpSpPr/>
+        <p:nvPr/>
+      </p:nvGrpSpPr>
+      <p:grpSpPr>
+        <a:xfrm>
+          <a:off x="0" y="0"/>
+          <a:ext cx="0" cy="0"/>
+          <a:chOff x="0" y="0"/>
+          <a:chExt cx="0" cy="0"/>
+        </a:xfrm>
+      </p:grpSpPr>
+      <p:sp>
+        <p:nvSpPr>
+          <p:cNvPr id="2" name="Slide Image Placeholder 1"/>
+          <p:cNvSpPr>
+            <a:spLocks noGrp="1" noRot="1" noChangeAspect="1"/>
+          </p:cNvSpPr>
+          <p:nvPr>
+            <p:ph type="sldImg"/>
+          </p:nvPr>
+        </p:nvSpPr>
+        <p:spPr/>
+      </p:sp>
+      <p:sp>
+        <p:nvSpPr>
+          <p:cNvPr id="3" name="Notes Placeholder 2"/>
+          <p:cNvSpPr>
+            <a:spLocks noGrp="1"/>
+          </p:cNvSpPr>
+          <p:nvPr>
+            <p:ph type="body" idx="1"/>
+          </p:nvPr>
+        </p:nvSpPr>
+        <p:spPr/>
+        <p:txBody>
+          <a:bodyPr/>
+          <a:lstStyle/>
+          <a:p>
+            <a:r>
+              <a:rPr lang="en-ZA" dirty="0"/>
+              <a:t>Rob</a:t>
+            </a:r>
+          </a:p>
+        </p:txBody>
+      </p:sp>
+      <p:sp>
+        <p:nvSpPr>
+          <p:cNvPr id="4" name="Slide Number Placeholder 3"/>
+          <p:cNvSpPr>
+            <a:spLocks noGrp="1"/>
+          </p:cNvSpPr>
+          <p:nvPr>
+            <p:ph type="sldNum" sz="quarter" idx="10"/>
+          </p:nvPr>
+        </p:nvSpPr>
+        <p:spPr/>
+        <p:txBody>
+          <a:bodyPr/>
+          <a:lstStyle/>
+          <a:p>
+            <a:fld id="{33A0FEBD-8435-42ED-8F53-DE548144E3BE}" type="slidenum">
+              <a:rPr lang="en-ZA" smtClean="0"/>
+              <a:t>4</a:t>
+            </a:fld>
+            <a:endParaRPr lang="en-ZA"/>
+          </a:p>
+        </p:txBody>
+      </p:sp>
+    </p:spTree>
+    <p:extLst>
+      <p:ext uri="{BB962C8B-B14F-4D97-AF65-F5344CB8AC3E}">
+        <p14:creationId xmlns:p14="http://schemas.microsoft.com/office/powerpoint/2010/main" val="3672398150"/>
+      </p:ext>
+    </p:extLst>
+  </p:cSld>
+  <p:clrMapOvr>
+    <a:masterClrMapping/>
+  </p:clrMapOvr>
+</p:notes>
+</file>
+
+<file path=ppt/notesSlides/notesSlide4.xml><?xml version="1.0" encoding="utf-8"?>
+<p:notes xmlns:a="http://schemas.openxmlformats.org/drawingml/2006/main" xmlns:r="http://schemas.openxmlformats.org/officeDocument/2006/relationships" xmlns:p="http://schemas.openxmlformats.org/presentationml/2006/main">
+  <p:cSld>
+    <p:spTree>
+      <p:nvGrpSpPr>
+        <p:cNvPr id="1" name=""/>
+        <p:cNvGrpSpPr/>
+        <p:nvPr/>
+      </p:nvGrpSpPr>
+      <p:grpSpPr>
+        <a:xfrm>
+          <a:off x="0" y="0"/>
+          <a:ext cx="0" cy="0"/>
+          <a:chOff x="0" y="0"/>
+          <a:chExt cx="0" cy="0"/>
+        </a:xfrm>
+      </p:grpSpPr>
+      <p:sp>
+        <p:nvSpPr>
+          <p:cNvPr id="2" name="Slide Image Placeholder 1"/>
+          <p:cNvSpPr>
+            <a:spLocks noGrp="1" noRot="1" noChangeAspect="1"/>
+          </p:cNvSpPr>
+          <p:nvPr>
+            <p:ph type="sldImg"/>
+          </p:nvPr>
+        </p:nvSpPr>
+        <p:spPr/>
+      </p:sp>
+      <p:sp>
+        <p:nvSpPr>
+          <p:cNvPr id="3" name="Notes Placeholder 2"/>
+          <p:cNvSpPr>
+            <a:spLocks noGrp="1"/>
+          </p:cNvSpPr>
+          <p:nvPr>
+            <p:ph type="body" idx="1"/>
+          </p:nvPr>
+        </p:nvSpPr>
+        <p:spPr/>
+        <p:txBody>
+          <a:bodyPr/>
+          <a:lstStyle/>
+          <a:p>
+            <a:r>
+              <a:rPr lang="en-ZA" dirty="0"/>
+              <a:t>Duncan</a:t>
+            </a:r>
+          </a:p>
+        </p:txBody>
+      </p:sp>
+      <p:sp>
+        <p:nvSpPr>
+          <p:cNvPr id="4" name="Slide Number Placeholder 3"/>
+          <p:cNvSpPr>
+            <a:spLocks noGrp="1"/>
+          </p:cNvSpPr>
+          <p:nvPr>
+            <p:ph type="sldNum" sz="quarter" idx="10"/>
+          </p:nvPr>
+        </p:nvSpPr>
+        <p:spPr/>
+        <p:txBody>
+          <a:bodyPr/>
+          <a:lstStyle/>
+          <a:p>
+            <a:fld id="{33A0FEBD-8435-42ED-8F53-DE548144E3BE}" type="slidenum">
+              <a:rPr lang="en-ZA" smtClean="0"/>
+              <a:t>5</a:t>
+            </a:fld>
+            <a:endParaRPr lang="en-ZA"/>
+          </a:p>
+        </p:txBody>
+      </p:sp>
+    </p:spTree>
+    <p:extLst>
+      <p:ext uri="{BB962C8B-B14F-4D97-AF65-F5344CB8AC3E}">
+        <p14:creationId xmlns:p14="http://schemas.microsoft.com/office/powerpoint/2010/main" val="4013347537"/>
+      </p:ext>
+    </p:extLst>
+  </p:cSld>
+  <p:clrMapOvr>
+    <a:masterClrMapping/>
+  </p:clrMapOvr>
+</p:notes>
+</file>
+
+<file path=ppt/notesSlides/notesSlide5.xml><?xml version="1.0" encoding="utf-8"?>
+<p:notes xmlns:a="http://schemas.openxmlformats.org/drawingml/2006/main" xmlns:r="http://schemas.openxmlformats.org/officeDocument/2006/relationships" xmlns:p="http://schemas.openxmlformats.org/presentationml/2006/main">
+  <p:cSld>
+    <p:spTree>
+      <p:nvGrpSpPr>
+        <p:cNvPr id="1" name=""/>
+        <p:cNvGrpSpPr/>
+        <p:nvPr/>
+      </p:nvGrpSpPr>
+      <p:grpSpPr>
+        <a:xfrm>
+          <a:off x="0" y="0"/>
+          <a:ext cx="0" cy="0"/>
+          <a:chOff x="0" y="0"/>
+          <a:chExt cx="0" cy="0"/>
+        </a:xfrm>
+      </p:grpSpPr>
+      <p:sp>
+        <p:nvSpPr>
+          <p:cNvPr id="2" name="Slide Image Placeholder 1"/>
+          <p:cNvSpPr>
+            <a:spLocks noGrp="1" noRot="1" noChangeAspect="1"/>
+          </p:cNvSpPr>
+          <p:nvPr>
+            <p:ph type="sldImg"/>
+          </p:nvPr>
+        </p:nvSpPr>
+        <p:spPr/>
+      </p:sp>
+      <p:sp>
+        <p:nvSpPr>
+          <p:cNvPr id="3" name="Notes Placeholder 2"/>
+          <p:cNvSpPr>
+            <a:spLocks noGrp="1"/>
+          </p:cNvSpPr>
+          <p:nvPr>
+            <p:ph type="body" idx="1"/>
+          </p:nvPr>
+        </p:nvSpPr>
+        <p:spPr/>
+        <p:txBody>
+          <a:bodyPr/>
+          <a:lstStyle/>
+          <a:p>
+            <a:r>
+              <a:rPr lang="en-ZA" dirty="0"/>
+              <a:t>Duncan</a:t>
+            </a:r>
+          </a:p>
+        </p:txBody>
+      </p:sp>
+      <p:sp>
+        <p:nvSpPr>
+          <p:cNvPr id="4" name="Slide Number Placeholder 3"/>
+          <p:cNvSpPr>
+            <a:spLocks noGrp="1"/>
+          </p:cNvSpPr>
+          <p:nvPr>
+            <p:ph type="sldNum" sz="quarter" idx="10"/>
+          </p:nvPr>
+        </p:nvSpPr>
+        <p:spPr/>
+        <p:txBody>
+          <a:bodyPr/>
+          <a:lstStyle/>
+          <a:p>
+            <a:fld id="{33A0FEBD-8435-42ED-8F53-DE548144E3BE}" type="slidenum">
+              <a:rPr lang="en-ZA" smtClean="0"/>
+              <a:t>6</a:t>
+            </a:fld>
+            <a:endParaRPr lang="en-ZA"/>
+          </a:p>
+        </p:txBody>
+      </p:sp>
+    </p:spTree>
+    <p:extLst>
+      <p:ext uri="{BB962C8B-B14F-4D97-AF65-F5344CB8AC3E}">
+        <p14:creationId xmlns:p14="http://schemas.microsoft.com/office/powerpoint/2010/main" val="2103665335"/>
+      </p:ext>
+    </p:extLst>
+  </p:cSld>
+  <p:clrMapOvr>
+    <a:masterClrMapping/>
+  </p:clrMapOvr>
+</p:notes>
+</file>
+
+<file path=ppt/notesSlides/notesSlide6.xml><?xml version="1.0" encoding="utf-8"?>
+<p:notes xmlns:a="http://schemas.openxmlformats.org/drawingml/2006/main" xmlns:r="http://schemas.openxmlformats.org/officeDocument/2006/relationships" xmlns:p="http://schemas.openxmlformats.org/presentationml/2006/main">
+  <p:cSld>
+    <p:spTree>
+      <p:nvGrpSpPr>
+        <p:cNvPr id="1" name=""/>
+        <p:cNvGrpSpPr/>
+        <p:nvPr/>
+      </p:nvGrpSpPr>
+      <p:grpSpPr>
+        <a:xfrm>
+          <a:off x="0" y="0"/>
+          <a:ext cx="0" cy="0"/>
+          <a:chOff x="0" y="0"/>
+          <a:chExt cx="0" cy="0"/>
+        </a:xfrm>
+      </p:grpSpPr>
+      <p:sp>
+        <p:nvSpPr>
+          <p:cNvPr id="2" name="Slide Image Placeholder 1"/>
+          <p:cNvSpPr>
+            <a:spLocks noGrp="1" noRot="1" noChangeAspect="1"/>
+          </p:cNvSpPr>
+          <p:nvPr>
+            <p:ph type="sldImg"/>
+          </p:nvPr>
+        </p:nvSpPr>
+        <p:spPr/>
+      </p:sp>
+      <p:sp>
+        <p:nvSpPr>
+          <p:cNvPr id="3" name="Notes Placeholder 2"/>
+          <p:cNvSpPr>
+            <a:spLocks noGrp="1"/>
+          </p:cNvSpPr>
+          <p:nvPr>
+            <p:ph type="body" idx="1"/>
+          </p:nvPr>
+        </p:nvSpPr>
+        <p:spPr/>
+        <p:txBody>
+          <a:bodyPr/>
+          <a:lstStyle/>
+          <a:p>
+            <a:r>
+              <a:rPr lang="en-ZA" dirty="0"/>
+              <a:t>Duncan</a:t>
+            </a:r>
+          </a:p>
+        </p:txBody>
+      </p:sp>
+      <p:sp>
+        <p:nvSpPr>
+          <p:cNvPr id="4" name="Slide Number Placeholder 3"/>
+          <p:cNvSpPr>
+            <a:spLocks noGrp="1"/>
+          </p:cNvSpPr>
+          <p:nvPr>
+            <p:ph type="sldNum" sz="quarter" idx="10"/>
+          </p:nvPr>
+        </p:nvSpPr>
+        <p:spPr/>
+        <p:txBody>
+          <a:bodyPr/>
+          <a:lstStyle/>
+          <a:p>
+            <a:fld id="{33A0FEBD-8435-42ED-8F53-DE548144E3BE}" type="slidenum">
+              <a:rPr lang="en-ZA" smtClean="0"/>
+              <a:t>7</a:t>
+            </a:fld>
+            <a:endParaRPr lang="en-ZA"/>
+          </a:p>
+        </p:txBody>
+      </p:sp>
+    </p:spTree>
+    <p:extLst>
+      <p:ext uri="{BB962C8B-B14F-4D97-AF65-F5344CB8AC3E}">
+        <p14:creationId xmlns:p14="http://schemas.microsoft.com/office/powerpoint/2010/main" val="4291888036"/>
+      </p:ext>
+    </p:extLst>
+  </p:cSld>
+  <p:clrMapOvr>
+    <a:masterClrMapping/>
+  </p:clrMapOvr>
+</p:notes>
+</file>
+
+<file path=ppt/notesSlides/notesSlide7.xml><?xml version="1.0" encoding="utf-8"?>
+<p:notes xmlns:a="http://schemas.openxmlformats.org/drawingml/2006/main" xmlns:r="http://schemas.openxmlformats.org/officeDocument/2006/relationships" xmlns:p="http://schemas.openxmlformats.org/presentationml/2006/main">
+  <p:cSld>
+    <p:spTree>
+      <p:nvGrpSpPr>
+        <p:cNvPr id="1" name=""/>
+        <p:cNvGrpSpPr/>
+        <p:nvPr/>
+      </p:nvGrpSpPr>
+      <p:grpSpPr>
+        <a:xfrm>
+          <a:off x="0" y="0"/>
+          <a:ext cx="0" cy="0"/>
+          <a:chOff x="0" y="0"/>
+          <a:chExt cx="0" cy="0"/>
+        </a:xfrm>
+      </p:grpSpPr>
+      <p:sp>
+        <p:nvSpPr>
+          <p:cNvPr id="2" name="Slide Image Placeholder 1"/>
+          <p:cNvSpPr>
+            <a:spLocks noGrp="1" noRot="1" noChangeAspect="1"/>
+          </p:cNvSpPr>
+          <p:nvPr>
+            <p:ph type="sldImg"/>
+          </p:nvPr>
+        </p:nvSpPr>
+        <p:spPr/>
+      </p:sp>
+      <p:sp>
+        <p:nvSpPr>
+          <p:cNvPr id="3" name="Notes Placeholder 2"/>
+          <p:cNvSpPr>
+            <a:spLocks noGrp="1"/>
+          </p:cNvSpPr>
+          <p:nvPr>
+            <p:ph type="body" idx="1"/>
+          </p:nvPr>
+        </p:nvSpPr>
+        <p:spPr/>
+        <p:txBody>
+          <a:bodyPr/>
+          <a:lstStyle/>
+          <a:p>
+            <a:r>
+              <a:rPr lang="en-ZA" dirty="0"/>
+              <a:t>Xander</a:t>
+            </a:r>
+          </a:p>
+        </p:txBody>
+      </p:sp>
+      <p:sp>
+        <p:nvSpPr>
+          <p:cNvPr id="4" name="Slide Number Placeholder 3"/>
+          <p:cNvSpPr>
+            <a:spLocks noGrp="1"/>
+          </p:cNvSpPr>
+          <p:nvPr>
+            <p:ph type="sldNum" sz="quarter" idx="10"/>
+          </p:nvPr>
+        </p:nvSpPr>
+        <p:spPr/>
+        <p:txBody>
+          <a:bodyPr/>
+          <a:lstStyle/>
+          <a:p>
+            <a:fld id="{33A0FEBD-8435-42ED-8F53-DE548144E3BE}" type="slidenum">
+              <a:rPr lang="en-ZA" smtClean="0"/>
+              <a:t>8</a:t>
+            </a:fld>
+            <a:endParaRPr lang="en-ZA"/>
+          </a:p>
+        </p:txBody>
+      </p:sp>
+    </p:spTree>
+    <p:extLst>
+      <p:ext uri="{BB962C8B-B14F-4D97-AF65-F5344CB8AC3E}">
+        <p14:creationId xmlns:p14="http://schemas.microsoft.com/office/powerpoint/2010/main" val="1274109123"/>
+      </p:ext>
+    </p:extLst>
+  </p:cSld>
+  <p:clrMapOvr>
+    <a:masterClrMapping/>
+  </p:clrMapOvr>
+</p:notes>
+</file>
+
+<file path=ppt/notesSlides/notesSlide8.xml><?xml version="1.0" encoding="utf-8"?>
+<p:notes xmlns:a="http://schemas.openxmlformats.org/drawingml/2006/main" xmlns:r="http://schemas.openxmlformats.org/officeDocument/2006/relationships" xmlns:p="http://schemas.openxmlformats.org/presentationml/2006/main">
+  <p:cSld>
+    <p:spTree>
+      <p:nvGrpSpPr>
+        <p:cNvPr id="1" name=""/>
+        <p:cNvGrpSpPr/>
+        <p:nvPr/>
+      </p:nvGrpSpPr>
+      <p:grpSpPr>
+        <a:xfrm>
+          <a:off x="0" y="0"/>
+          <a:ext cx="0" cy="0"/>
+          <a:chOff x="0" y="0"/>
+          <a:chExt cx="0" cy="0"/>
+        </a:xfrm>
+      </p:grpSpPr>
+      <p:sp>
+        <p:nvSpPr>
+          <p:cNvPr id="2" name="Slide Image Placeholder 1"/>
+          <p:cNvSpPr>
+            <a:spLocks noGrp="1" noRot="1" noChangeAspect="1"/>
+          </p:cNvSpPr>
+          <p:nvPr>
+            <p:ph type="sldImg"/>
+          </p:nvPr>
+        </p:nvSpPr>
+        <p:spPr/>
+      </p:sp>
+      <p:sp>
+        <p:nvSpPr>
+          <p:cNvPr id="3" name="Notes Placeholder 2"/>
+          <p:cNvSpPr>
+            <a:spLocks noGrp="1"/>
+          </p:cNvSpPr>
+          <p:nvPr>
+            <p:ph type="body" idx="1"/>
+          </p:nvPr>
+        </p:nvSpPr>
+        <p:spPr/>
+        <p:txBody>
+          <a:bodyPr/>
+          <a:lstStyle/>
+          <a:p>
+            <a:r>
+              <a:rPr lang="en-ZA" dirty="0"/>
+              <a:t>Xander</a:t>
+            </a:r>
+          </a:p>
+        </p:txBody>
+      </p:sp>
+      <p:sp>
+        <p:nvSpPr>
+          <p:cNvPr id="4" name="Slide Number Placeholder 3"/>
+          <p:cNvSpPr>
+            <a:spLocks noGrp="1"/>
+          </p:cNvSpPr>
+          <p:nvPr>
+            <p:ph type="sldNum" sz="quarter" idx="10"/>
+          </p:nvPr>
+        </p:nvSpPr>
+        <p:spPr/>
+        <p:txBody>
+          <a:bodyPr/>
+          <a:lstStyle/>
+          <a:p>
+            <a:fld id="{33A0FEBD-8435-42ED-8F53-DE548144E3BE}" type="slidenum">
+              <a:rPr lang="en-ZA" smtClean="0"/>
+              <a:t>9</a:t>
+            </a:fld>
+            <a:endParaRPr lang="en-ZA"/>
+          </a:p>
+        </p:txBody>
+      </p:sp>
+    </p:spTree>
+    <p:extLst>
+      <p:ext uri="{BB962C8B-B14F-4D97-AF65-F5344CB8AC3E}">
+        <p14:creationId xmlns:p14="http://schemas.microsoft.com/office/powerpoint/2010/main" val="2561746535"/>
+      </p:ext>
+    </p:extLst>
+  </p:cSld>
+  <p:clrMapOvr>
+    <a:masterClrMapping/>
+  </p:clrMapOvr>
+</p:notes>
+</file>
+
+<file path=ppt/notesSlides/notesSlide9.xml><?xml version="1.0" encoding="utf-8"?>
+<p:notes xmlns:a="http://schemas.openxmlformats.org/drawingml/2006/main" xmlns:r="http://schemas.openxmlformats.org/officeDocument/2006/relationships" xmlns:p="http://schemas.openxmlformats.org/presentationml/2006/main">
+  <p:cSld>
+    <p:spTree>
+      <p:nvGrpSpPr>
+        <p:cNvPr id="1" name=""/>
+        <p:cNvGrpSpPr/>
+        <p:nvPr/>
+      </p:nvGrpSpPr>
+      <p:grpSpPr>
+        <a:xfrm>
+          <a:off x="0" y="0"/>
+          <a:ext cx="0" cy="0"/>
+          <a:chOff x="0" y="0"/>
+          <a:chExt cx="0" cy="0"/>
+        </a:xfrm>
+      </p:grpSpPr>
+      <p:sp>
+        <p:nvSpPr>
+          <p:cNvPr id="2" name="Slide Image Placeholder 1"/>
+          <p:cNvSpPr>
+            <a:spLocks noGrp="1" noRot="1" noChangeAspect="1"/>
+          </p:cNvSpPr>
+          <p:nvPr>
+            <p:ph type="sldImg"/>
+          </p:nvPr>
+        </p:nvSpPr>
+        <p:spPr/>
+      </p:sp>
+      <p:sp>
+        <p:nvSpPr>
+          <p:cNvPr id="3" name="Notes Placeholder 2"/>
+          <p:cNvSpPr>
+            <a:spLocks noGrp="1"/>
+          </p:cNvSpPr>
+          <p:nvPr>
+            <p:ph type="body" idx="1"/>
+          </p:nvPr>
+        </p:nvSpPr>
+        <p:spPr/>
+        <p:txBody>
+          <a:bodyPr/>
+          <a:lstStyle/>
+          <a:p>
+            <a:r>
+              <a:rPr lang="en-ZA" dirty="0"/>
+              <a:t>Emma</a:t>
+            </a:r>
+          </a:p>
+        </p:txBody>
+      </p:sp>
+      <p:sp>
+        <p:nvSpPr>
+          <p:cNvPr id="4" name="Slide Number Placeholder 3"/>
+          <p:cNvSpPr>
+            <a:spLocks noGrp="1"/>
+          </p:cNvSpPr>
+          <p:nvPr>
+            <p:ph type="sldNum" sz="quarter" idx="10"/>
+          </p:nvPr>
+        </p:nvSpPr>
+        <p:spPr/>
+        <p:txBody>
+          <a:bodyPr/>
+          <a:lstStyle/>
+          <a:p>
+            <a:fld id="{33A0FEBD-8435-42ED-8F53-DE548144E3BE}" type="slidenum">
+              <a:rPr lang="en-ZA" smtClean="0"/>
+              <a:t>10</a:t>
+            </a:fld>
+            <a:endParaRPr lang="en-ZA"/>
+          </a:p>
+        </p:txBody>
+      </p:sp>
+    </p:spTree>
+    <p:extLst>
+      <p:ext uri="{BB962C8B-B14F-4D97-AF65-F5344CB8AC3E}">
+        <p14:creationId xmlns:p14="http://schemas.microsoft.com/office/powerpoint/2010/main" val="1990096246"/>
+      </p:ext>
+    </p:extLst>
+  </p:cSld>
+  <p:clrMapOvr>
+    <a:masterClrMapping/>
+  </p:clrMapOvr>
+</p:notes>
 </file>
 
 <file path=ppt/slideLayouts/slideLayout1.xml><?xml version="1.0" encoding="utf-8"?>
@@ -5858,7 +7166,7 @@
           <p:cNvPr id="2" name="Title 1">
             <a:extLst>
               <a:ext uri="{FF2B5EF4-FFF2-40B4-BE49-F238E27FC236}">
-                <a16:creationId xmlns:a16="http://schemas.microsoft.com/office/drawing/2014/main" id="{6CB99DFA-5F0E-477B-81EF-0D2591513E47}"/>
+                <a16:creationId xmlns:a16="http://schemas.microsoft.com/office/drawing/2014/main" id="{17ECB207-C75D-4209-A644-DB7D10DCCF87}"/>
               </a:ext>
             </a:extLst>
           </p:cNvPr>
@@ -5869,21 +7177,101 @@
             <p:ph type="title"/>
           </p:nvPr>
         </p:nvSpPr>
-        <p:spPr>
-          <a:xfrm>
-            <a:off x="1790700" y="2782486"/>
-            <a:ext cx="8610600" cy="1293028"/>
-          </a:xfrm>
-        </p:spPr>
-        <p:txBody>
-          <a:bodyPr/>
-          <a:lstStyle/>
-          <a:p>
-            <a:pPr algn="ctr"/>
-            <a:r>
-              <a:rPr lang="en-ZA" dirty="0" err="1"/>
-              <a:t>DEmo</a:t>
-            </a:r>
+        <p:spPr/>
+        <p:txBody>
+          <a:bodyPr/>
+          <a:lstStyle/>
+          <a:p>
+            <a:r>
+              <a:rPr lang="en-ZA" dirty="0"/>
+              <a:t>Future expansions</a:t>
+            </a:r>
+          </a:p>
+        </p:txBody>
+      </p:sp>
+      <p:sp>
+        <p:nvSpPr>
+          <p:cNvPr id="3" name="Content Placeholder 2">
+            <a:extLst>
+              <a:ext uri="{FF2B5EF4-FFF2-40B4-BE49-F238E27FC236}">
+                <a16:creationId xmlns:a16="http://schemas.microsoft.com/office/drawing/2014/main" id="{91EC4942-F56A-497C-BE2D-C4A642BED843}"/>
+              </a:ext>
+            </a:extLst>
+          </p:cNvPr>
+          <p:cNvSpPr>
+            <a:spLocks noGrp="1"/>
+          </p:cNvSpPr>
+          <p:nvPr>
+            <p:ph idx="1"/>
+          </p:nvPr>
+        </p:nvSpPr>
+        <p:spPr/>
+        <p:txBody>
+          <a:bodyPr>
+            <a:normAutofit lnSpcReduction="10000"/>
+          </a:bodyPr>
+          <a:lstStyle/>
+          <a:p>
+            <a:r>
+              <a:rPr lang="en-ZA" dirty="0"/>
+              <a:t>Add more time slots</a:t>
+            </a:r>
+          </a:p>
+          <a:p>
+            <a:r>
+              <a:rPr lang="en-ZA" dirty="0"/>
+              <a:t>View future dates</a:t>
+            </a:r>
+          </a:p>
+          <a:p>
+            <a:r>
+              <a:rPr lang="en-ZA" dirty="0"/>
+              <a:t>View other meeting rooms</a:t>
+            </a:r>
+          </a:p>
+          <a:p>
+            <a:r>
+              <a:rPr lang="en-ZA" dirty="0"/>
+              <a:t>Put it on a proper server</a:t>
+            </a:r>
+          </a:p>
+          <a:p>
+            <a:r>
+              <a:rPr lang="en-ZA" dirty="0"/>
+              <a:t>Making it more dynamic</a:t>
+            </a:r>
+          </a:p>
+          <a:p>
+            <a:r>
+              <a:rPr lang="en-ZA" dirty="0"/>
+              <a:t>Security-MSAL</a:t>
+            </a:r>
+          </a:p>
+          <a:p>
+            <a:r>
+              <a:rPr lang="en-ZA" dirty="0"/>
+              <a:t>Database system for admins</a:t>
+            </a:r>
+          </a:p>
+          <a:p>
+            <a:r>
+              <a:rPr lang="en-ZA" dirty="0"/>
+              <a:t>More visually appealing interface</a:t>
+            </a:r>
+          </a:p>
+          <a:p>
+            <a:r>
+              <a:rPr lang="en-ZA" dirty="0"/>
+              <a:t>Removal of past meetings</a:t>
+            </a:r>
+          </a:p>
+          <a:p>
+            <a:r>
+              <a:rPr lang="en-ZA" dirty="0"/>
+              <a:t>Different colours for adjacent meetings</a:t>
+            </a:r>
+          </a:p>
+          <a:p>
             <a:endParaRPr lang="en-ZA" dirty="0"/>
           </a:p>
         </p:txBody>
@@ -5891,7 +7279,7 @@
     </p:spTree>
     <p:extLst>
       <p:ext uri="{BB962C8B-B14F-4D97-AF65-F5344CB8AC3E}">
-        <p14:creationId xmlns:p14="http://schemas.microsoft.com/office/powerpoint/2010/main" val="940717888"/>
+        <p14:creationId xmlns:p14="http://schemas.microsoft.com/office/powerpoint/2010/main" val="3552584685"/>
       </p:ext>
     </p:extLst>
   </p:cSld>
@@ -5923,6 +7311,71 @@
           <p:cNvPr id="2" name="Title 1">
             <a:extLst>
               <a:ext uri="{FF2B5EF4-FFF2-40B4-BE49-F238E27FC236}">
+                <a16:creationId xmlns:a16="http://schemas.microsoft.com/office/drawing/2014/main" id="{6CB99DFA-5F0E-477B-81EF-0D2591513E47}"/>
+              </a:ext>
+            </a:extLst>
+          </p:cNvPr>
+          <p:cNvSpPr>
+            <a:spLocks noGrp="1"/>
+          </p:cNvSpPr>
+          <p:nvPr>
+            <p:ph type="title"/>
+          </p:nvPr>
+        </p:nvSpPr>
+        <p:spPr>
+          <a:xfrm>
+            <a:off x="1790700" y="2782486"/>
+            <a:ext cx="8610600" cy="1293028"/>
+          </a:xfrm>
+        </p:spPr>
+        <p:txBody>
+          <a:bodyPr/>
+          <a:lstStyle/>
+          <a:p>
+            <a:pPr algn="ctr"/>
+            <a:r>
+              <a:rPr lang="en-ZA" dirty="0" err="1"/>
+              <a:t>DEmo</a:t>
+            </a:r>
+            <a:endParaRPr lang="en-ZA" dirty="0"/>
+          </a:p>
+        </p:txBody>
+      </p:sp>
+    </p:spTree>
+    <p:extLst>
+      <p:ext uri="{BB962C8B-B14F-4D97-AF65-F5344CB8AC3E}">
+        <p14:creationId xmlns:p14="http://schemas.microsoft.com/office/powerpoint/2010/main" val="940717888"/>
+      </p:ext>
+    </p:extLst>
+  </p:cSld>
+  <p:clrMapOvr>
+    <a:masterClrMapping/>
+  </p:clrMapOvr>
+</p:sld>
+</file>
+
+<file path=ppt/slides/slide12.xml><?xml version="1.0" encoding="utf-8"?>
+<p:sld xmlns:a="http://schemas.openxmlformats.org/drawingml/2006/main" xmlns:r="http://schemas.openxmlformats.org/officeDocument/2006/relationships" xmlns:p="http://schemas.openxmlformats.org/presentationml/2006/main">
+  <p:cSld>
+    <p:spTree>
+      <p:nvGrpSpPr>
+        <p:cNvPr id="1" name=""/>
+        <p:cNvGrpSpPr/>
+        <p:nvPr/>
+      </p:nvGrpSpPr>
+      <p:grpSpPr>
+        <a:xfrm>
+          <a:off x="0" y="0"/>
+          <a:ext cx="0" cy="0"/>
+          <a:chOff x="0" y="0"/>
+          <a:chExt cx="0" cy="0"/>
+        </a:xfrm>
+      </p:grpSpPr>
+      <p:sp>
+        <p:nvSpPr>
+          <p:cNvPr id="2" name="Title 1">
+            <a:extLst>
+              <a:ext uri="{FF2B5EF4-FFF2-40B4-BE49-F238E27FC236}">
                 <a16:creationId xmlns:a16="http://schemas.microsoft.com/office/drawing/2014/main" id="{5D63D6FE-15C4-43C9-9615-3181E2A271E0}"/>
               </a:ext>
             </a:extLst>
@@ -5969,18 +7422,6 @@
           <a:p>
             <a:r>
               <a:rPr lang="en-ZA" dirty="0"/>
-              <a:t>Just because something sounds small doesn’t mean it is</a:t>
-            </a:r>
-          </a:p>
-          <a:p>
-            <a:r>
-              <a:rPr lang="en-ZA" dirty="0"/>
-              <a:t>Occam’s razor-The simplest solution tends to be the right one</a:t>
-            </a:r>
-          </a:p>
-          <a:p>
-            <a:r>
-              <a:rPr lang="en-ZA" dirty="0"/>
               <a:t>Don’t underestimate</a:t>
             </a:r>
           </a:p>
@@ -5993,13 +7434,13 @@
           <a:p>
             <a:r>
               <a:rPr lang="en-ZA" dirty="0"/>
-              <a:t>Lots of brain power can fix a problems</a:t>
+              <a:t>Lots of brain power can fix a problem</a:t>
             </a:r>
           </a:p>
           <a:p>
             <a:r>
               <a:rPr lang="en-ZA" dirty="0"/>
-              <a:t>Learn more</a:t>
+              <a:t>Learn more under pressure</a:t>
             </a:r>
           </a:p>
           <a:p>
@@ -6029,7 +7470,7 @@
 </p:sld>
 </file>
 
-<file path=ppt/slides/slide12.xml><?xml version="1.0" encoding="utf-8"?>
+<file path=ppt/slides/slide13.xml><?xml version="1.0" encoding="utf-8"?>
 <p:sld xmlns:a="http://schemas.openxmlformats.org/drawingml/2006/main" xmlns:r="http://schemas.openxmlformats.org/officeDocument/2006/relationships" xmlns:p="http://schemas.openxmlformats.org/presentationml/2006/main">
   <p:cSld>
     <p:spTree>
@@ -6760,7 +8201,7 @@
           <p:cNvPr id="2" name="Title 1">
             <a:extLst>
               <a:ext uri="{FF2B5EF4-FFF2-40B4-BE49-F238E27FC236}">
-                <a16:creationId xmlns:a16="http://schemas.microsoft.com/office/drawing/2014/main" id="{C58DB181-0010-439E-B228-3C60B6DAEA97}"/>
+                <a16:creationId xmlns:a16="http://schemas.microsoft.com/office/drawing/2014/main" id="{52A12601-0F6A-45C4-ADA3-C1D84AD6EAB6}"/>
               </a:ext>
             </a:extLst>
           </p:cNvPr>
@@ -6778,73 +8219,50 @@
           <a:p>
             <a:r>
               <a:rPr lang="en-ZA" dirty="0"/>
-              <a:t>Challenges</a:t>
-            </a:r>
-          </a:p>
-        </p:txBody>
-      </p:sp>
-      <p:sp>
-        <p:nvSpPr>
-          <p:cNvPr id="3" name="Content Placeholder 2">
+              <a:t>Server</a:t>
+            </a:r>
+          </a:p>
+        </p:txBody>
+      </p:sp>
+      <p:pic>
+        <p:nvPicPr>
+          <p:cNvPr id="7" name="Content Placeholder 6">
             <a:extLst>
               <a:ext uri="{FF2B5EF4-FFF2-40B4-BE49-F238E27FC236}">
-                <a16:creationId xmlns:a16="http://schemas.microsoft.com/office/drawing/2014/main" id="{C2E121B4-7A5C-45D3-A8DC-78A8D4BBF84C}"/>
+                <a16:creationId xmlns:a16="http://schemas.microsoft.com/office/drawing/2014/main" id="{0FED958E-7E41-4C1F-9723-2B00B3D80262}"/>
               </a:ext>
             </a:extLst>
           </p:cNvPr>
-          <p:cNvSpPr>
-            <a:spLocks noGrp="1"/>
-          </p:cNvSpPr>
+          <p:cNvPicPr>
+            <a:picLocks noGrp="1" noChangeAspect="1"/>
+          </p:cNvPicPr>
           <p:nvPr>
             <p:ph idx="1"/>
           </p:nvPr>
-        </p:nvSpPr>
-        <p:spPr/>
-        <p:txBody>
-          <a:bodyPr/>
-          <a:lstStyle/>
-          <a:p>
-            <a:r>
-              <a:rPr lang="en-ZA" dirty="0"/>
-              <a:t>Everything</a:t>
-            </a:r>
-          </a:p>
-          <a:p>
-            <a:r>
-              <a:rPr lang="en-ZA" dirty="0"/>
-              <a:t>Token Authorisation</a:t>
-            </a:r>
-          </a:p>
-          <a:p>
-            <a:r>
-              <a:rPr lang="en-ZA" dirty="0"/>
-              <a:t>Using an external server before remembering apache</a:t>
-            </a:r>
-          </a:p>
-          <a:p>
-            <a:r>
-              <a:rPr lang="en-ZA" dirty="0"/>
-              <a:t>Show web browser on boot-up</a:t>
-            </a:r>
-          </a:p>
-          <a:p>
-            <a:r>
-              <a:rPr lang="en-ZA" dirty="0"/>
-              <a:t>Change pi’s orientation, issues with touchscreen</a:t>
-            </a:r>
-          </a:p>
-          <a:p>
-            <a:r>
-              <a:rPr lang="en-ZA" dirty="0"/>
-              <a:t>Case didn’t fit</a:t>
-            </a:r>
-          </a:p>
-        </p:txBody>
-      </p:sp>
+        </p:nvPicPr>
+        <p:blipFill>
+          <a:blip r:embed="rId3">
+            <a:extLst>
+              <a:ext uri="{28A0092B-C50C-407E-A947-70E740481C1C}">
+                <a14:useLocalDpi xmlns:a14="http://schemas.microsoft.com/office/drawing/2010/main" val="0"/>
+              </a:ext>
+            </a:extLst>
+          </a:blip>
+          <a:stretch>
+            <a:fillRect/>
+          </a:stretch>
+        </p:blipFill>
+        <p:spPr>
+          <a:xfrm>
+            <a:off x="1200413" y="1448973"/>
+            <a:ext cx="7948350" cy="4476372"/>
+          </a:xfrm>
+        </p:spPr>
+      </p:pic>
     </p:spTree>
     <p:extLst>
       <p:ext uri="{BB962C8B-B14F-4D97-AF65-F5344CB8AC3E}">
-        <p14:creationId xmlns:p14="http://schemas.microsoft.com/office/powerpoint/2010/main" val="265406675"/>
+        <p14:creationId xmlns:p14="http://schemas.microsoft.com/office/powerpoint/2010/main" val="2340641892"/>
       </p:ext>
     </p:extLst>
   </p:cSld>
@@ -6876,7 +8294,7 @@
           <p:cNvPr id="2" name="Title 1">
             <a:extLst>
               <a:ext uri="{FF2B5EF4-FFF2-40B4-BE49-F238E27FC236}">
-                <a16:creationId xmlns:a16="http://schemas.microsoft.com/office/drawing/2014/main" id="{17ECB207-C75D-4209-A644-DB7D10DCCF87}"/>
+                <a16:creationId xmlns:a16="http://schemas.microsoft.com/office/drawing/2014/main" id="{C58DB181-0010-439E-B228-3C60B6DAEA97}"/>
               </a:ext>
             </a:extLst>
           </p:cNvPr>
@@ -6894,7 +8312,7 @@
           <a:p>
             <a:r>
               <a:rPr lang="en-ZA" dirty="0"/>
-              <a:t>Future expansions</a:t>
+              <a:t>Challenges</a:t>
             </a:r>
           </a:p>
         </p:txBody>
@@ -6904,7 +8322,7 @@
           <p:cNvPr id="3" name="Content Placeholder 2">
             <a:extLst>
               <a:ext uri="{FF2B5EF4-FFF2-40B4-BE49-F238E27FC236}">
-                <a16:creationId xmlns:a16="http://schemas.microsoft.com/office/drawing/2014/main" id="{91EC4942-F56A-497C-BE2D-C4A642BED843}"/>
+                <a16:creationId xmlns:a16="http://schemas.microsoft.com/office/drawing/2014/main" id="{C2E121B4-7A5C-45D3-A8DC-78A8D4BBF84C}"/>
               </a:ext>
             </a:extLst>
           </p:cNvPr>
@@ -6922,66 +8340,45 @@
           <a:p>
             <a:r>
               <a:rPr lang="en-ZA" dirty="0"/>
-              <a:t>Add more time slots</a:t>
+              <a:t>Everything</a:t>
             </a:r>
           </a:p>
           <a:p>
             <a:r>
               <a:rPr lang="en-ZA" dirty="0"/>
-              <a:t>View future dates</a:t>
+              <a:t>Token Authorisation</a:t>
             </a:r>
           </a:p>
           <a:p>
             <a:r>
               <a:rPr lang="en-ZA" dirty="0"/>
-              <a:t>View other meeting rooms</a:t>
+              <a:t>Using an external server before remembering apache</a:t>
             </a:r>
           </a:p>
           <a:p>
             <a:r>
               <a:rPr lang="en-ZA" dirty="0"/>
-              <a:t>Put it on a proper server</a:t>
+              <a:t>Show web browser on boot-up</a:t>
             </a:r>
           </a:p>
           <a:p>
             <a:r>
               <a:rPr lang="en-ZA" dirty="0"/>
-              <a:t>Making it more dynamic</a:t>
+              <a:t>Change pi’s orientation, issues with touchscreen</a:t>
             </a:r>
           </a:p>
           <a:p>
             <a:r>
               <a:rPr lang="en-ZA" dirty="0"/>
-              <a:t>Security-MSAL</a:t>
-            </a:r>
-          </a:p>
-          <a:p>
-            <a:r>
-              <a:rPr lang="en-ZA" dirty="0"/>
-              <a:t>Database system for admins</a:t>
-            </a:r>
-          </a:p>
-          <a:p>
-            <a:r>
-              <a:rPr lang="en-ZA" dirty="0"/>
-              <a:t>More visually appealing interface</a:t>
-            </a:r>
-          </a:p>
-          <a:p>
-            <a:r>
-              <a:rPr lang="en-ZA" dirty="0"/>
-              <a:t>Removal of past meetings</a:t>
-            </a:r>
-          </a:p>
-          <a:p>
-            <a:endParaRPr lang="en-ZA" dirty="0"/>
+              <a:t>Case didn’t fit</a:t>
+            </a:r>
           </a:p>
         </p:txBody>
       </p:sp>
     </p:spTree>
     <p:extLst>
       <p:ext uri="{BB962C8B-B14F-4D97-AF65-F5344CB8AC3E}">
-        <p14:creationId xmlns:p14="http://schemas.microsoft.com/office/powerpoint/2010/main" val="3552584685"/>
+        <p14:creationId xmlns:p14="http://schemas.microsoft.com/office/powerpoint/2010/main" val="265406675"/>
       </p:ext>
     </p:extLst>
   </p:cSld>
@@ -7259,4 +8656,299 @@
     </a:ext>
   </a:extLst>
 </a:theme>
+</file>
+
+<file path=ppt/theme/theme2.xml><?xml version="1.0" encoding="utf-8"?>
+<a:theme xmlns:a="http://schemas.openxmlformats.org/drawingml/2006/main" name="Office Theme">
+  <a:themeElements>
+    <a:clrScheme name="Office">
+      <a:dk1>
+        <a:sysClr val="windowText" lastClr="000000"/>
+      </a:dk1>
+      <a:lt1>
+        <a:sysClr val="window" lastClr="FFFFFF"/>
+      </a:lt1>
+      <a:dk2>
+        <a:srgbClr val="44546A"/>
+      </a:dk2>
+      <a:lt2>
+        <a:srgbClr val="E7E6E6"/>
+      </a:lt2>
+      <a:accent1>
+        <a:srgbClr val="4472C4"/>
+      </a:accent1>
+      <a:accent2>
+        <a:srgbClr val="ED7D31"/>
+      </a:accent2>
+      <a:accent3>
+        <a:srgbClr val="A5A5A5"/>
+      </a:accent3>
+      <a:accent4>
+        <a:srgbClr val="FFC000"/>
+      </a:accent4>
+      <a:accent5>
+        <a:srgbClr val="5B9BD5"/>
+      </a:accent5>
+      <a:accent6>
+        <a:srgbClr val="70AD47"/>
+      </a:accent6>
+      <a:hlink>
+        <a:srgbClr val="0563C1"/>
+      </a:hlink>
+      <a:folHlink>
+        <a:srgbClr val="954F72"/>
+      </a:folHlink>
+    </a:clrScheme>
+    <a:fontScheme name="Office">
+      <a:majorFont>
+        <a:latin typeface="Calibri Light" panose="020F0302020204030204"/>
+        <a:ea typeface=""/>
+        <a:cs typeface=""/>
+        <a:font script="Jpan" typeface="游ゴシック Light"/>
+        <a:font script="Hang" typeface="맑은 고딕"/>
+        <a:font script="Hans" typeface="等线 Light"/>
+        <a:font script="Hant" typeface="新細明體"/>
+        <a:font script="Arab" typeface="Times New Roman"/>
+        <a:font script="Hebr" typeface="Times New Roman"/>
+        <a:font script="Thai" typeface="Angsana New"/>
+        <a:font script="Ethi" typeface="Nyala"/>
+        <a:font script="Beng" typeface="Vrinda"/>
+        <a:font script="Gujr" typeface="Shruti"/>
+        <a:font script="Khmr" typeface="MoolBoran"/>
+        <a:font script="Knda" typeface="Tunga"/>
+        <a:font script="Guru" typeface="Raavi"/>
+        <a:font script="Cans" typeface="Euphemia"/>
+        <a:font script="Cher" typeface="Plantagenet Cherokee"/>
+        <a:font script="Yiii" typeface="Microsoft Yi Baiti"/>
+        <a:font script="Tibt" typeface="Microsoft Himalaya"/>
+        <a:font script="Thaa" typeface="MV Boli"/>
+        <a:font script="Deva" typeface="Mangal"/>
+        <a:font script="Telu" typeface="Gautami"/>
+        <a:font script="Taml" typeface="Latha"/>
+        <a:font script="Syrc" typeface="Estrangelo Edessa"/>
+        <a:font script="Orya" typeface="Kalinga"/>
+        <a:font script="Mlym" typeface="Kartika"/>
+        <a:font script="Laoo" typeface="DokChampa"/>
+        <a:font script="Sinh" typeface="Iskoola Pota"/>
+        <a:font script="Mong" typeface="Mongolian Baiti"/>
+        <a:font script="Viet" typeface="Times New Roman"/>
+        <a:font script="Uigh" typeface="Microsoft Uighur"/>
+        <a:font script="Geor" typeface="Sylfaen"/>
+        <a:font script="Armn" typeface="Arial"/>
+        <a:font script="Bugi" typeface="Leelawadee UI"/>
+        <a:font script="Bopo" typeface="Microsoft JhengHei"/>
+        <a:font script="Java" typeface="Javanese Text"/>
+        <a:font script="Lisu" typeface="Segoe UI"/>
+        <a:font script="Mymr" typeface="Myanmar Text"/>
+        <a:font script="Nkoo" typeface="Ebrima"/>
+        <a:font script="Olck" typeface="Nirmala UI"/>
+        <a:font script="Osma" typeface="Ebrima"/>
+        <a:font script="Phag" typeface="Phagspa"/>
+        <a:font script="Syrn" typeface="Estrangelo Edessa"/>
+        <a:font script="Syrj" typeface="Estrangelo Edessa"/>
+        <a:font script="Syre" typeface="Estrangelo Edessa"/>
+        <a:font script="Sora" typeface="Nirmala UI"/>
+        <a:font script="Tale" typeface="Microsoft Tai Le"/>
+        <a:font script="Talu" typeface="Microsoft New Tai Lue"/>
+        <a:font script="Tfng" typeface="Ebrima"/>
+      </a:majorFont>
+      <a:minorFont>
+        <a:latin typeface="Calibri" panose="020F0502020204030204"/>
+        <a:ea typeface=""/>
+        <a:cs typeface=""/>
+        <a:font script="Jpan" typeface="游ゴシック"/>
+        <a:font script="Hang" typeface="맑은 고딕"/>
+        <a:font script="Hans" typeface="等线"/>
+        <a:font script="Hant" typeface="新細明體"/>
+        <a:font script="Arab" typeface="Arial"/>
+        <a:font script="Hebr" typeface="Arial"/>
+        <a:font script="Thai" typeface="Cordia New"/>
+        <a:font script="Ethi" typeface="Nyala"/>
+        <a:font script="Beng" typeface="Vrinda"/>
+        <a:font script="Gujr" typeface="Shruti"/>
+        <a:font script="Khmr" typeface="DaunPenh"/>
+        <a:font script="Knda" typeface="Tunga"/>
+        <a:font script="Guru" typeface="Raavi"/>
+        <a:font script="Cans" typeface="Euphemia"/>
+        <a:font script="Cher" typeface="Plantagenet Cherokee"/>
+        <a:font script="Yiii" typeface="Microsoft Yi Baiti"/>
+        <a:font script="Tibt" typeface="Microsoft Himalaya"/>
+        <a:font script="Thaa" typeface="MV Boli"/>
+        <a:font script="Deva" typeface="Mangal"/>
+        <a:font script="Telu" typeface="Gautami"/>
+        <a:font script="Taml" typeface="Latha"/>
+        <a:font script="Syrc" typeface="Estrangelo Edessa"/>
+        <a:font script="Orya" typeface="Kalinga"/>
+        <a:font script="Mlym" typeface="Kartika"/>
+        <a:font script="Laoo" typeface="DokChampa"/>
+        <a:font script="Sinh" typeface="Iskoola Pota"/>
+        <a:font script="Mong" typeface="Mongolian Baiti"/>
+        <a:font script="Viet" typeface="Arial"/>
+        <a:font script="Uigh" typeface="Microsoft Uighur"/>
+        <a:font script="Geor" typeface="Sylfaen"/>
+        <a:font script="Armn" typeface="Arial"/>
+        <a:font script="Bugi" typeface="Leelawadee UI"/>
+        <a:font script="Bopo" typeface="Microsoft JhengHei"/>
+        <a:font script="Java" typeface="Javanese Text"/>
+        <a:font script="Lisu" typeface="Segoe UI"/>
+        <a:font script="Mymr" typeface="Myanmar Text"/>
+        <a:font script="Nkoo" typeface="Ebrima"/>
+        <a:font script="Olck" typeface="Nirmala UI"/>
+        <a:font script="Osma" typeface="Ebrima"/>
+        <a:font script="Phag" typeface="Phagspa"/>
+        <a:font script="Syrn" typeface="Estrangelo Edessa"/>
+        <a:font script="Syrj" typeface="Estrangelo Edessa"/>
+        <a:font script="Syre" typeface="Estrangelo Edessa"/>
+        <a:font script="Sora" typeface="Nirmala UI"/>
+        <a:font script="Tale" typeface="Microsoft Tai Le"/>
+        <a:font script="Talu" typeface="Microsoft New Tai Lue"/>
+        <a:font script="Tfng" typeface="Ebrima"/>
+      </a:minorFont>
+    </a:fontScheme>
+    <a:fmtScheme name="Office">
+      <a:fillStyleLst>
+        <a:solidFill>
+          <a:schemeClr val="phClr"/>
+        </a:solidFill>
+        <a:gradFill rotWithShape="1">
+          <a:gsLst>
+            <a:gs pos="0">
+              <a:schemeClr val="phClr">
+                <a:lumMod val="110000"/>
+                <a:satMod val="105000"/>
+                <a:tint val="67000"/>
+              </a:schemeClr>
+            </a:gs>
+            <a:gs pos="50000">
+              <a:schemeClr val="phClr">
+                <a:lumMod val="105000"/>
+                <a:satMod val="103000"/>
+                <a:tint val="73000"/>
+              </a:schemeClr>
+            </a:gs>
+            <a:gs pos="100000">
+              <a:schemeClr val="phClr">
+                <a:lumMod val="105000"/>
+                <a:satMod val="109000"/>
+                <a:tint val="81000"/>
+              </a:schemeClr>
+            </a:gs>
+          </a:gsLst>
+          <a:lin ang="5400000" scaled="0"/>
+        </a:gradFill>
+        <a:gradFill rotWithShape="1">
+          <a:gsLst>
+            <a:gs pos="0">
+              <a:schemeClr val="phClr">
+                <a:satMod val="103000"/>
+                <a:lumMod val="102000"/>
+                <a:tint val="94000"/>
+              </a:schemeClr>
+            </a:gs>
+            <a:gs pos="50000">
+              <a:schemeClr val="phClr">
+                <a:satMod val="110000"/>
+                <a:lumMod val="100000"/>
+                <a:shade val="100000"/>
+              </a:schemeClr>
+            </a:gs>
+            <a:gs pos="100000">
+              <a:schemeClr val="phClr">
+                <a:lumMod val="99000"/>
+                <a:satMod val="120000"/>
+                <a:shade val="78000"/>
+              </a:schemeClr>
+            </a:gs>
+          </a:gsLst>
+          <a:lin ang="5400000" scaled="0"/>
+        </a:gradFill>
+      </a:fillStyleLst>
+      <a:lnStyleLst>
+        <a:ln w="6350" cap="flat" cmpd="sng" algn="ctr">
+          <a:solidFill>
+            <a:schemeClr val="phClr"/>
+          </a:solidFill>
+          <a:prstDash val="solid"/>
+          <a:miter lim="800000"/>
+        </a:ln>
+        <a:ln w="12700" cap="flat" cmpd="sng" algn="ctr">
+          <a:solidFill>
+            <a:schemeClr val="phClr"/>
+          </a:solidFill>
+          <a:prstDash val="solid"/>
+          <a:miter lim="800000"/>
+        </a:ln>
+        <a:ln w="19050" cap="flat" cmpd="sng" algn="ctr">
+          <a:solidFill>
+            <a:schemeClr val="phClr"/>
+          </a:solidFill>
+          <a:prstDash val="solid"/>
+          <a:miter lim="800000"/>
+        </a:ln>
+      </a:lnStyleLst>
+      <a:effectStyleLst>
+        <a:effectStyle>
+          <a:effectLst/>
+        </a:effectStyle>
+        <a:effectStyle>
+          <a:effectLst/>
+        </a:effectStyle>
+        <a:effectStyle>
+          <a:effectLst>
+            <a:outerShdw blurRad="57150" dist="19050" dir="5400000" algn="ctr" rotWithShape="0">
+              <a:srgbClr val="000000">
+                <a:alpha val="63000"/>
+              </a:srgbClr>
+            </a:outerShdw>
+          </a:effectLst>
+        </a:effectStyle>
+      </a:effectStyleLst>
+      <a:bgFillStyleLst>
+        <a:solidFill>
+          <a:schemeClr val="phClr"/>
+        </a:solidFill>
+        <a:solidFill>
+          <a:schemeClr val="phClr">
+            <a:tint val="95000"/>
+            <a:satMod val="170000"/>
+          </a:schemeClr>
+        </a:solidFill>
+        <a:gradFill rotWithShape="1">
+          <a:gsLst>
+            <a:gs pos="0">
+              <a:schemeClr val="phClr">
+                <a:tint val="93000"/>
+                <a:satMod val="150000"/>
+                <a:shade val="98000"/>
+                <a:lumMod val="102000"/>
+              </a:schemeClr>
+            </a:gs>
+            <a:gs pos="50000">
+              <a:schemeClr val="phClr">
+                <a:tint val="98000"/>
+                <a:satMod val="130000"/>
+                <a:shade val="90000"/>
+                <a:lumMod val="103000"/>
+              </a:schemeClr>
+            </a:gs>
+            <a:gs pos="100000">
+              <a:schemeClr val="phClr">
+                <a:shade val="63000"/>
+                <a:satMod val="120000"/>
+              </a:schemeClr>
+            </a:gs>
+          </a:gsLst>
+          <a:lin ang="5400000" scaled="0"/>
+        </a:gradFill>
+      </a:bgFillStyleLst>
+    </a:fmtScheme>
+  </a:themeElements>
+  <a:objectDefaults/>
+  <a:extraClrSchemeLst/>
+  <a:extLst>
+    <a:ext uri="{05A4C25C-085E-4340-85A3-A5531E510DB2}">
+      <thm15:themeFamily xmlns:thm15="http://schemas.microsoft.com/office/thememl/2012/main" name="Office Theme" id="{62F939B6-93AF-4DB8-9C6B-D6C7DFDC589F}" vid="{4A3C46E8-61CC-4603-A589-7422A47A8E4A}"/>
+    </a:ext>
+  </a:extLst>
+</a:theme>
 </file>
--- a/Presentation.pptx
+++ b/Presentation.pptx
@@ -5,7 +5,7 @@
     <p:sldMasterId id="2147483768" r:id="rId1"/>
   </p:sldMasterIdLst>
   <p:notesMasterIdLst>
-    <p:notesMasterId r:id="rId15"/>
+    <p:notesMasterId r:id="rId14"/>
   </p:notesMasterIdLst>
   <p:sldIdLst>
     <p:sldId id="256" r:id="rId2"/>
@@ -13,14 +13,13 @@
     <p:sldId id="257" r:id="rId4"/>
     <p:sldId id="260" r:id="rId5"/>
     <p:sldId id="262" r:id="rId6"/>
-    <p:sldId id="263" r:id="rId7"/>
-    <p:sldId id="264" r:id="rId8"/>
-    <p:sldId id="270" r:id="rId9"/>
-    <p:sldId id="261" r:id="rId10"/>
-    <p:sldId id="265" r:id="rId11"/>
-    <p:sldId id="267" r:id="rId12"/>
-    <p:sldId id="268" r:id="rId13"/>
-    <p:sldId id="269" r:id="rId14"/>
+    <p:sldId id="264" r:id="rId7"/>
+    <p:sldId id="270" r:id="rId8"/>
+    <p:sldId id="261" r:id="rId9"/>
+    <p:sldId id="265" r:id="rId10"/>
+    <p:sldId id="267" r:id="rId11"/>
+    <p:sldId id="268" r:id="rId12"/>
+    <p:sldId id="269" r:id="rId13"/>
   </p:sldIdLst>
   <p:sldSz cx="12192000" cy="6858000"/>
   <p:notesSz cx="6858000" cy="9144000"/>
@@ -209,7 +208,7 @@
           <a:p>
             <a:fld id="{2847E090-A3CA-450A-B92F-FFE8069523B0}" type="datetimeFigureOut">
               <a:rPr lang="en-ZA" smtClean="0"/>
-              <a:t>2018/07/05</a:t>
+              <a:t>2018/07/06</a:t>
             </a:fld>
             <a:endParaRPr lang="en-ZA"/>
           </a:p>
@@ -607,7 +606,7 @@
           <a:p>
             <a:r>
               <a:rPr lang="en-ZA" dirty="0"/>
-              <a:t>Emma + Robert</a:t>
+              <a:t>Every</a:t>
             </a:r>
           </a:p>
         </p:txBody>
@@ -630,93 +629,6 @@
             <a:fld id="{33A0FEBD-8435-42ED-8F53-DE548144E3BE}" type="slidenum">
               <a:rPr lang="en-ZA" smtClean="0"/>
               <a:t>11</a:t>
-            </a:fld>
-            <a:endParaRPr lang="en-ZA"/>
-          </a:p>
-        </p:txBody>
-      </p:sp>
-    </p:spTree>
-    <p:extLst>
-      <p:ext uri="{BB962C8B-B14F-4D97-AF65-F5344CB8AC3E}">
-        <p14:creationId xmlns:p14="http://schemas.microsoft.com/office/powerpoint/2010/main" val="1006850931"/>
-      </p:ext>
-    </p:extLst>
-  </p:cSld>
-  <p:clrMapOvr>
-    <a:masterClrMapping/>
-  </p:clrMapOvr>
-</p:notes>
-</file>
-
-<file path=ppt/notesSlides/notesSlide11.xml><?xml version="1.0" encoding="utf-8"?>
-<p:notes xmlns:a="http://schemas.openxmlformats.org/drawingml/2006/main" xmlns:r="http://schemas.openxmlformats.org/officeDocument/2006/relationships" xmlns:p="http://schemas.openxmlformats.org/presentationml/2006/main">
-  <p:cSld>
-    <p:spTree>
-      <p:nvGrpSpPr>
-        <p:cNvPr id="1" name=""/>
-        <p:cNvGrpSpPr/>
-        <p:nvPr/>
-      </p:nvGrpSpPr>
-      <p:grpSpPr>
-        <a:xfrm>
-          <a:off x="0" y="0"/>
-          <a:ext cx="0" cy="0"/>
-          <a:chOff x="0" y="0"/>
-          <a:chExt cx="0" cy="0"/>
-        </a:xfrm>
-      </p:grpSpPr>
-      <p:sp>
-        <p:nvSpPr>
-          <p:cNvPr id="2" name="Slide Image Placeholder 1"/>
-          <p:cNvSpPr>
-            <a:spLocks noGrp="1" noRot="1" noChangeAspect="1"/>
-          </p:cNvSpPr>
-          <p:nvPr>
-            <p:ph type="sldImg"/>
-          </p:nvPr>
-        </p:nvSpPr>
-        <p:spPr/>
-      </p:sp>
-      <p:sp>
-        <p:nvSpPr>
-          <p:cNvPr id="3" name="Notes Placeholder 2"/>
-          <p:cNvSpPr>
-            <a:spLocks noGrp="1"/>
-          </p:cNvSpPr>
-          <p:nvPr>
-            <p:ph type="body" idx="1"/>
-          </p:nvPr>
-        </p:nvSpPr>
-        <p:spPr/>
-        <p:txBody>
-          <a:bodyPr/>
-          <a:lstStyle/>
-          <a:p>
-            <a:r>
-              <a:rPr lang="en-ZA" dirty="0"/>
-              <a:t>Every</a:t>
-            </a:r>
-          </a:p>
-        </p:txBody>
-      </p:sp>
-      <p:sp>
-        <p:nvSpPr>
-          <p:cNvPr id="4" name="Slide Number Placeholder 3"/>
-          <p:cNvSpPr>
-            <a:spLocks noGrp="1"/>
-          </p:cNvSpPr>
-          <p:nvPr>
-            <p:ph type="sldNum" sz="quarter" idx="10"/>
-          </p:nvPr>
-        </p:nvSpPr>
-        <p:spPr/>
-        <p:txBody>
-          <a:bodyPr/>
-          <a:lstStyle/>
-          <a:p>
-            <a:fld id="{33A0FEBD-8435-42ED-8F53-DE548144E3BE}" type="slidenum">
-              <a:rPr lang="en-ZA" smtClean="0"/>
-              <a:t>12</a:t>
             </a:fld>
             <a:endParaRPr lang="en-ZA"/>
           </a:p>
@@ -1073,7 +985,7 @@
     </p:spTree>
     <p:extLst>
       <p:ext uri="{BB962C8B-B14F-4D97-AF65-F5344CB8AC3E}">
-        <p14:creationId xmlns:p14="http://schemas.microsoft.com/office/powerpoint/2010/main" val="2103665335"/>
+        <p14:creationId xmlns:p14="http://schemas.microsoft.com/office/powerpoint/2010/main" val="4291888036"/>
       </p:ext>
     </p:extLst>
   </p:cSld>
@@ -1129,7 +1041,7 @@
           <a:p>
             <a:r>
               <a:rPr lang="en-ZA" dirty="0"/>
-              <a:t>Duncan</a:t>
+              <a:t>Xander</a:t>
             </a:r>
           </a:p>
         </p:txBody>
@@ -1160,7 +1072,7 @@
     </p:spTree>
     <p:extLst>
       <p:ext uri="{BB962C8B-B14F-4D97-AF65-F5344CB8AC3E}">
-        <p14:creationId xmlns:p14="http://schemas.microsoft.com/office/powerpoint/2010/main" val="4291888036"/>
+        <p14:creationId xmlns:p14="http://schemas.microsoft.com/office/powerpoint/2010/main" val="1274109123"/>
       </p:ext>
     </p:extLst>
   </p:cSld>
@@ -1247,7 +1159,7 @@
     </p:spTree>
     <p:extLst>
       <p:ext uri="{BB962C8B-B14F-4D97-AF65-F5344CB8AC3E}">
-        <p14:creationId xmlns:p14="http://schemas.microsoft.com/office/powerpoint/2010/main" val="1274109123"/>
+        <p14:creationId xmlns:p14="http://schemas.microsoft.com/office/powerpoint/2010/main" val="2561746535"/>
       </p:ext>
     </p:extLst>
   </p:cSld>
@@ -1303,7 +1215,7 @@
           <a:p>
             <a:r>
               <a:rPr lang="en-ZA" dirty="0"/>
-              <a:t>Xander</a:t>
+              <a:t>Emma</a:t>
             </a:r>
           </a:p>
         </p:txBody>
@@ -1334,7 +1246,7 @@
     </p:spTree>
     <p:extLst>
       <p:ext uri="{BB962C8B-B14F-4D97-AF65-F5344CB8AC3E}">
-        <p14:creationId xmlns:p14="http://schemas.microsoft.com/office/powerpoint/2010/main" val="2561746535"/>
+        <p14:creationId xmlns:p14="http://schemas.microsoft.com/office/powerpoint/2010/main" val="1990096246"/>
       </p:ext>
     </p:extLst>
   </p:cSld>
@@ -1390,7 +1302,7 @@
           <a:p>
             <a:r>
               <a:rPr lang="en-ZA" dirty="0"/>
-              <a:t>Emma</a:t>
+              <a:t>Emma + Robert</a:t>
             </a:r>
           </a:p>
         </p:txBody>
@@ -1421,7 +1333,7 @@
     </p:spTree>
     <p:extLst>
       <p:ext uri="{BB962C8B-B14F-4D97-AF65-F5344CB8AC3E}">
-        <p14:creationId xmlns:p14="http://schemas.microsoft.com/office/powerpoint/2010/main" val="1990096246"/>
+        <p14:creationId xmlns:p14="http://schemas.microsoft.com/office/powerpoint/2010/main" val="1006850931"/>
       </p:ext>
     </p:extLst>
   </p:cSld>
@@ -1601,7 +1513,7 @@
           <a:p>
             <a:fld id="{0F61DD96-DD91-4DAA-A947-86F8F3C6982C}" type="datetimeFigureOut">
               <a:rPr lang="en-ZA" smtClean="0"/>
-              <a:t>2018/07/05</a:t>
+              <a:t>2018/07/06</a:t>
             </a:fld>
             <a:endParaRPr lang="en-ZA"/>
           </a:p>
@@ -1868,7 +1780,7 @@
           <a:p>
             <a:fld id="{0F61DD96-DD91-4DAA-A947-86F8F3C6982C}" type="datetimeFigureOut">
               <a:rPr lang="en-ZA" smtClean="0"/>
-              <a:t>2018/07/05</a:t>
+              <a:t>2018/07/06</a:t>
             </a:fld>
             <a:endParaRPr lang="en-ZA"/>
           </a:p>
@@ -2099,7 +2011,7 @@
           <a:p>
             <a:fld id="{0F61DD96-DD91-4DAA-A947-86F8F3C6982C}" type="datetimeFigureOut">
               <a:rPr lang="en-ZA" smtClean="0"/>
-              <a:t>2018/07/05</a:t>
+              <a:t>2018/07/06</a:t>
             </a:fld>
             <a:endParaRPr lang="en-ZA"/>
           </a:p>
@@ -2409,7 +2321,7 @@
           <a:p>
             <a:fld id="{0F61DD96-DD91-4DAA-A947-86F8F3C6982C}" type="datetimeFigureOut">
               <a:rPr lang="en-ZA" smtClean="0"/>
-              <a:t>2018/07/05</a:t>
+              <a:t>2018/07/06</a:t>
             </a:fld>
             <a:endParaRPr lang="en-ZA"/>
           </a:p>
@@ -2882,7 +2794,7 @@
           <a:p>
             <a:fld id="{0F61DD96-DD91-4DAA-A947-86F8F3C6982C}" type="datetimeFigureOut">
               <a:rPr lang="en-ZA" smtClean="0"/>
-              <a:t>2018/07/05</a:t>
+              <a:t>2018/07/06</a:t>
             </a:fld>
             <a:endParaRPr lang="en-ZA"/>
           </a:p>
@@ -3429,7 +3341,7 @@
           <a:p>
             <a:fld id="{0F61DD96-DD91-4DAA-A947-86F8F3C6982C}" type="datetimeFigureOut">
               <a:rPr lang="en-ZA" smtClean="0"/>
-              <a:t>2018/07/05</a:t>
+              <a:t>2018/07/06</a:t>
             </a:fld>
             <a:endParaRPr lang="en-ZA"/>
           </a:p>
@@ -4203,7 +4115,7 @@
           <a:p>
             <a:fld id="{0F61DD96-DD91-4DAA-A947-86F8F3C6982C}" type="datetimeFigureOut">
               <a:rPr lang="en-ZA" smtClean="0"/>
-              <a:t>2018/07/05</a:t>
+              <a:t>2018/07/06</a:t>
             </a:fld>
             <a:endParaRPr lang="en-ZA"/>
           </a:p>
@@ -4378,7 +4290,7 @@
           <a:p>
             <a:fld id="{0F61DD96-DD91-4DAA-A947-86F8F3C6982C}" type="datetimeFigureOut">
               <a:rPr lang="en-ZA" smtClean="0"/>
-              <a:t>2018/07/05</a:t>
+              <a:t>2018/07/06</a:t>
             </a:fld>
             <a:endParaRPr lang="en-ZA"/>
           </a:p>
@@ -4601,7 +4513,7 @@
           <a:p>
             <a:fld id="{0F61DD96-DD91-4DAA-A947-86F8F3C6982C}" type="datetimeFigureOut">
               <a:rPr lang="en-ZA" smtClean="0"/>
-              <a:t>2018/07/05</a:t>
+              <a:t>2018/07/06</a:t>
             </a:fld>
             <a:endParaRPr lang="en-ZA"/>
           </a:p>
@@ -4781,7 +4693,7 @@
           <a:p>
             <a:fld id="{0F61DD96-DD91-4DAA-A947-86F8F3C6982C}" type="datetimeFigureOut">
               <a:rPr lang="en-ZA" smtClean="0"/>
-              <a:t>2018/07/05</a:t>
+              <a:t>2018/07/06</a:t>
             </a:fld>
             <a:endParaRPr lang="en-ZA"/>
           </a:p>
@@ -5070,7 +4982,7 @@
           <a:p>
             <a:fld id="{0F61DD96-DD91-4DAA-A947-86F8F3C6982C}" type="datetimeFigureOut">
               <a:rPr lang="en-ZA" smtClean="0"/>
-              <a:t>2018/07/05</a:t>
+              <a:t>2018/07/06</a:t>
             </a:fld>
             <a:endParaRPr lang="en-ZA"/>
           </a:p>
@@ -5312,7 +5224,7 @@
           <a:p>
             <a:fld id="{0F61DD96-DD91-4DAA-A947-86F8F3C6982C}" type="datetimeFigureOut">
               <a:rPr lang="en-ZA" smtClean="0"/>
-              <a:t>2018/07/05</a:t>
+              <a:t>2018/07/06</a:t>
             </a:fld>
             <a:endParaRPr lang="en-ZA"/>
           </a:p>
@@ -5691,7 +5603,7 @@
           <a:p>
             <a:fld id="{0F61DD96-DD91-4DAA-A947-86F8F3C6982C}" type="datetimeFigureOut">
               <a:rPr lang="en-ZA" smtClean="0"/>
-              <a:t>2018/07/05</a:t>
+              <a:t>2018/07/06</a:t>
             </a:fld>
             <a:endParaRPr lang="en-ZA"/>
           </a:p>
@@ -5809,7 +5721,7 @@
           <a:p>
             <a:fld id="{0F61DD96-DD91-4DAA-A947-86F8F3C6982C}" type="datetimeFigureOut">
               <a:rPr lang="en-ZA" smtClean="0"/>
-              <a:t>2018/07/05</a:t>
+              <a:t>2018/07/06</a:t>
             </a:fld>
             <a:endParaRPr lang="en-ZA"/>
           </a:p>
@@ -5904,7 +5816,7 @@
           <a:p>
             <a:fld id="{0F61DD96-DD91-4DAA-A947-86F8F3C6982C}" type="datetimeFigureOut">
               <a:rPr lang="en-ZA" smtClean="0"/>
-              <a:t>2018/07/05</a:t>
+              <a:t>2018/07/06</a:t>
             </a:fld>
             <a:endParaRPr lang="en-ZA"/>
           </a:p>
@@ -6153,7 +6065,7 @@
           <a:p>
             <a:fld id="{0F61DD96-DD91-4DAA-A947-86F8F3C6982C}" type="datetimeFigureOut">
               <a:rPr lang="en-ZA" smtClean="0"/>
-              <a:t>2018/07/05</a:t>
+              <a:t>2018/07/06</a:t>
             </a:fld>
             <a:endParaRPr lang="en-ZA"/>
           </a:p>
@@ -6410,7 +6322,7 @@
           <a:p>
             <a:fld id="{0F61DD96-DD91-4DAA-A947-86F8F3C6982C}" type="datetimeFigureOut">
               <a:rPr lang="en-ZA" smtClean="0"/>
-              <a:t>2018/07/05</a:t>
+              <a:t>2018/07/06</a:t>
             </a:fld>
             <a:endParaRPr lang="en-ZA"/>
           </a:p>
@@ -6653,7 +6565,7 @@
           <a:p>
             <a:fld id="{0F61DD96-DD91-4DAA-A947-86F8F3C6982C}" type="datetimeFigureOut">
               <a:rPr lang="en-ZA" smtClean="0"/>
-              <a:t>2018/07/05</a:t>
+              <a:t>2018/07/06</a:t>
             </a:fld>
             <a:endParaRPr lang="en-ZA"/>
           </a:p>
@@ -7166,7 +7078,7 @@
           <p:cNvPr id="2" name="Title 1">
             <a:extLst>
               <a:ext uri="{FF2B5EF4-FFF2-40B4-BE49-F238E27FC236}">
-                <a16:creationId xmlns:a16="http://schemas.microsoft.com/office/drawing/2014/main" id="{17ECB207-C75D-4209-A644-DB7D10DCCF87}"/>
+                <a16:creationId xmlns:a16="http://schemas.microsoft.com/office/drawing/2014/main" id="{6CB99DFA-5F0E-477B-81EF-0D2591513E47}"/>
               </a:ext>
             </a:extLst>
           </p:cNvPr>
@@ -7177,115 +7089,632 @@
             <p:ph type="title"/>
           </p:nvPr>
         </p:nvSpPr>
-        <p:spPr/>
-        <p:txBody>
-          <a:bodyPr/>
-          <a:lstStyle/>
-          <a:p>
-            <a:r>
-              <a:rPr lang="en-ZA" dirty="0"/>
-              <a:t>Future expansions</a:t>
-            </a:r>
-          </a:p>
-        </p:txBody>
-      </p:sp>
-      <p:sp>
-        <p:nvSpPr>
-          <p:cNvPr id="3" name="Content Placeholder 2">
+        <p:spPr>
+          <a:xfrm>
+            <a:off x="1790700" y="2782486"/>
+            <a:ext cx="8610600" cy="1293028"/>
+          </a:xfrm>
+        </p:spPr>
+        <p:txBody>
+          <a:bodyPr/>
+          <a:lstStyle/>
+          <a:p>
+            <a:pPr algn="ctr"/>
+            <a:r>
+              <a:rPr lang="en-ZA" dirty="0" err="1"/>
+              <a:t>DEmo</a:t>
+            </a:r>
+            <a:endParaRPr lang="en-ZA" dirty="0"/>
+          </a:p>
+        </p:txBody>
+      </p:sp>
+      <p:pic>
+        <p:nvPicPr>
+          <p:cNvPr id="10" name="Picture 9" descr="A screenshot of a cell phone&#10;&#10;Description generated with very high confidence">
             <a:extLst>
               <a:ext uri="{FF2B5EF4-FFF2-40B4-BE49-F238E27FC236}">
-                <a16:creationId xmlns:a16="http://schemas.microsoft.com/office/drawing/2014/main" id="{91EC4942-F56A-497C-BE2D-C4A642BED843}"/>
+                <a16:creationId xmlns:a16="http://schemas.microsoft.com/office/drawing/2014/main" id="{066B3361-51A1-479A-AA4E-C0E71A0023CE}"/>
               </a:ext>
             </a:extLst>
           </p:cNvPr>
-          <p:cNvSpPr>
-            <a:spLocks noGrp="1"/>
-          </p:cNvSpPr>
-          <p:nvPr>
-            <p:ph idx="1"/>
-          </p:nvPr>
-        </p:nvSpPr>
-        <p:spPr/>
-        <p:txBody>
-          <a:bodyPr>
-            <a:normAutofit lnSpcReduction="10000"/>
-          </a:bodyPr>
-          <a:lstStyle/>
-          <a:p>
-            <a:r>
-              <a:rPr lang="en-ZA" dirty="0"/>
-              <a:t>Add more time slots</a:t>
-            </a:r>
-          </a:p>
-          <a:p>
-            <a:r>
-              <a:rPr lang="en-ZA" dirty="0"/>
-              <a:t>View future dates</a:t>
-            </a:r>
-          </a:p>
-          <a:p>
-            <a:r>
-              <a:rPr lang="en-ZA" dirty="0"/>
-              <a:t>View other meeting rooms</a:t>
-            </a:r>
-          </a:p>
-          <a:p>
-            <a:r>
-              <a:rPr lang="en-ZA" dirty="0"/>
-              <a:t>Put it on a proper server</a:t>
-            </a:r>
-          </a:p>
-          <a:p>
-            <a:r>
-              <a:rPr lang="en-ZA" dirty="0"/>
-              <a:t>Making it more dynamic</a:t>
-            </a:r>
-          </a:p>
-          <a:p>
-            <a:r>
-              <a:rPr lang="en-ZA" dirty="0"/>
-              <a:t>Security-MSAL</a:t>
-            </a:r>
-          </a:p>
-          <a:p>
-            <a:r>
-              <a:rPr lang="en-ZA" dirty="0"/>
-              <a:t>Database system for admins</a:t>
-            </a:r>
-          </a:p>
-          <a:p>
-            <a:r>
-              <a:rPr lang="en-ZA" dirty="0"/>
-              <a:t>More visually appealing interface</a:t>
-            </a:r>
-          </a:p>
-          <a:p>
-            <a:r>
-              <a:rPr lang="en-ZA" dirty="0"/>
-              <a:t>Removal of past meetings</a:t>
-            </a:r>
-          </a:p>
-          <a:p>
-            <a:r>
-              <a:rPr lang="en-ZA" dirty="0"/>
-              <a:t>Different colours for adjacent meetings</a:t>
-            </a:r>
-          </a:p>
-          <a:p>
-            <a:endParaRPr lang="en-ZA" dirty="0"/>
-          </a:p>
-        </p:txBody>
-      </p:sp>
+          <p:cNvPicPr>
+            <a:picLocks noChangeAspect="1"/>
+          </p:cNvPicPr>
+          <p:nvPr/>
+        </p:nvPicPr>
+        <p:blipFill>
+          <a:blip r:embed="rId3">
+            <a:extLst>
+              <a:ext uri="{28A0092B-C50C-407E-A947-70E740481C1C}">
+                <a14:useLocalDpi xmlns:a14="http://schemas.microsoft.com/office/drawing/2010/main" val="0"/>
+              </a:ext>
+            </a:extLst>
+          </a:blip>
+          <a:stretch>
+            <a:fillRect/>
+          </a:stretch>
+        </p:blipFill>
+        <p:spPr>
+          <a:xfrm>
+            <a:off x="4837823" y="0"/>
+            <a:ext cx="4114800" cy="6858000"/>
+          </a:xfrm>
+          <a:prstGeom prst="rect">
+            <a:avLst/>
+          </a:prstGeom>
+        </p:spPr>
+      </p:pic>
+      <p:pic>
+        <p:nvPicPr>
+          <p:cNvPr id="12" name="Picture 11" descr="A screenshot of a cell phone&#10;&#10;Description generated with very high confidence">
+            <a:extLst>
+              <a:ext uri="{FF2B5EF4-FFF2-40B4-BE49-F238E27FC236}">
+                <a16:creationId xmlns:a16="http://schemas.microsoft.com/office/drawing/2014/main" id="{AF301CF7-8829-44EC-AD2F-10451A85580D}"/>
+              </a:ext>
+            </a:extLst>
+          </p:cNvPr>
+          <p:cNvPicPr>
+            <a:picLocks noChangeAspect="1"/>
+          </p:cNvPicPr>
+          <p:nvPr/>
+        </p:nvPicPr>
+        <p:blipFill>
+          <a:blip r:embed="rId4">
+            <a:extLst>
+              <a:ext uri="{28A0092B-C50C-407E-A947-70E740481C1C}">
+                <a14:useLocalDpi xmlns:a14="http://schemas.microsoft.com/office/drawing/2010/main" val="0"/>
+              </a:ext>
+            </a:extLst>
+          </a:blip>
+          <a:stretch>
+            <a:fillRect/>
+          </a:stretch>
+        </p:blipFill>
+        <p:spPr>
+          <a:xfrm>
+            <a:off x="4837823" y="0"/>
+            <a:ext cx="4114800" cy="6858000"/>
+          </a:xfrm>
+          <a:prstGeom prst="rect">
+            <a:avLst/>
+          </a:prstGeom>
+        </p:spPr>
+      </p:pic>
+      <p:pic>
+        <p:nvPicPr>
+          <p:cNvPr id="30" name="Picture 29" descr="A picture containing electronics&#10;&#10;Description generated with high confidence">
+            <a:extLst>
+              <a:ext uri="{FF2B5EF4-FFF2-40B4-BE49-F238E27FC236}">
+                <a16:creationId xmlns:a16="http://schemas.microsoft.com/office/drawing/2014/main" id="{61435F0B-5EEE-47E8-945F-328ADA656DDC}"/>
+              </a:ext>
+            </a:extLst>
+          </p:cNvPr>
+          <p:cNvPicPr>
+            <a:picLocks noChangeAspect="1"/>
+          </p:cNvPicPr>
+          <p:nvPr/>
+        </p:nvPicPr>
+        <p:blipFill>
+          <a:blip r:embed="rId5">
+            <a:extLst>
+              <a:ext uri="{28A0092B-C50C-407E-A947-70E740481C1C}">
+                <a14:useLocalDpi xmlns:a14="http://schemas.microsoft.com/office/drawing/2010/main" val="0"/>
+              </a:ext>
+            </a:extLst>
+          </a:blip>
+          <a:stretch>
+            <a:fillRect/>
+          </a:stretch>
+        </p:blipFill>
+        <p:spPr>
+          <a:xfrm>
+            <a:off x="4790053" y="0"/>
+            <a:ext cx="4114800" cy="6858000"/>
+          </a:xfrm>
+          <a:prstGeom prst="rect">
+            <a:avLst/>
+          </a:prstGeom>
+        </p:spPr>
+      </p:pic>
+      <p:pic>
+        <p:nvPicPr>
+          <p:cNvPr id="24" name="Picture 23" descr="A screenshot of a cell phone&#10;&#10;Description generated with very high confidence">
+            <a:extLst>
+              <a:ext uri="{FF2B5EF4-FFF2-40B4-BE49-F238E27FC236}">
+                <a16:creationId xmlns:a16="http://schemas.microsoft.com/office/drawing/2014/main" id="{DB2F6246-B954-4FBE-96E0-F754075EA0B6}"/>
+              </a:ext>
+            </a:extLst>
+          </p:cNvPr>
+          <p:cNvPicPr>
+            <a:picLocks noChangeAspect="1"/>
+          </p:cNvPicPr>
+          <p:nvPr/>
+        </p:nvPicPr>
+        <p:blipFill>
+          <a:blip r:embed="rId6">
+            <a:extLst>
+              <a:ext uri="{28A0092B-C50C-407E-A947-70E740481C1C}">
+                <a14:useLocalDpi xmlns:a14="http://schemas.microsoft.com/office/drawing/2010/main" val="0"/>
+              </a:ext>
+            </a:extLst>
+          </a:blip>
+          <a:stretch>
+            <a:fillRect/>
+          </a:stretch>
+        </p:blipFill>
+        <p:spPr>
+          <a:xfrm>
+            <a:off x="4790053" y="0"/>
+            <a:ext cx="4114800" cy="6858000"/>
+          </a:xfrm>
+          <a:prstGeom prst="rect">
+            <a:avLst/>
+          </a:prstGeom>
+        </p:spPr>
+      </p:pic>
+      <p:pic>
+        <p:nvPicPr>
+          <p:cNvPr id="28" name="Picture 27" descr="A screenshot of a cell phone&#10;&#10;Description generated with very high confidence">
+            <a:extLst>
+              <a:ext uri="{FF2B5EF4-FFF2-40B4-BE49-F238E27FC236}">
+                <a16:creationId xmlns:a16="http://schemas.microsoft.com/office/drawing/2014/main" id="{47C5DD5E-26D2-4DF3-B50C-F334604F450A}"/>
+              </a:ext>
+            </a:extLst>
+          </p:cNvPr>
+          <p:cNvPicPr>
+            <a:picLocks noChangeAspect="1"/>
+          </p:cNvPicPr>
+          <p:nvPr/>
+        </p:nvPicPr>
+        <p:blipFill>
+          <a:blip r:embed="rId7">
+            <a:extLst>
+              <a:ext uri="{28A0092B-C50C-407E-A947-70E740481C1C}">
+                <a14:useLocalDpi xmlns:a14="http://schemas.microsoft.com/office/drawing/2010/main" val="0"/>
+              </a:ext>
+            </a:extLst>
+          </a:blip>
+          <a:stretch>
+            <a:fillRect/>
+          </a:stretch>
+        </p:blipFill>
+        <p:spPr>
+          <a:xfrm>
+            <a:off x="4790053" y="0"/>
+            <a:ext cx="4114800" cy="6858000"/>
+          </a:xfrm>
+          <a:prstGeom prst="rect">
+            <a:avLst/>
+          </a:prstGeom>
+        </p:spPr>
+      </p:pic>
+      <p:pic>
+        <p:nvPicPr>
+          <p:cNvPr id="4" name="Picture 3" descr="A screenshot of a cell phone&#10;&#10;Description generated with very high confidence">
+            <a:extLst>
+              <a:ext uri="{FF2B5EF4-FFF2-40B4-BE49-F238E27FC236}">
+                <a16:creationId xmlns:a16="http://schemas.microsoft.com/office/drawing/2014/main" id="{67B204EB-E27A-4A3D-B404-1736C33E0054}"/>
+              </a:ext>
+            </a:extLst>
+          </p:cNvPr>
+          <p:cNvPicPr>
+            <a:picLocks noChangeAspect="1"/>
+          </p:cNvPicPr>
+          <p:nvPr/>
+        </p:nvPicPr>
+        <p:blipFill>
+          <a:blip r:embed="rId8">
+            <a:extLst>
+              <a:ext uri="{28A0092B-C50C-407E-A947-70E740481C1C}">
+                <a14:useLocalDpi xmlns:a14="http://schemas.microsoft.com/office/drawing/2010/main" val="0"/>
+              </a:ext>
+            </a:extLst>
+          </a:blip>
+          <a:stretch>
+            <a:fillRect/>
+          </a:stretch>
+        </p:blipFill>
+        <p:spPr>
+          <a:xfrm>
+            <a:off x="4790053" y="0"/>
+            <a:ext cx="4114800" cy="6858000"/>
+          </a:xfrm>
+          <a:prstGeom prst="rect">
+            <a:avLst/>
+          </a:prstGeom>
+        </p:spPr>
+      </p:pic>
+      <p:pic>
+        <p:nvPicPr>
+          <p:cNvPr id="8" name="Picture 7" descr="A screenshot of a cell phone&#10;&#10;Description generated with very high confidence">
+            <a:extLst>
+              <a:ext uri="{FF2B5EF4-FFF2-40B4-BE49-F238E27FC236}">
+                <a16:creationId xmlns:a16="http://schemas.microsoft.com/office/drawing/2014/main" id="{0544B968-EEBC-49E0-AECF-7116BB9C2152}"/>
+              </a:ext>
+            </a:extLst>
+          </p:cNvPr>
+          <p:cNvPicPr>
+            <a:picLocks noChangeAspect="1"/>
+          </p:cNvPicPr>
+          <p:nvPr/>
+        </p:nvPicPr>
+        <p:blipFill>
+          <a:blip r:embed="rId9">
+            <a:extLst>
+              <a:ext uri="{28A0092B-C50C-407E-A947-70E740481C1C}">
+                <a14:useLocalDpi xmlns:a14="http://schemas.microsoft.com/office/drawing/2010/main" val="0"/>
+              </a:ext>
+            </a:extLst>
+          </a:blip>
+          <a:stretch>
+            <a:fillRect/>
+          </a:stretch>
+        </p:blipFill>
+        <p:spPr>
+          <a:xfrm>
+            <a:off x="4813938" y="0"/>
+            <a:ext cx="4114800" cy="6858000"/>
+          </a:xfrm>
+          <a:prstGeom prst="rect">
+            <a:avLst/>
+          </a:prstGeom>
+        </p:spPr>
+      </p:pic>
     </p:spTree>
     <p:extLst>
       <p:ext uri="{BB962C8B-B14F-4D97-AF65-F5344CB8AC3E}">
-        <p14:creationId xmlns:p14="http://schemas.microsoft.com/office/powerpoint/2010/main" val="3552584685"/>
+        <p14:creationId xmlns:p14="http://schemas.microsoft.com/office/powerpoint/2010/main" val="940717888"/>
       </p:ext>
     </p:extLst>
   </p:cSld>
   <p:clrMapOvr>
     <a:masterClrMapping/>
   </p:clrMapOvr>
+  <p:timing>
+    <p:tnLst>
+      <p:par>
+        <p:cTn id="1" dur="indefinite" restart="never" nodeType="tmRoot">
+          <p:childTnLst>
+            <p:seq concurrent="1" nextAc="seek">
+              <p:cTn id="2" dur="indefinite" nodeType="mainSeq">
+                <p:childTnLst>
+                  <p:par>
+                    <p:cTn id="3" fill="hold">
+                      <p:stCondLst>
+                        <p:cond delay="indefinite"/>
+                      </p:stCondLst>
+                      <p:childTnLst>
+                        <p:par>
+                          <p:cTn id="4" fill="hold">
+                            <p:stCondLst>
+                              <p:cond delay="0"/>
+                            </p:stCondLst>
+                            <p:childTnLst>
+                              <p:par>
+                                <p:cTn id="5" presetID="1" presetClass="entr" presetSubtype="0" fill="hold" nodeType="clickEffect">
+                                  <p:stCondLst>
+                                    <p:cond delay="0"/>
+                                  </p:stCondLst>
+                                  <p:childTnLst>
+                                    <p:set>
+                                      <p:cBhvr>
+                                        <p:cTn id="6" dur="1" fill="hold">
+                                          <p:stCondLst>
+                                            <p:cond delay="0"/>
+                                          </p:stCondLst>
+                                        </p:cTn>
+                                        <p:tgtEl>
+                                          <p:spTgt spid="10"/>
+                                        </p:tgtEl>
+                                        <p:attrNameLst>
+                                          <p:attrName>style.visibility</p:attrName>
+                                        </p:attrNameLst>
+                                      </p:cBhvr>
+                                      <p:to>
+                                        <p:strVal val="visible"/>
+                                      </p:to>
+                                    </p:set>
+                                  </p:childTnLst>
+                                </p:cTn>
+                              </p:par>
+                            </p:childTnLst>
+                          </p:cTn>
+                        </p:par>
+                      </p:childTnLst>
+                    </p:cTn>
+                  </p:par>
+                  <p:par>
+                    <p:cTn id="7" fill="hold">
+                      <p:stCondLst>
+                        <p:cond delay="indefinite"/>
+                      </p:stCondLst>
+                      <p:childTnLst>
+                        <p:par>
+                          <p:cTn id="8" fill="hold">
+                            <p:stCondLst>
+                              <p:cond delay="0"/>
+                            </p:stCondLst>
+                            <p:childTnLst>
+                              <p:par>
+                                <p:cTn id="9" presetID="1" presetClass="entr" presetSubtype="0" fill="hold" nodeType="clickEffect">
+                                  <p:stCondLst>
+                                    <p:cond delay="0"/>
+                                  </p:stCondLst>
+                                  <p:childTnLst>
+                                    <p:set>
+                                      <p:cBhvr>
+                                        <p:cTn id="10" dur="1" fill="hold">
+                                          <p:stCondLst>
+                                            <p:cond delay="0"/>
+                                          </p:stCondLst>
+                                        </p:cTn>
+                                        <p:tgtEl>
+                                          <p:spTgt spid="12"/>
+                                        </p:tgtEl>
+                                        <p:attrNameLst>
+                                          <p:attrName>style.visibility</p:attrName>
+                                        </p:attrNameLst>
+                                      </p:cBhvr>
+                                      <p:to>
+                                        <p:strVal val="visible"/>
+                                      </p:to>
+                                    </p:set>
+                                  </p:childTnLst>
+                                </p:cTn>
+                              </p:par>
+                            </p:childTnLst>
+                          </p:cTn>
+                        </p:par>
+                      </p:childTnLst>
+                    </p:cTn>
+                  </p:par>
+                  <p:par>
+                    <p:cTn id="11" fill="hold">
+                      <p:stCondLst>
+                        <p:cond delay="indefinite"/>
+                      </p:stCondLst>
+                      <p:childTnLst>
+                        <p:par>
+                          <p:cTn id="12" fill="hold">
+                            <p:stCondLst>
+                              <p:cond delay="0"/>
+                            </p:stCondLst>
+                            <p:childTnLst>
+                              <p:par>
+                                <p:cTn id="13" presetID="1" presetClass="entr" presetSubtype="0" fill="hold" nodeType="clickEffect">
+                                  <p:stCondLst>
+                                    <p:cond delay="0"/>
+                                  </p:stCondLst>
+                                  <p:childTnLst>
+                                    <p:set>
+                                      <p:cBhvr>
+                                        <p:cTn id="14" dur="1" fill="hold">
+                                          <p:stCondLst>
+                                            <p:cond delay="0"/>
+                                          </p:stCondLst>
+                                        </p:cTn>
+                                        <p:tgtEl>
+                                          <p:spTgt spid="30"/>
+                                        </p:tgtEl>
+                                        <p:attrNameLst>
+                                          <p:attrName>style.visibility</p:attrName>
+                                        </p:attrNameLst>
+                                      </p:cBhvr>
+                                      <p:to>
+                                        <p:strVal val="visible"/>
+                                      </p:to>
+                                    </p:set>
+                                  </p:childTnLst>
+                                </p:cTn>
+                              </p:par>
+                            </p:childTnLst>
+                          </p:cTn>
+                        </p:par>
+                      </p:childTnLst>
+                    </p:cTn>
+                  </p:par>
+                  <p:par>
+                    <p:cTn id="15" fill="hold">
+                      <p:stCondLst>
+                        <p:cond delay="indefinite"/>
+                      </p:stCondLst>
+                      <p:childTnLst>
+                        <p:par>
+                          <p:cTn id="16" fill="hold">
+                            <p:stCondLst>
+                              <p:cond delay="0"/>
+                            </p:stCondLst>
+                            <p:childTnLst>
+                              <p:par>
+                                <p:cTn id="17" presetID="1" presetClass="entr" presetSubtype="0" fill="hold" nodeType="clickEffect">
+                                  <p:stCondLst>
+                                    <p:cond delay="0"/>
+                                  </p:stCondLst>
+                                  <p:childTnLst>
+                                    <p:set>
+                                      <p:cBhvr>
+                                        <p:cTn id="18" dur="1" fill="hold">
+                                          <p:stCondLst>
+                                            <p:cond delay="0"/>
+                                          </p:stCondLst>
+                                        </p:cTn>
+                                        <p:tgtEl>
+                                          <p:spTgt spid="24"/>
+                                        </p:tgtEl>
+                                        <p:attrNameLst>
+                                          <p:attrName>style.visibility</p:attrName>
+                                        </p:attrNameLst>
+                                      </p:cBhvr>
+                                      <p:to>
+                                        <p:strVal val="visible"/>
+                                      </p:to>
+                                    </p:set>
+                                  </p:childTnLst>
+                                </p:cTn>
+                              </p:par>
+                            </p:childTnLst>
+                          </p:cTn>
+                        </p:par>
+                      </p:childTnLst>
+                    </p:cTn>
+                  </p:par>
+                  <p:par>
+                    <p:cTn id="19" fill="hold">
+                      <p:stCondLst>
+                        <p:cond delay="indefinite"/>
+                      </p:stCondLst>
+                      <p:childTnLst>
+                        <p:par>
+                          <p:cTn id="20" fill="hold">
+                            <p:stCondLst>
+                              <p:cond delay="0"/>
+                            </p:stCondLst>
+                            <p:childTnLst>
+                              <p:par>
+                                <p:cTn id="21" presetID="1" presetClass="entr" presetSubtype="0" fill="hold" nodeType="clickEffect">
+                                  <p:stCondLst>
+                                    <p:cond delay="0"/>
+                                  </p:stCondLst>
+                                  <p:childTnLst>
+                                    <p:set>
+                                      <p:cBhvr>
+                                        <p:cTn id="22" dur="1" fill="hold">
+                                          <p:stCondLst>
+                                            <p:cond delay="0"/>
+                                          </p:stCondLst>
+                                        </p:cTn>
+                                        <p:tgtEl>
+                                          <p:spTgt spid="28"/>
+                                        </p:tgtEl>
+                                        <p:attrNameLst>
+                                          <p:attrName>style.visibility</p:attrName>
+                                        </p:attrNameLst>
+                                      </p:cBhvr>
+                                      <p:to>
+                                        <p:strVal val="visible"/>
+                                      </p:to>
+                                    </p:set>
+                                  </p:childTnLst>
+                                </p:cTn>
+                              </p:par>
+                            </p:childTnLst>
+                          </p:cTn>
+                        </p:par>
+                      </p:childTnLst>
+                    </p:cTn>
+                  </p:par>
+                  <p:par>
+                    <p:cTn id="23" fill="hold">
+                      <p:stCondLst>
+                        <p:cond delay="indefinite"/>
+                      </p:stCondLst>
+                      <p:childTnLst>
+                        <p:par>
+                          <p:cTn id="24" fill="hold">
+                            <p:stCondLst>
+                              <p:cond delay="0"/>
+                            </p:stCondLst>
+                            <p:childTnLst>
+                              <p:par>
+                                <p:cTn id="25" presetID="1" presetClass="entr" presetSubtype="0" fill="hold" nodeType="clickEffect">
+                                  <p:stCondLst>
+                                    <p:cond delay="0"/>
+                                  </p:stCondLst>
+                                  <p:childTnLst>
+                                    <p:set>
+                                      <p:cBhvr>
+                                        <p:cTn id="26" dur="1" fill="hold">
+                                          <p:stCondLst>
+                                            <p:cond delay="0"/>
+                                          </p:stCondLst>
+                                        </p:cTn>
+                                        <p:tgtEl>
+                                          <p:spTgt spid="4"/>
+                                        </p:tgtEl>
+                                        <p:attrNameLst>
+                                          <p:attrName>style.visibility</p:attrName>
+                                        </p:attrNameLst>
+                                      </p:cBhvr>
+                                      <p:to>
+                                        <p:strVal val="visible"/>
+                                      </p:to>
+                                    </p:set>
+                                  </p:childTnLst>
+                                </p:cTn>
+                              </p:par>
+                            </p:childTnLst>
+                          </p:cTn>
+                        </p:par>
+                      </p:childTnLst>
+                    </p:cTn>
+                  </p:par>
+                  <p:par>
+                    <p:cTn id="27" fill="hold">
+                      <p:stCondLst>
+                        <p:cond delay="indefinite"/>
+                      </p:stCondLst>
+                      <p:childTnLst>
+                        <p:par>
+                          <p:cTn id="28" fill="hold">
+                            <p:stCondLst>
+                              <p:cond delay="0"/>
+                            </p:stCondLst>
+                            <p:childTnLst>
+                              <p:par>
+                                <p:cTn id="29" presetID="1" presetClass="entr" presetSubtype="0" fill="hold" nodeType="clickEffect">
+                                  <p:stCondLst>
+                                    <p:cond delay="0"/>
+                                  </p:stCondLst>
+                                  <p:childTnLst>
+                                    <p:set>
+                                      <p:cBhvr>
+                                        <p:cTn id="30" dur="1" fill="hold">
+                                          <p:stCondLst>
+                                            <p:cond delay="0"/>
+                                          </p:stCondLst>
+                                        </p:cTn>
+                                        <p:tgtEl>
+                                          <p:spTgt spid="8"/>
+                                        </p:tgtEl>
+                                        <p:attrNameLst>
+                                          <p:attrName>style.visibility</p:attrName>
+                                        </p:attrNameLst>
+                                      </p:cBhvr>
+                                      <p:to>
+                                        <p:strVal val="visible"/>
+                                      </p:to>
+                                    </p:set>
+                                  </p:childTnLst>
+                                </p:cTn>
+                              </p:par>
+                            </p:childTnLst>
+                          </p:cTn>
+                        </p:par>
+                      </p:childTnLst>
+                    </p:cTn>
+                  </p:par>
+                </p:childTnLst>
+              </p:cTn>
+              <p:prevCondLst>
+                <p:cond evt="onPrev" delay="0">
+                  <p:tgtEl>
+                    <p:sldTgt/>
+                  </p:tgtEl>
+                </p:cond>
+              </p:prevCondLst>
+              <p:nextCondLst>
+                <p:cond evt="onNext" delay="0">
+                  <p:tgtEl>
+                    <p:sldTgt/>
+                  </p:tgtEl>
+                </p:cond>
+              </p:nextCondLst>
+            </p:seq>
+          </p:childTnLst>
+        </p:cTn>
+      </p:par>
+    </p:tnLst>
+  </p:timing>
 </p:sld>
 </file>
 
@@ -7311,71 +7740,6 @@
           <p:cNvPr id="2" name="Title 1">
             <a:extLst>
               <a:ext uri="{FF2B5EF4-FFF2-40B4-BE49-F238E27FC236}">
-                <a16:creationId xmlns:a16="http://schemas.microsoft.com/office/drawing/2014/main" id="{6CB99DFA-5F0E-477B-81EF-0D2591513E47}"/>
-              </a:ext>
-            </a:extLst>
-          </p:cNvPr>
-          <p:cNvSpPr>
-            <a:spLocks noGrp="1"/>
-          </p:cNvSpPr>
-          <p:nvPr>
-            <p:ph type="title"/>
-          </p:nvPr>
-        </p:nvSpPr>
-        <p:spPr>
-          <a:xfrm>
-            <a:off x="1790700" y="2782486"/>
-            <a:ext cx="8610600" cy="1293028"/>
-          </a:xfrm>
-        </p:spPr>
-        <p:txBody>
-          <a:bodyPr/>
-          <a:lstStyle/>
-          <a:p>
-            <a:pPr algn="ctr"/>
-            <a:r>
-              <a:rPr lang="en-ZA" dirty="0" err="1"/>
-              <a:t>DEmo</a:t>
-            </a:r>
-            <a:endParaRPr lang="en-ZA" dirty="0"/>
-          </a:p>
-        </p:txBody>
-      </p:sp>
-    </p:spTree>
-    <p:extLst>
-      <p:ext uri="{BB962C8B-B14F-4D97-AF65-F5344CB8AC3E}">
-        <p14:creationId xmlns:p14="http://schemas.microsoft.com/office/powerpoint/2010/main" val="940717888"/>
-      </p:ext>
-    </p:extLst>
-  </p:cSld>
-  <p:clrMapOvr>
-    <a:masterClrMapping/>
-  </p:clrMapOvr>
-</p:sld>
-</file>
-
-<file path=ppt/slides/slide12.xml><?xml version="1.0" encoding="utf-8"?>
-<p:sld xmlns:a="http://schemas.openxmlformats.org/drawingml/2006/main" xmlns:r="http://schemas.openxmlformats.org/officeDocument/2006/relationships" xmlns:p="http://schemas.openxmlformats.org/presentationml/2006/main">
-  <p:cSld>
-    <p:spTree>
-      <p:nvGrpSpPr>
-        <p:cNvPr id="1" name=""/>
-        <p:cNvGrpSpPr/>
-        <p:nvPr/>
-      </p:nvGrpSpPr>
-      <p:grpSpPr>
-        <a:xfrm>
-          <a:off x="0" y="0"/>
-          <a:ext cx="0" cy="0"/>
-          <a:chOff x="0" y="0"/>
-          <a:chExt cx="0" cy="0"/>
-        </a:xfrm>
-      </p:grpSpPr>
-      <p:sp>
-        <p:nvSpPr>
-          <p:cNvPr id="2" name="Title 1">
-            <a:extLst>
-              <a:ext uri="{FF2B5EF4-FFF2-40B4-BE49-F238E27FC236}">
                 <a16:creationId xmlns:a16="http://schemas.microsoft.com/office/drawing/2014/main" id="{5D63D6FE-15C4-43C9-9615-3181E2A271E0}"/>
               </a:ext>
             </a:extLst>
@@ -7470,7 +7834,7 @@
 </p:sld>
 </file>
 
-<file path=ppt/slides/slide13.xml><?xml version="1.0" encoding="utf-8"?>
+<file path=ppt/slides/slide12.xml><?xml version="1.0" encoding="utf-8"?>
 <p:sld xmlns:a="http://schemas.openxmlformats.org/drawingml/2006/main" xmlns:r="http://schemas.openxmlformats.org/officeDocument/2006/relationships" xmlns:p="http://schemas.openxmlformats.org/presentationml/2006/main">
   <p:cSld>
     <p:spTree>
@@ -7551,36 +7915,41 @@
           <a:chExt cx="0" cy="0"/>
         </a:xfrm>
       </p:grpSpPr>
-      <p:sp>
-        <p:nvSpPr>
-          <p:cNvPr id="5" name="Content Placeholder 4">
+      <p:pic>
+        <p:nvPicPr>
+          <p:cNvPr id="3" name="Content Placeholder 2">
             <a:extLst>
               <a:ext uri="{FF2B5EF4-FFF2-40B4-BE49-F238E27FC236}">
-                <a16:creationId xmlns:a16="http://schemas.microsoft.com/office/drawing/2014/main" id="{E9081107-3355-4448-B76C-898F4266B70D}"/>
+                <a16:creationId xmlns:a16="http://schemas.microsoft.com/office/drawing/2014/main" id="{BEED47BD-6D21-49D7-9005-1E455C56B33B}"/>
               </a:ext>
             </a:extLst>
           </p:cNvPr>
-          <p:cNvSpPr>
-            <a:spLocks noGrp="1"/>
-          </p:cNvSpPr>
+          <p:cNvPicPr>
+            <a:picLocks noGrp="1" noChangeAspect="1"/>
+          </p:cNvPicPr>
           <p:nvPr>
             <p:ph idx="1"/>
           </p:nvPr>
-        </p:nvSpPr>
-        <p:spPr>
-          <a:xfrm>
-            <a:off x="685800" y="1524000"/>
-            <a:ext cx="10820400" cy="4694685"/>
-          </a:xfrm>
-        </p:spPr>
-        <p:txBody>
-          <a:bodyPr/>
-          <a:lstStyle/>
-          <a:p>
-            <a:endParaRPr lang="en-ZA" dirty="0"/>
-          </a:p>
-        </p:txBody>
-      </p:sp>
+        </p:nvPicPr>
+        <p:blipFill>
+          <a:blip r:embed="rId2">
+            <a:extLst>
+              <a:ext uri="{28A0092B-C50C-407E-A947-70E740481C1C}">
+                <a14:useLocalDpi xmlns:a14="http://schemas.microsoft.com/office/drawing/2010/main" val="0"/>
+              </a:ext>
+            </a:extLst>
+          </a:blip>
+          <a:stretch>
+            <a:fillRect/>
+          </a:stretch>
+        </p:blipFill>
+        <p:spPr>
+          <a:xfrm>
+            <a:off x="1772529" y="402022"/>
+            <a:ext cx="8071941" cy="6053956"/>
+          </a:xfrm>
+        </p:spPr>
+      </p:pic>
     </p:spTree>
     <p:extLst>
       <p:ext uri="{BB962C8B-B14F-4D97-AF65-F5344CB8AC3E}">
@@ -8002,7 +8371,7 @@
           <p:cNvPr id="2" name="Title 1">
             <a:extLst>
               <a:ext uri="{FF2B5EF4-FFF2-40B4-BE49-F238E27FC236}">
-                <a16:creationId xmlns:a16="http://schemas.microsoft.com/office/drawing/2014/main" id="{34C98536-B10B-434E-9CC7-A0E0B1A1D13E}"/>
+                <a16:creationId xmlns:a16="http://schemas.microsoft.com/office/drawing/2014/main" id="{177EC65B-6D56-408E-B4F1-DE2203095FCE}"/>
               </a:ext>
             </a:extLst>
           </p:cNvPr>
@@ -8020,7 +8389,7 @@
           <a:p>
             <a:r>
               <a:rPr lang="en-ZA" dirty="0"/>
-              <a:t>HTML+CSS</a:t>
+              <a:t>Design Choices</a:t>
             </a:r>
           </a:p>
         </p:txBody>
@@ -8030,7 +8399,7 @@
           <p:cNvPr id="3" name="Content Placeholder 2">
             <a:extLst>
               <a:ext uri="{FF2B5EF4-FFF2-40B4-BE49-F238E27FC236}">
-                <a16:creationId xmlns:a16="http://schemas.microsoft.com/office/drawing/2014/main" id="{78661C81-9B33-4FDD-BF8B-576AAB95A1AC}"/>
+                <a16:creationId xmlns:a16="http://schemas.microsoft.com/office/drawing/2014/main" id="{8C72BE35-8AF8-48BE-AF24-D9E9E844F85D}"/>
               </a:ext>
             </a:extLst>
           </p:cNvPr>
@@ -8046,14 +8415,47 @@
           <a:bodyPr/>
           <a:lstStyle/>
           <a:p>
-            <a:endParaRPr lang="en-ZA" dirty="0"/>
+            <a:r>
+              <a:rPr lang="en-ZA" dirty="0"/>
+              <a:t>Portrait</a:t>
+            </a:r>
+          </a:p>
+          <a:p>
+            <a:r>
+              <a:rPr lang="en-ZA" dirty="0"/>
+              <a:t>Table format</a:t>
+            </a:r>
+          </a:p>
+          <a:p>
+            <a:r>
+              <a:rPr lang="en-ZA" dirty="0"/>
+              <a:t>Red for booked slots</a:t>
+            </a:r>
+          </a:p>
+          <a:p>
+            <a:r>
+              <a:rPr lang="en-ZA" dirty="0"/>
+              <a:t>BBD colours</a:t>
+            </a:r>
+          </a:p>
+          <a:p>
+            <a:r>
+              <a:rPr lang="en-ZA" dirty="0"/>
+              <a:t>Blue header</a:t>
+            </a:r>
+          </a:p>
+          <a:p>
+            <a:r>
+              <a:rPr lang="en-ZA" dirty="0"/>
+              <a:t>Icons for rooms</a:t>
+            </a:r>
           </a:p>
         </p:txBody>
       </p:sp>
     </p:spTree>
     <p:extLst>
       <p:ext uri="{BB962C8B-B14F-4D97-AF65-F5344CB8AC3E}">
-        <p14:creationId xmlns:p14="http://schemas.microsoft.com/office/powerpoint/2010/main" val="3095995025"/>
+        <p14:creationId xmlns:p14="http://schemas.microsoft.com/office/powerpoint/2010/main" val="4294328984"/>
       </p:ext>
     </p:extLst>
   </p:cSld>
@@ -8085,7 +8487,7 @@
           <p:cNvPr id="2" name="Title 1">
             <a:extLst>
               <a:ext uri="{FF2B5EF4-FFF2-40B4-BE49-F238E27FC236}">
-                <a16:creationId xmlns:a16="http://schemas.microsoft.com/office/drawing/2014/main" id="{177EC65B-6D56-408E-B4F1-DE2203095FCE}"/>
+                <a16:creationId xmlns:a16="http://schemas.microsoft.com/office/drawing/2014/main" id="{52A12601-0F6A-45C4-ADA3-C1D84AD6EAB6}"/>
               </a:ext>
             </a:extLst>
           </p:cNvPr>
@@ -8103,73 +8505,50 @@
           <a:p>
             <a:r>
               <a:rPr lang="en-ZA" dirty="0"/>
-              <a:t>Design Choices</a:t>
-            </a:r>
-          </a:p>
-        </p:txBody>
-      </p:sp>
-      <p:sp>
-        <p:nvSpPr>
-          <p:cNvPr id="3" name="Content Placeholder 2">
+              <a:t>Server</a:t>
+            </a:r>
+          </a:p>
+        </p:txBody>
+      </p:sp>
+      <p:pic>
+        <p:nvPicPr>
+          <p:cNvPr id="7" name="Content Placeholder 6">
             <a:extLst>
               <a:ext uri="{FF2B5EF4-FFF2-40B4-BE49-F238E27FC236}">
-                <a16:creationId xmlns:a16="http://schemas.microsoft.com/office/drawing/2014/main" id="{8C72BE35-8AF8-48BE-AF24-D9E9E844F85D}"/>
+                <a16:creationId xmlns:a16="http://schemas.microsoft.com/office/drawing/2014/main" id="{0FED958E-7E41-4C1F-9723-2B00B3D80262}"/>
               </a:ext>
             </a:extLst>
           </p:cNvPr>
-          <p:cNvSpPr>
-            <a:spLocks noGrp="1"/>
-          </p:cNvSpPr>
+          <p:cNvPicPr>
+            <a:picLocks noGrp="1" noChangeAspect="1"/>
+          </p:cNvPicPr>
           <p:nvPr>
             <p:ph idx="1"/>
           </p:nvPr>
-        </p:nvSpPr>
-        <p:spPr/>
-        <p:txBody>
-          <a:bodyPr/>
-          <a:lstStyle/>
-          <a:p>
-            <a:r>
-              <a:rPr lang="en-ZA" dirty="0"/>
-              <a:t>Portrait</a:t>
-            </a:r>
-          </a:p>
-          <a:p>
-            <a:r>
-              <a:rPr lang="en-ZA" dirty="0"/>
-              <a:t>Table format</a:t>
-            </a:r>
-          </a:p>
-          <a:p>
-            <a:r>
-              <a:rPr lang="en-ZA" dirty="0"/>
-              <a:t>Red for booked slots</a:t>
-            </a:r>
-          </a:p>
-          <a:p>
-            <a:r>
-              <a:rPr lang="en-ZA" dirty="0"/>
-              <a:t>BBD colours</a:t>
-            </a:r>
-          </a:p>
-          <a:p>
-            <a:r>
-              <a:rPr lang="en-ZA" dirty="0"/>
-              <a:t>Blue header</a:t>
-            </a:r>
-          </a:p>
-          <a:p>
-            <a:r>
-              <a:rPr lang="en-ZA" dirty="0"/>
-              <a:t>Icons for rooms</a:t>
-            </a:r>
-          </a:p>
-        </p:txBody>
-      </p:sp>
+        </p:nvPicPr>
+        <p:blipFill>
+          <a:blip r:embed="rId3">
+            <a:extLst>
+              <a:ext uri="{28A0092B-C50C-407E-A947-70E740481C1C}">
+                <a14:useLocalDpi xmlns:a14="http://schemas.microsoft.com/office/drawing/2010/main" val="0"/>
+              </a:ext>
+            </a:extLst>
+          </a:blip>
+          <a:stretch>
+            <a:fillRect/>
+          </a:stretch>
+        </p:blipFill>
+        <p:spPr>
+          <a:xfrm>
+            <a:off x="1200413" y="1448973"/>
+            <a:ext cx="7948350" cy="4476372"/>
+          </a:xfrm>
+        </p:spPr>
+      </p:pic>
     </p:spTree>
     <p:extLst>
       <p:ext uri="{BB962C8B-B14F-4D97-AF65-F5344CB8AC3E}">
-        <p14:creationId xmlns:p14="http://schemas.microsoft.com/office/powerpoint/2010/main" val="4294328984"/>
+        <p14:creationId xmlns:p14="http://schemas.microsoft.com/office/powerpoint/2010/main" val="2340641892"/>
       </p:ext>
     </p:extLst>
   </p:cSld>
@@ -8201,7 +8580,7 @@
           <p:cNvPr id="2" name="Title 1">
             <a:extLst>
               <a:ext uri="{FF2B5EF4-FFF2-40B4-BE49-F238E27FC236}">
-                <a16:creationId xmlns:a16="http://schemas.microsoft.com/office/drawing/2014/main" id="{52A12601-0F6A-45C4-ADA3-C1D84AD6EAB6}"/>
+                <a16:creationId xmlns:a16="http://schemas.microsoft.com/office/drawing/2014/main" id="{C58DB181-0010-439E-B228-3C60B6DAEA97}"/>
               </a:ext>
             </a:extLst>
           </p:cNvPr>
@@ -8219,50 +8598,73 @@
           <a:p>
             <a:r>
               <a:rPr lang="en-ZA" dirty="0"/>
-              <a:t>Server</a:t>
-            </a:r>
-          </a:p>
-        </p:txBody>
-      </p:sp>
-      <p:pic>
-        <p:nvPicPr>
-          <p:cNvPr id="7" name="Content Placeholder 6">
+              <a:t>Challenges</a:t>
+            </a:r>
+          </a:p>
+        </p:txBody>
+      </p:sp>
+      <p:sp>
+        <p:nvSpPr>
+          <p:cNvPr id="3" name="Content Placeholder 2">
             <a:extLst>
               <a:ext uri="{FF2B5EF4-FFF2-40B4-BE49-F238E27FC236}">
-                <a16:creationId xmlns:a16="http://schemas.microsoft.com/office/drawing/2014/main" id="{0FED958E-7E41-4C1F-9723-2B00B3D80262}"/>
+                <a16:creationId xmlns:a16="http://schemas.microsoft.com/office/drawing/2014/main" id="{C2E121B4-7A5C-45D3-A8DC-78A8D4BBF84C}"/>
               </a:ext>
             </a:extLst>
           </p:cNvPr>
-          <p:cNvPicPr>
-            <a:picLocks noGrp="1" noChangeAspect="1"/>
-          </p:cNvPicPr>
+          <p:cNvSpPr>
+            <a:spLocks noGrp="1"/>
+          </p:cNvSpPr>
           <p:nvPr>
             <p:ph idx="1"/>
           </p:nvPr>
-        </p:nvPicPr>
-        <p:blipFill>
-          <a:blip r:embed="rId3">
-            <a:extLst>
-              <a:ext uri="{28A0092B-C50C-407E-A947-70E740481C1C}">
-                <a14:useLocalDpi xmlns:a14="http://schemas.microsoft.com/office/drawing/2010/main" val="0"/>
-              </a:ext>
-            </a:extLst>
-          </a:blip>
-          <a:stretch>
-            <a:fillRect/>
-          </a:stretch>
-        </p:blipFill>
-        <p:spPr>
-          <a:xfrm>
-            <a:off x="1200413" y="1448973"/>
-            <a:ext cx="7948350" cy="4476372"/>
-          </a:xfrm>
-        </p:spPr>
-      </p:pic>
+        </p:nvSpPr>
+        <p:spPr/>
+        <p:txBody>
+          <a:bodyPr/>
+          <a:lstStyle/>
+          <a:p>
+            <a:r>
+              <a:rPr lang="en-ZA" dirty="0"/>
+              <a:t>Everything</a:t>
+            </a:r>
+          </a:p>
+          <a:p>
+            <a:r>
+              <a:rPr lang="en-ZA" dirty="0"/>
+              <a:t>Token Authorisation</a:t>
+            </a:r>
+          </a:p>
+          <a:p>
+            <a:r>
+              <a:rPr lang="en-ZA" dirty="0"/>
+              <a:t>Using an external server before remembering apache</a:t>
+            </a:r>
+          </a:p>
+          <a:p>
+            <a:r>
+              <a:rPr lang="en-ZA" dirty="0"/>
+              <a:t>Show web browser on boot-up</a:t>
+            </a:r>
+          </a:p>
+          <a:p>
+            <a:r>
+              <a:rPr lang="en-ZA" dirty="0"/>
+              <a:t>Change pi’s orientation, issues with touchscreen</a:t>
+            </a:r>
+          </a:p>
+          <a:p>
+            <a:r>
+              <a:rPr lang="en-ZA" dirty="0"/>
+              <a:t>Case didn’t fit</a:t>
+            </a:r>
+          </a:p>
+        </p:txBody>
+      </p:sp>
     </p:spTree>
     <p:extLst>
       <p:ext uri="{BB962C8B-B14F-4D97-AF65-F5344CB8AC3E}">
-        <p14:creationId xmlns:p14="http://schemas.microsoft.com/office/powerpoint/2010/main" val="2340641892"/>
+        <p14:creationId xmlns:p14="http://schemas.microsoft.com/office/powerpoint/2010/main" val="265406675"/>
       </p:ext>
     </p:extLst>
   </p:cSld>
@@ -8294,7 +8696,7 @@
           <p:cNvPr id="2" name="Title 1">
             <a:extLst>
               <a:ext uri="{FF2B5EF4-FFF2-40B4-BE49-F238E27FC236}">
-                <a16:creationId xmlns:a16="http://schemas.microsoft.com/office/drawing/2014/main" id="{C58DB181-0010-439E-B228-3C60B6DAEA97}"/>
+                <a16:creationId xmlns:a16="http://schemas.microsoft.com/office/drawing/2014/main" id="{17ECB207-C75D-4209-A644-DB7D10DCCF87}"/>
               </a:ext>
             </a:extLst>
           </p:cNvPr>
@@ -8312,7 +8714,7 @@
           <a:p>
             <a:r>
               <a:rPr lang="en-ZA" dirty="0"/>
-              <a:t>Challenges</a:t>
+              <a:t>Future expansions</a:t>
             </a:r>
           </a:p>
         </p:txBody>
@@ -8322,7 +8724,7 @@
           <p:cNvPr id="3" name="Content Placeholder 2">
             <a:extLst>
               <a:ext uri="{FF2B5EF4-FFF2-40B4-BE49-F238E27FC236}">
-                <a16:creationId xmlns:a16="http://schemas.microsoft.com/office/drawing/2014/main" id="{C2E121B4-7A5C-45D3-A8DC-78A8D4BBF84C}"/>
+                <a16:creationId xmlns:a16="http://schemas.microsoft.com/office/drawing/2014/main" id="{91EC4942-F56A-497C-BE2D-C4A642BED843}"/>
               </a:ext>
             </a:extLst>
           </p:cNvPr>
@@ -8335,50 +8737,77 @@
         </p:nvSpPr>
         <p:spPr/>
         <p:txBody>
-          <a:bodyPr/>
+          <a:bodyPr>
+            <a:normAutofit/>
+          </a:bodyPr>
           <a:lstStyle/>
           <a:p>
             <a:r>
               <a:rPr lang="en-ZA" dirty="0"/>
-              <a:t>Everything</a:t>
+              <a:t>Add more time slots</a:t>
             </a:r>
           </a:p>
           <a:p>
             <a:r>
               <a:rPr lang="en-ZA" dirty="0"/>
-              <a:t>Token Authorisation</a:t>
-            </a:r>
-          </a:p>
-          <a:p>
+              <a:t>View future dates</a:t>
+            </a:r>
+          </a:p>
+          <a:p>
+            <a:r>
+              <a:rPr lang="en-ZA"/>
+              <a:t>Put </a:t>
+            </a:r>
             <a:r>
               <a:rPr lang="en-ZA" dirty="0"/>
-              <a:t>Using an external server before remembering apache</a:t>
+              <a:t>it on a proper server</a:t>
             </a:r>
           </a:p>
           <a:p>
             <a:r>
               <a:rPr lang="en-ZA" dirty="0"/>
-              <a:t>Show web browser on boot-up</a:t>
+              <a:t>Making it more dynamic</a:t>
             </a:r>
           </a:p>
           <a:p>
             <a:r>
               <a:rPr lang="en-ZA" dirty="0"/>
-              <a:t>Change pi’s orientation, issues with touchscreen</a:t>
+              <a:t>Security-MSAL</a:t>
             </a:r>
           </a:p>
           <a:p>
             <a:r>
               <a:rPr lang="en-ZA" dirty="0"/>
-              <a:t>Case didn’t fit</a:t>
-            </a:r>
+              <a:t>Database system for admins</a:t>
+            </a:r>
+          </a:p>
+          <a:p>
+            <a:r>
+              <a:rPr lang="en-ZA" dirty="0"/>
+              <a:t>More visually appealing interface</a:t>
+            </a:r>
+          </a:p>
+          <a:p>
+            <a:r>
+              <a:rPr lang="en-ZA" dirty="0"/>
+              <a:t>Removal of past meetings</a:t>
+            </a:r>
+          </a:p>
+          <a:p>
+            <a:r>
+              <a:rPr lang="en-ZA" dirty="0"/>
+              <a:t>Different colours for adjacent meetings</a:t>
+            </a:r>
+          </a:p>
+          <a:p>
+            <a:endParaRPr lang="en-ZA" dirty="0"/>
           </a:p>
         </p:txBody>
       </p:sp>
     </p:spTree>
     <p:extLst>
       <p:ext uri="{BB962C8B-B14F-4D97-AF65-F5344CB8AC3E}">
-        <p14:creationId xmlns:p14="http://schemas.microsoft.com/office/powerpoint/2010/main" val="265406675"/>
+        <p14:creationId xmlns:p14="http://schemas.microsoft.com/office/powerpoint/2010/main" val="3552584685"/>
       </p:ext>
     </p:extLst>
   </p:cSld>
